--- a/powerpoint/Kmers_and_graphs.pptx
+++ b/powerpoint/Kmers_and_graphs.pptx
@@ -7,7 +7,12 @@
   <p:sldIdLst>
     <p:sldId id="256" r:id="rId2"/>
     <p:sldId id="348" r:id="rId3"/>
-    <p:sldId id="347" r:id="rId4"/>
+    <p:sldId id="459" r:id="rId4"/>
+    <p:sldId id="480" r:id="rId5"/>
+    <p:sldId id="479" r:id="rId6"/>
+    <p:sldId id="481" r:id="rId7"/>
+    <p:sldId id="482" r:id="rId8"/>
+    <p:sldId id="483" r:id="rId9"/>
   </p:sldIdLst>
   <p:sldSz cx="12192000" cy="6858000"/>
   <p:notesSz cx="6858000" cy="9144000"/>
@@ -263,7 +268,7 @@
           <a:p>
             <a:fld id="{DEABCE53-1D99-4BEE-AE28-D2367C4FBEC7}" type="datetimeFigureOut">
               <a:rPr lang="en-GB" smtClean="0"/>
-              <a:t>28/09/2020</a:t>
+              <a:t>02/10/2020</a:t>
             </a:fld>
             <a:endParaRPr lang="en-GB"/>
           </a:p>
@@ -463,7 +468,7 @@
           <a:p>
             <a:fld id="{DEABCE53-1D99-4BEE-AE28-D2367C4FBEC7}" type="datetimeFigureOut">
               <a:rPr lang="en-GB" smtClean="0"/>
-              <a:t>28/09/2020</a:t>
+              <a:t>02/10/2020</a:t>
             </a:fld>
             <a:endParaRPr lang="en-GB"/>
           </a:p>
@@ -673,7 +678,7 @@
           <a:p>
             <a:fld id="{DEABCE53-1D99-4BEE-AE28-D2367C4FBEC7}" type="datetimeFigureOut">
               <a:rPr lang="en-GB" smtClean="0"/>
-              <a:t>28/09/2020</a:t>
+              <a:t>02/10/2020</a:t>
             </a:fld>
             <a:endParaRPr lang="en-GB"/>
           </a:p>
@@ -737,6 +742,349 @@
     <p:extLst>
       <p:ext uri="{BB962C8B-B14F-4D97-AF65-F5344CB8AC3E}">
         <p14:creationId xmlns:p14="http://schemas.microsoft.com/office/powerpoint/2010/main" val="3791472290"/>
+      </p:ext>
+    </p:extLst>
+  </p:cSld>
+  <p:clrMapOvr>
+    <a:masterClrMapping/>
+  </p:clrMapOvr>
+</p:sldLayout>
+</file>
+
+<file path=ppt/slideLayouts/slideLayout12.xml><?xml version="1.0" encoding="utf-8"?>
+<p:sldLayout xmlns:a="http://schemas.openxmlformats.org/drawingml/2006/main" xmlns:r="http://schemas.openxmlformats.org/officeDocument/2006/relationships" xmlns:p="http://schemas.openxmlformats.org/presentationml/2006/main" userDrawn="1">
+  <p:cSld name="1_Custom Layout">
+    <p:spTree>
+      <p:nvGrpSpPr>
+        <p:cNvPr id="1" name=""/>
+        <p:cNvGrpSpPr/>
+        <p:nvPr/>
+      </p:nvGrpSpPr>
+      <p:grpSpPr>
+        <a:xfrm>
+          <a:off x="0" y="0"/>
+          <a:ext cx="0" cy="0"/>
+          <a:chOff x="0" y="0"/>
+          <a:chExt cx="0" cy="0"/>
+        </a:xfrm>
+      </p:grpSpPr>
+      <p:sp>
+        <p:nvSpPr>
+          <p:cNvPr id="6" name="Title 1"/>
+          <p:cNvSpPr>
+            <a:spLocks noGrp="1"/>
+          </p:cNvSpPr>
+          <p:nvPr>
+            <p:ph type="title" hasCustomPrompt="1"/>
+          </p:nvPr>
+        </p:nvSpPr>
+        <p:spPr>
+          <a:xfrm>
+            <a:off x="1393344" y="275685"/>
+            <a:ext cx="9038843" cy="590931"/>
+          </a:xfrm>
+        </p:spPr>
+        <p:txBody>
+          <a:bodyPr anchor="t" anchorCtr="0">
+            <a:spAutoFit/>
+          </a:bodyPr>
+          <a:lstStyle>
+            <a:lvl1pPr algn="l">
+              <a:defRPr sz="3600" b="1" baseline="0">
+                <a:solidFill>
+                  <a:srgbClr val="872175"/>
+                </a:solidFill>
+              </a:defRPr>
+            </a:lvl1pPr>
+          </a:lstStyle>
+          <a:p>
+            <a:r>
+              <a:rPr lang="en-GB" dirty="0"/>
+              <a:t>Click to edit title</a:t>
+            </a:r>
+            <a:endParaRPr lang="en-US" dirty="0"/>
+          </a:p>
+        </p:txBody>
+      </p:sp>
+      <p:sp>
+        <p:nvSpPr>
+          <p:cNvPr id="7" name="Rounded Rectangle 6"/>
+          <p:cNvSpPr/>
+          <p:nvPr userDrawn="1"/>
+        </p:nvSpPr>
+        <p:spPr>
+          <a:xfrm>
+            <a:off x="837092" y="773902"/>
+            <a:ext cx="388553" cy="291415"/>
+          </a:xfrm>
+          <a:prstGeom prst="roundRect">
+            <a:avLst/>
+          </a:prstGeom>
+          <a:solidFill>
+            <a:srgbClr val="78A22F">
+              <a:alpha val="40000"/>
+            </a:srgbClr>
+          </a:solidFill>
+          <a:ln>
+            <a:solidFill>
+              <a:schemeClr val="accent1">
+                <a:shade val="95000"/>
+                <a:satMod val="105000"/>
+                <a:alpha val="0"/>
+              </a:schemeClr>
+            </a:solidFill>
+          </a:ln>
+          <a:effectLst/>
+        </p:spPr>
+        <p:style>
+          <a:lnRef idx="1">
+            <a:schemeClr val="accent1"/>
+          </a:lnRef>
+          <a:fillRef idx="3">
+            <a:schemeClr val="accent1"/>
+          </a:fillRef>
+          <a:effectRef idx="2">
+            <a:schemeClr val="accent1"/>
+          </a:effectRef>
+          <a:fontRef idx="minor">
+            <a:schemeClr val="lt1"/>
+          </a:fontRef>
+        </p:style>
+        <p:txBody>
+          <a:bodyPr rtlCol="0" anchor="ctr"/>
+          <a:lstStyle/>
+          <a:p>
+            <a:pPr algn="ctr"/>
+            <a:endParaRPr lang="en-US" sz="1800" baseline="-25000"/>
+          </a:p>
+        </p:txBody>
+      </p:sp>
+      <p:sp>
+        <p:nvSpPr>
+          <p:cNvPr id="8" name="Rounded Rectangle 7"/>
+          <p:cNvSpPr/>
+          <p:nvPr userDrawn="1"/>
+        </p:nvSpPr>
+        <p:spPr>
+          <a:xfrm>
+            <a:off x="837092" y="452073"/>
+            <a:ext cx="388553" cy="291415"/>
+          </a:xfrm>
+          <a:prstGeom prst="roundRect">
+            <a:avLst/>
+          </a:prstGeom>
+          <a:solidFill>
+            <a:srgbClr val="872175">
+              <a:alpha val="40000"/>
+            </a:srgbClr>
+          </a:solidFill>
+          <a:ln>
+            <a:solidFill>
+              <a:schemeClr val="accent1">
+                <a:shade val="95000"/>
+                <a:satMod val="105000"/>
+                <a:alpha val="0"/>
+              </a:schemeClr>
+            </a:solidFill>
+          </a:ln>
+          <a:effectLst/>
+        </p:spPr>
+        <p:style>
+          <a:lnRef idx="1">
+            <a:schemeClr val="accent1"/>
+          </a:lnRef>
+          <a:fillRef idx="3">
+            <a:schemeClr val="accent1"/>
+          </a:fillRef>
+          <a:effectRef idx="2">
+            <a:schemeClr val="accent1"/>
+          </a:effectRef>
+          <a:fontRef idx="minor">
+            <a:schemeClr val="lt1"/>
+          </a:fontRef>
+        </p:style>
+        <p:txBody>
+          <a:bodyPr rtlCol="0" anchor="ctr"/>
+          <a:lstStyle/>
+          <a:p>
+            <a:pPr algn="ctr"/>
+            <a:endParaRPr lang="en-US" sz="1800" baseline="-25000"/>
+          </a:p>
+        </p:txBody>
+      </p:sp>
+      <p:sp>
+        <p:nvSpPr>
+          <p:cNvPr id="9" name="Rounded Rectangle 8"/>
+          <p:cNvSpPr/>
+          <p:nvPr userDrawn="1"/>
+        </p:nvSpPr>
+        <p:spPr>
+          <a:xfrm>
+            <a:off x="404341" y="452073"/>
+            <a:ext cx="388553" cy="291415"/>
+          </a:xfrm>
+          <a:prstGeom prst="roundRect">
+            <a:avLst/>
+          </a:prstGeom>
+          <a:solidFill>
+            <a:srgbClr val="569BBE">
+              <a:alpha val="40000"/>
+            </a:srgbClr>
+          </a:solidFill>
+          <a:ln>
+            <a:solidFill>
+              <a:schemeClr val="accent1">
+                <a:shade val="95000"/>
+                <a:satMod val="105000"/>
+                <a:alpha val="0"/>
+              </a:schemeClr>
+            </a:solidFill>
+          </a:ln>
+          <a:effectLst/>
+        </p:spPr>
+        <p:style>
+          <a:lnRef idx="1">
+            <a:schemeClr val="accent1"/>
+          </a:lnRef>
+          <a:fillRef idx="3">
+            <a:schemeClr val="accent1"/>
+          </a:fillRef>
+          <a:effectRef idx="2">
+            <a:schemeClr val="accent1"/>
+          </a:effectRef>
+          <a:fontRef idx="minor">
+            <a:schemeClr val="lt1"/>
+          </a:fontRef>
+        </p:style>
+        <p:txBody>
+          <a:bodyPr rtlCol="0" anchor="ctr"/>
+          <a:lstStyle/>
+          <a:p>
+            <a:pPr algn="ctr"/>
+            <a:endParaRPr lang="en-US" sz="1800" baseline="-25000"/>
+          </a:p>
+        </p:txBody>
+      </p:sp>
+      <p:sp>
+        <p:nvSpPr>
+          <p:cNvPr id="10" name="Text Placeholder 2"/>
+          <p:cNvSpPr>
+            <a:spLocks noGrp="1"/>
+          </p:cNvSpPr>
+          <p:nvPr>
+            <p:ph type="body" idx="10" hasCustomPrompt="1"/>
+          </p:nvPr>
+        </p:nvSpPr>
+        <p:spPr>
+          <a:xfrm>
+            <a:off x="1393344" y="1098067"/>
+            <a:ext cx="9038843" cy="424732"/>
+          </a:xfrm>
+        </p:spPr>
+        <p:txBody>
+          <a:bodyPr wrap="square" anchor="t" anchorCtr="0">
+            <a:spAutoFit/>
+          </a:bodyPr>
+          <a:lstStyle>
+            <a:lvl1pPr marL="0" indent="-277200">
+              <a:spcBef>
+                <a:spcPts val="0"/>
+              </a:spcBef>
+              <a:buFont typeface="Arial"/>
+              <a:buNone/>
+              <a:defRPr sz="2400" b="0" baseline="0">
+                <a:solidFill>
+                  <a:srgbClr val="000000"/>
+                </a:solidFill>
+              </a:defRPr>
+            </a:lvl1pPr>
+            <a:lvl2pPr marL="457200" indent="0">
+              <a:buNone/>
+              <a:defRPr sz="2000" b="1"/>
+            </a:lvl2pPr>
+            <a:lvl3pPr marL="914400" indent="0">
+              <a:buNone/>
+              <a:defRPr sz="1800" b="1"/>
+            </a:lvl3pPr>
+            <a:lvl4pPr marL="1371600" indent="0">
+              <a:buNone/>
+              <a:defRPr sz="1600" b="1"/>
+            </a:lvl4pPr>
+            <a:lvl5pPr marL="1828800" indent="0">
+              <a:buNone/>
+              <a:defRPr sz="1600" b="1"/>
+            </a:lvl5pPr>
+            <a:lvl6pPr marL="2286000" indent="0">
+              <a:buNone/>
+              <a:defRPr sz="1600" b="1"/>
+            </a:lvl6pPr>
+            <a:lvl7pPr marL="2743200" indent="0">
+              <a:buNone/>
+              <a:defRPr sz="1600" b="1"/>
+            </a:lvl7pPr>
+            <a:lvl8pPr marL="3200400" indent="0">
+              <a:buNone/>
+              <a:defRPr sz="1600" b="1"/>
+            </a:lvl8pPr>
+            <a:lvl9pPr marL="3657600" indent="0">
+              <a:buNone/>
+              <a:defRPr sz="1600" b="1"/>
+            </a:lvl9pPr>
+          </a:lstStyle>
+          <a:p>
+            <a:pPr lvl="0"/>
+            <a:r>
+              <a:rPr lang="en-US" dirty="0"/>
+              <a:t>Change the background image to a different high quality picture.</a:t>
+            </a:r>
+          </a:p>
+        </p:txBody>
+      </p:sp>
+      <p:sp>
+        <p:nvSpPr>
+          <p:cNvPr id="11" name="Slide Number Placeholder 3"/>
+          <p:cNvSpPr>
+            <a:spLocks noGrp="1"/>
+          </p:cNvSpPr>
+          <p:nvPr>
+            <p:ph type="sldNum" sz="quarter" idx="4"/>
+          </p:nvPr>
+        </p:nvSpPr>
+        <p:spPr>
+          <a:xfrm>
+            <a:off x="9160932" y="6356351"/>
+            <a:ext cx="2844800" cy="365125"/>
+          </a:xfrm>
+          <a:prstGeom prst="rect">
+            <a:avLst/>
+          </a:prstGeom>
+        </p:spPr>
+        <p:txBody>
+          <a:bodyPr vert="horz" lIns="91440" tIns="45720" rIns="91440" bIns="45720" rtlCol="0" anchor="ctr"/>
+          <a:lstStyle>
+            <a:lvl1pPr algn="r">
+              <a:defRPr sz="1200">
+                <a:solidFill>
+                  <a:schemeClr val="tx1">
+                    <a:tint val="75000"/>
+                  </a:schemeClr>
+                </a:solidFill>
+              </a:defRPr>
+            </a:lvl1pPr>
+          </a:lstStyle>
+          <a:p>
+            <a:fld id="{1064110F-1FE5-404C-94AB-477FA53119E4}" type="slidenum">
+              <a:rPr lang="en-US" smtClean="0"/>
+              <a:t>‹#›</a:t>
+            </a:fld>
+            <a:endParaRPr lang="en-US"/>
+          </a:p>
+        </p:txBody>
+      </p:sp>
+    </p:spTree>
+    <p:extLst>
+      <p:ext uri="{BB962C8B-B14F-4D97-AF65-F5344CB8AC3E}">
+        <p14:creationId xmlns:p14="http://schemas.microsoft.com/office/powerpoint/2010/main" val="2015784571"/>
       </p:ext>
     </p:extLst>
   </p:cSld>
@@ -873,7 +1221,7 @@
           <a:p>
             <a:fld id="{DEABCE53-1D99-4BEE-AE28-D2367C4FBEC7}" type="datetimeFigureOut">
               <a:rPr lang="en-GB" smtClean="0"/>
-              <a:t>28/09/2020</a:t>
+              <a:t>02/10/2020</a:t>
             </a:fld>
             <a:endParaRPr lang="en-GB"/>
           </a:p>
@@ -1149,7 +1497,7 @@
           <a:p>
             <a:fld id="{DEABCE53-1D99-4BEE-AE28-D2367C4FBEC7}" type="datetimeFigureOut">
               <a:rPr lang="en-GB" smtClean="0"/>
-              <a:t>28/09/2020</a:t>
+              <a:t>02/10/2020</a:t>
             </a:fld>
             <a:endParaRPr lang="en-GB"/>
           </a:p>
@@ -1417,7 +1765,7 @@
           <a:p>
             <a:fld id="{DEABCE53-1D99-4BEE-AE28-D2367C4FBEC7}" type="datetimeFigureOut">
               <a:rPr lang="en-GB" smtClean="0"/>
-              <a:t>28/09/2020</a:t>
+              <a:t>02/10/2020</a:t>
             </a:fld>
             <a:endParaRPr lang="en-GB"/>
           </a:p>
@@ -1832,7 +2180,7 @@
           <a:p>
             <a:fld id="{DEABCE53-1D99-4BEE-AE28-D2367C4FBEC7}" type="datetimeFigureOut">
               <a:rPr lang="en-GB" smtClean="0"/>
-              <a:t>28/09/2020</a:t>
+              <a:t>02/10/2020</a:t>
             </a:fld>
             <a:endParaRPr lang="en-GB"/>
           </a:p>
@@ -1974,7 +2322,7 @@
           <a:p>
             <a:fld id="{DEABCE53-1D99-4BEE-AE28-D2367C4FBEC7}" type="datetimeFigureOut">
               <a:rPr lang="en-GB" smtClean="0"/>
-              <a:t>28/09/2020</a:t>
+              <a:t>02/10/2020</a:t>
             </a:fld>
             <a:endParaRPr lang="en-GB"/>
           </a:p>
@@ -2087,7 +2435,7 @@
           <a:p>
             <a:fld id="{DEABCE53-1D99-4BEE-AE28-D2367C4FBEC7}" type="datetimeFigureOut">
               <a:rPr lang="en-GB" smtClean="0"/>
-              <a:t>28/09/2020</a:t>
+              <a:t>02/10/2020</a:t>
             </a:fld>
             <a:endParaRPr lang="en-GB"/>
           </a:p>
@@ -2400,7 +2748,7 @@
           <a:p>
             <a:fld id="{DEABCE53-1D99-4BEE-AE28-D2367C4FBEC7}" type="datetimeFigureOut">
               <a:rPr lang="en-GB" smtClean="0"/>
-              <a:t>28/09/2020</a:t>
+              <a:t>02/10/2020</a:t>
             </a:fld>
             <a:endParaRPr lang="en-GB"/>
           </a:p>
@@ -2689,7 +3037,7 @@
           <a:p>
             <a:fld id="{DEABCE53-1D99-4BEE-AE28-D2367C4FBEC7}" type="datetimeFigureOut">
               <a:rPr lang="en-GB" smtClean="0"/>
-              <a:t>28/09/2020</a:t>
+              <a:t>02/10/2020</a:t>
             </a:fld>
             <a:endParaRPr lang="en-GB"/>
           </a:p>
@@ -2932,7 +3280,7 @@
           <a:p>
             <a:fld id="{DEABCE53-1D99-4BEE-AE28-D2367C4FBEC7}" type="datetimeFigureOut">
               <a:rPr lang="en-GB" smtClean="0"/>
-              <a:t>28/09/2020</a:t>
+              <a:t>02/10/2020</a:t>
             </a:fld>
             <a:endParaRPr lang="en-GB"/>
           </a:p>
@@ -3048,6 +3396,7 @@
     <p:sldLayoutId id="2147483657" r:id="rId9"/>
     <p:sldLayoutId id="2147483658" r:id="rId10"/>
     <p:sldLayoutId id="2147483659" r:id="rId11"/>
+    <p:sldLayoutId id="2147483660" r:id="rId12"/>
   </p:sldLayoutIdLst>
   <p:txStyles>
     <p:titleStyle>
@@ -3825,7 +4174,7 @@
     </p:spTree>
     <p:extLst>
       <p:ext uri="{BB962C8B-B14F-4D97-AF65-F5344CB8AC3E}">
-        <p14:creationId xmlns:p14="http://schemas.microsoft.com/office/powerpoint/2010/main" val="187461097"/>
+        <p14:creationId xmlns:p14="http://schemas.microsoft.com/office/powerpoint/2010/main" val="269646929"/>
       </p:ext>
     </p:extLst>
   </p:cSld>
@@ -3854,13 +4203,7 @@
       </p:grpSpPr>
       <p:sp>
         <p:nvSpPr>
-          <p:cNvPr id="2" name="Title 1">
-            <a:extLst>
-              <a:ext uri="{FF2B5EF4-FFF2-40B4-BE49-F238E27FC236}">
-                <a16:creationId xmlns:a16="http://schemas.microsoft.com/office/drawing/2014/main" id="{27E04276-614B-4383-AC89-740038B69A0B}"/>
-              </a:ext>
-            </a:extLst>
-          </p:cNvPr>
+          <p:cNvPr id="4" name="Title 3"/>
           <p:cNvSpPr>
             <a:spLocks noGrp="1"/>
           </p:cNvSpPr>
@@ -3870,89 +4213,439 @@
         </p:nvSpPr>
         <p:spPr>
           <a:xfrm>
-            <a:off x="838200" y="-104775"/>
-            <a:ext cx="10515600" cy="1325563"/>
+            <a:off x="2625013" y="386437"/>
+            <a:ext cx="7941389" cy="590931"/>
           </a:xfrm>
         </p:spPr>
         <p:txBody>
           <a:bodyPr/>
           <a:lstStyle/>
           <a:p>
-            <a:pPr algn="ctr"/>
-            <a:r>
-              <a:rPr lang="en-GB" dirty="0">
-                <a:solidFill>
-                  <a:srgbClr val="7030A0"/>
-                </a:solidFill>
-              </a:rPr>
-              <a:t>Why not just do overlap assembly</a:t>
-            </a:r>
-          </a:p>
-        </p:txBody>
-      </p:sp>
-      <p:sp>
-        <p:nvSpPr>
-          <p:cNvPr id="3" name="Content Placeholder 2">
-            <a:extLst>
-              <a:ext uri="{FF2B5EF4-FFF2-40B4-BE49-F238E27FC236}">
-                <a16:creationId xmlns:a16="http://schemas.microsoft.com/office/drawing/2014/main" id="{F7659A24-ABAB-4206-A480-59437D459EF2}"/>
-              </a:ext>
-            </a:extLst>
-          </p:cNvPr>
-          <p:cNvSpPr>
-            <a:spLocks noGrp="1"/>
+            <a:r>
+              <a:rPr lang="en-GB" dirty="0" err="1"/>
+              <a:t>Kmers</a:t>
+            </a:r>
+            <a:r>
+              <a:rPr lang="en-GB" dirty="0"/>
+              <a:t> and </a:t>
+            </a:r>
+            <a:r>
+              <a:rPr lang="en-GB" i="1" dirty="0"/>
+              <a:t>De </a:t>
+            </a:r>
+            <a:r>
+              <a:rPr lang="en-GB" i="1" dirty="0" err="1"/>
+              <a:t>Bruijn</a:t>
+            </a:r>
+            <a:r>
+              <a:rPr lang="en-GB" i="1" dirty="0"/>
+              <a:t> </a:t>
+            </a:r>
+            <a:r>
+              <a:rPr lang="en-GB" dirty="0"/>
+              <a:t>graph</a:t>
+            </a:r>
+          </a:p>
+        </p:txBody>
+      </p:sp>
+      <p:sp>
+        <p:nvSpPr>
+          <p:cNvPr id="8" name="Content Placeholder 2"/>
+          <p:cNvSpPr txBox="1">
+            <a:spLocks/>
           </p:cNvSpPr>
-          <p:nvPr>
-            <p:ph idx="1"/>
-          </p:nvPr>
+          <p:nvPr/>
         </p:nvSpPr>
         <p:spPr>
           <a:xfrm>
-            <a:off x="361949" y="1149350"/>
-            <a:ext cx="11553825" cy="4351338"/>
+            <a:off x="1524000" y="1531083"/>
+            <a:ext cx="9042400" cy="1200329"/>
           </a:xfrm>
+          <a:prstGeom prst="rect">
+            <a:avLst/>
+          </a:prstGeom>
+          <a:noFill/>
         </p:spPr>
         <p:txBody>
-          <a:bodyPr/>
-          <a:lstStyle/>
-          <a:p>
-            <a:r>
-              <a:rPr lang="en-GB" dirty="0"/>
-              <a:t>Solution </a:t>
-            </a:r>
-            <a:r>
-              <a:rPr lang="en-GB" dirty="0" err="1"/>
-              <a:t>kmers</a:t>
-            </a:r>
-            <a:r>
-              <a:rPr lang="en-GB" dirty="0"/>
-              <a:t> and </a:t>
-            </a:r>
-            <a:r>
-              <a:rPr lang="en-GB" i="1" dirty="0"/>
-              <a:t>de </a:t>
-            </a:r>
-            <a:r>
-              <a:rPr lang="en-GB" i="1" dirty="0" err="1"/>
-              <a:t>bruijn</a:t>
-            </a:r>
-            <a:r>
-              <a:rPr lang="en-GB" i="1" dirty="0"/>
-              <a:t> </a:t>
-            </a:r>
-            <a:r>
-              <a:rPr lang="en-GB" dirty="0"/>
-              <a:t>graph</a:t>
-            </a:r>
-          </a:p>
-        </p:txBody>
-      </p:sp>
-      <p:sp>
-        <p:nvSpPr>
-          <p:cNvPr id="4" name="Rectangle 3">
-            <a:extLst>
-              <a:ext uri="{FF2B5EF4-FFF2-40B4-BE49-F238E27FC236}">
-                <a16:creationId xmlns:a16="http://schemas.microsoft.com/office/drawing/2014/main" id="{2FA53048-154C-4457-A96B-57716F5FB3FB}"/>
+          <a:bodyPr vert="horz" lIns="91440" tIns="45720" rIns="91440" bIns="45720" rtlCol="0">
+            <a:normAutofit/>
+          </a:bodyPr>
+          <a:lstStyle>
+            <a:lvl1pPr marL="342900" indent="-342900" algn="l" defTabSz="457200" rtl="0" eaLnBrk="1" latinLnBrk="0" hangingPunct="1">
+              <a:spcBef>
+                <a:spcPct val="20000"/>
+              </a:spcBef>
+              <a:buClr>
+                <a:srgbClr val="872175"/>
+              </a:buClr>
+              <a:buFont typeface="Arial"/>
+              <a:buChar char="•"/>
+              <a:defRPr sz="3200" kern="1200">
+                <a:solidFill>
+                  <a:schemeClr val="tx1"/>
+                </a:solidFill>
+                <a:latin typeface="+mn-lt"/>
+                <a:ea typeface="+mn-ea"/>
+                <a:cs typeface="+mn-cs"/>
+              </a:defRPr>
+            </a:lvl1pPr>
+            <a:lvl2pPr marL="742950" indent="-285750" algn="l" defTabSz="457200" rtl="0" eaLnBrk="1" latinLnBrk="0" hangingPunct="1">
+              <a:spcBef>
+                <a:spcPct val="20000"/>
+              </a:spcBef>
+              <a:buClr>
+                <a:srgbClr val="872175"/>
+              </a:buClr>
+              <a:buFont typeface="Arial"/>
+              <a:buChar char="–"/>
+              <a:defRPr sz="2400" kern="1200">
+                <a:solidFill>
+                  <a:schemeClr val="tx1"/>
+                </a:solidFill>
+                <a:latin typeface="+mn-lt"/>
+                <a:ea typeface="+mn-ea"/>
+                <a:cs typeface="+mn-cs"/>
+              </a:defRPr>
+            </a:lvl2pPr>
+            <a:lvl3pPr marL="1143000" indent="-228600" algn="l" defTabSz="457200" rtl="0" eaLnBrk="1" latinLnBrk="0" hangingPunct="1">
+              <a:spcBef>
+                <a:spcPct val="20000"/>
+              </a:spcBef>
+              <a:buClr>
+                <a:srgbClr val="872175"/>
+              </a:buClr>
+              <a:buFont typeface="Arial"/>
+              <a:buChar char="•"/>
+              <a:defRPr sz="2400" kern="1200">
+                <a:solidFill>
+                  <a:schemeClr val="tx1"/>
+                </a:solidFill>
+                <a:latin typeface="+mn-lt"/>
+                <a:ea typeface="+mn-ea"/>
+                <a:cs typeface="+mn-cs"/>
+              </a:defRPr>
+            </a:lvl3pPr>
+            <a:lvl4pPr marL="1600200" indent="-228600" algn="l" defTabSz="457200" rtl="0" eaLnBrk="1" latinLnBrk="0" hangingPunct="1">
+              <a:spcBef>
+                <a:spcPct val="20000"/>
+              </a:spcBef>
+              <a:buClr>
+                <a:srgbClr val="872175"/>
+              </a:buClr>
+              <a:buFont typeface="Arial"/>
+              <a:buChar char="–"/>
+              <a:defRPr sz="2000" kern="1200">
+                <a:solidFill>
+                  <a:schemeClr val="tx1"/>
+                </a:solidFill>
+                <a:latin typeface="+mn-lt"/>
+                <a:ea typeface="+mn-ea"/>
+                <a:cs typeface="+mn-cs"/>
+              </a:defRPr>
+            </a:lvl4pPr>
+            <a:lvl5pPr marL="2057400" indent="-228600" algn="l" defTabSz="457200" rtl="0" eaLnBrk="1" latinLnBrk="0" hangingPunct="1">
+              <a:spcBef>
+                <a:spcPct val="20000"/>
+              </a:spcBef>
+              <a:buClr>
+                <a:srgbClr val="872175"/>
+              </a:buClr>
+              <a:buFont typeface="Arial"/>
+              <a:buChar char="»"/>
+              <a:defRPr sz="2000" kern="1200">
+                <a:solidFill>
+                  <a:schemeClr val="tx1"/>
+                </a:solidFill>
+                <a:latin typeface="+mn-lt"/>
+                <a:ea typeface="+mn-ea"/>
+                <a:cs typeface="+mn-cs"/>
+              </a:defRPr>
+            </a:lvl5pPr>
+            <a:lvl6pPr marL="2514600" indent="-228600" algn="l" defTabSz="457200" rtl="0" eaLnBrk="1" latinLnBrk="0" hangingPunct="1">
+              <a:spcBef>
+                <a:spcPct val="20000"/>
+              </a:spcBef>
+              <a:buFont typeface="Arial"/>
+              <a:buChar char="•"/>
+              <a:defRPr sz="2000" kern="1200">
+                <a:solidFill>
+                  <a:schemeClr val="tx1"/>
+                </a:solidFill>
+                <a:latin typeface="+mn-lt"/>
+                <a:ea typeface="+mn-ea"/>
+                <a:cs typeface="+mn-cs"/>
+              </a:defRPr>
+            </a:lvl6pPr>
+            <a:lvl7pPr marL="2971800" indent="-228600" algn="l" defTabSz="457200" rtl="0" eaLnBrk="1" latinLnBrk="0" hangingPunct="1">
+              <a:spcBef>
+                <a:spcPct val="20000"/>
+              </a:spcBef>
+              <a:buFont typeface="Arial"/>
+              <a:buChar char="•"/>
+              <a:defRPr sz="2000" kern="1200">
+                <a:solidFill>
+                  <a:schemeClr val="tx1"/>
+                </a:solidFill>
+                <a:latin typeface="+mn-lt"/>
+                <a:ea typeface="+mn-ea"/>
+                <a:cs typeface="+mn-cs"/>
+              </a:defRPr>
+            </a:lvl7pPr>
+            <a:lvl8pPr marL="3429000" indent="-228600" algn="l" defTabSz="457200" rtl="0" eaLnBrk="1" latinLnBrk="0" hangingPunct="1">
+              <a:spcBef>
+                <a:spcPct val="20000"/>
+              </a:spcBef>
+              <a:buFont typeface="Arial"/>
+              <a:buChar char="•"/>
+              <a:defRPr sz="2000" kern="1200">
+                <a:solidFill>
+                  <a:schemeClr val="tx1"/>
+                </a:solidFill>
+                <a:latin typeface="+mn-lt"/>
+                <a:ea typeface="+mn-ea"/>
+                <a:cs typeface="+mn-cs"/>
+              </a:defRPr>
+            </a:lvl8pPr>
+            <a:lvl9pPr marL="3886200" indent="-228600" algn="l" defTabSz="457200" rtl="0" eaLnBrk="1" latinLnBrk="0" hangingPunct="1">
+              <a:spcBef>
+                <a:spcPct val="20000"/>
+              </a:spcBef>
+              <a:buFont typeface="Arial"/>
+              <a:buChar char="•"/>
+              <a:defRPr sz="2000" kern="1200">
+                <a:solidFill>
+                  <a:schemeClr val="tx1"/>
+                </a:solidFill>
+                <a:latin typeface="+mn-lt"/>
+                <a:ea typeface="+mn-ea"/>
+                <a:cs typeface="+mn-cs"/>
+              </a:defRPr>
+            </a:lvl9pPr>
+          </a:lstStyle>
+          <a:p>
+            <a:pPr marL="285750" indent="-285750">
+              <a:buFont typeface="Arial" panose="020B0604020202020204" pitchFamily="34" charset="0"/>
+              <a:buChar char="•"/>
+            </a:pPr>
+            <a:endParaRPr lang="en-GB" sz="2400" dirty="0"/>
+          </a:p>
+        </p:txBody>
+      </p:sp>
+      <p:sp>
+        <p:nvSpPr>
+          <p:cNvPr id="9" name="Content Placeholder 2">
+            <a:extLst>
+              <a:ext uri="{FF2B5EF4-FFF2-40B4-BE49-F238E27FC236}">
+                <a16:creationId xmlns:a16="http://schemas.microsoft.com/office/drawing/2014/main" id="{2649F7C4-5543-43B1-B592-C737A7308F45}"/>
+              </a:ext>
+            </a:extLst>
+          </p:cNvPr>
+          <p:cNvSpPr txBox="1">
+            <a:spLocks/>
+          </p:cNvSpPr>
+          <p:nvPr/>
+        </p:nvSpPr>
+        <p:spPr>
+          <a:xfrm>
+            <a:off x="1727201" y="1531083"/>
+            <a:ext cx="9042400" cy="3998861"/>
+          </a:xfrm>
+          <a:prstGeom prst="rect">
+            <a:avLst/>
+          </a:prstGeom>
+          <a:noFill/>
+        </p:spPr>
+        <p:txBody>
+          <a:bodyPr vert="horz" lIns="91440" tIns="45720" rIns="91440" bIns="45720" rtlCol="0">
+            <a:normAutofit/>
+          </a:bodyPr>
+          <a:lstStyle>
+            <a:lvl1pPr marL="342900" indent="-342900" algn="l" defTabSz="457200" rtl="0" eaLnBrk="1" latinLnBrk="0" hangingPunct="1">
+              <a:spcBef>
+                <a:spcPct val="20000"/>
+              </a:spcBef>
+              <a:buClr>
+                <a:srgbClr val="872175"/>
+              </a:buClr>
+              <a:buFont typeface="Arial"/>
+              <a:buChar char="•"/>
+              <a:defRPr sz="3200" kern="1200">
+                <a:solidFill>
+                  <a:schemeClr val="tx1"/>
+                </a:solidFill>
+                <a:latin typeface="+mn-lt"/>
+                <a:ea typeface="+mn-ea"/>
+                <a:cs typeface="+mn-cs"/>
+              </a:defRPr>
+            </a:lvl1pPr>
+            <a:lvl2pPr marL="742950" indent="-285750" algn="l" defTabSz="457200" rtl="0" eaLnBrk="1" latinLnBrk="0" hangingPunct="1">
+              <a:spcBef>
+                <a:spcPct val="20000"/>
+              </a:spcBef>
+              <a:buClr>
+                <a:srgbClr val="872175"/>
+              </a:buClr>
+              <a:buFont typeface="Arial"/>
+              <a:buChar char="–"/>
+              <a:defRPr sz="2400" kern="1200">
+                <a:solidFill>
+                  <a:schemeClr val="tx1"/>
+                </a:solidFill>
+                <a:latin typeface="+mn-lt"/>
+                <a:ea typeface="+mn-ea"/>
+                <a:cs typeface="+mn-cs"/>
+              </a:defRPr>
+            </a:lvl2pPr>
+            <a:lvl3pPr marL="1143000" indent="-228600" algn="l" defTabSz="457200" rtl="0" eaLnBrk="1" latinLnBrk="0" hangingPunct="1">
+              <a:spcBef>
+                <a:spcPct val="20000"/>
+              </a:spcBef>
+              <a:buClr>
+                <a:srgbClr val="872175"/>
+              </a:buClr>
+              <a:buFont typeface="Arial"/>
+              <a:buChar char="•"/>
+              <a:defRPr sz="2400" kern="1200">
+                <a:solidFill>
+                  <a:schemeClr val="tx1"/>
+                </a:solidFill>
+                <a:latin typeface="+mn-lt"/>
+                <a:ea typeface="+mn-ea"/>
+                <a:cs typeface="+mn-cs"/>
+              </a:defRPr>
+            </a:lvl3pPr>
+            <a:lvl4pPr marL="1600200" indent="-228600" algn="l" defTabSz="457200" rtl="0" eaLnBrk="1" latinLnBrk="0" hangingPunct="1">
+              <a:spcBef>
+                <a:spcPct val="20000"/>
+              </a:spcBef>
+              <a:buClr>
+                <a:srgbClr val="872175"/>
+              </a:buClr>
+              <a:buFont typeface="Arial"/>
+              <a:buChar char="–"/>
+              <a:defRPr sz="2000" kern="1200">
+                <a:solidFill>
+                  <a:schemeClr val="tx1"/>
+                </a:solidFill>
+                <a:latin typeface="+mn-lt"/>
+                <a:ea typeface="+mn-ea"/>
+                <a:cs typeface="+mn-cs"/>
+              </a:defRPr>
+            </a:lvl4pPr>
+            <a:lvl5pPr marL="2057400" indent="-228600" algn="l" defTabSz="457200" rtl="0" eaLnBrk="1" latinLnBrk="0" hangingPunct="1">
+              <a:spcBef>
+                <a:spcPct val="20000"/>
+              </a:spcBef>
+              <a:buClr>
+                <a:srgbClr val="872175"/>
+              </a:buClr>
+              <a:buFont typeface="Arial"/>
+              <a:buChar char="»"/>
+              <a:defRPr sz="2000" kern="1200">
+                <a:solidFill>
+                  <a:schemeClr val="tx1"/>
+                </a:solidFill>
+                <a:latin typeface="+mn-lt"/>
+                <a:ea typeface="+mn-ea"/>
+                <a:cs typeface="+mn-cs"/>
+              </a:defRPr>
+            </a:lvl5pPr>
+            <a:lvl6pPr marL="2514600" indent="-228600" algn="l" defTabSz="457200" rtl="0" eaLnBrk="1" latinLnBrk="0" hangingPunct="1">
+              <a:spcBef>
+                <a:spcPct val="20000"/>
+              </a:spcBef>
+              <a:buFont typeface="Arial"/>
+              <a:buChar char="•"/>
+              <a:defRPr sz="2000" kern="1200">
+                <a:solidFill>
+                  <a:schemeClr val="tx1"/>
+                </a:solidFill>
+                <a:latin typeface="+mn-lt"/>
+                <a:ea typeface="+mn-ea"/>
+                <a:cs typeface="+mn-cs"/>
+              </a:defRPr>
+            </a:lvl6pPr>
+            <a:lvl7pPr marL="2971800" indent="-228600" algn="l" defTabSz="457200" rtl="0" eaLnBrk="1" latinLnBrk="0" hangingPunct="1">
+              <a:spcBef>
+                <a:spcPct val="20000"/>
+              </a:spcBef>
+              <a:buFont typeface="Arial"/>
+              <a:buChar char="•"/>
+              <a:defRPr sz="2000" kern="1200">
+                <a:solidFill>
+                  <a:schemeClr val="tx1"/>
+                </a:solidFill>
+                <a:latin typeface="+mn-lt"/>
+                <a:ea typeface="+mn-ea"/>
+                <a:cs typeface="+mn-cs"/>
+              </a:defRPr>
+            </a:lvl7pPr>
+            <a:lvl8pPr marL="3429000" indent="-228600" algn="l" defTabSz="457200" rtl="0" eaLnBrk="1" latinLnBrk="0" hangingPunct="1">
+              <a:spcBef>
+                <a:spcPct val="20000"/>
+              </a:spcBef>
+              <a:buFont typeface="Arial"/>
+              <a:buChar char="•"/>
+              <a:defRPr sz="2000" kern="1200">
+                <a:solidFill>
+                  <a:schemeClr val="tx1"/>
+                </a:solidFill>
+                <a:latin typeface="+mn-lt"/>
+                <a:ea typeface="+mn-ea"/>
+                <a:cs typeface="+mn-cs"/>
+              </a:defRPr>
+            </a:lvl8pPr>
+            <a:lvl9pPr marL="3886200" indent="-228600" algn="l" defTabSz="457200" rtl="0" eaLnBrk="1" latinLnBrk="0" hangingPunct="1">
+              <a:spcBef>
+                <a:spcPct val="20000"/>
+              </a:spcBef>
+              <a:buFont typeface="Arial"/>
+              <a:buChar char="•"/>
+              <a:defRPr sz="2000" kern="1200">
+                <a:solidFill>
+                  <a:schemeClr val="tx1"/>
+                </a:solidFill>
+                <a:latin typeface="+mn-lt"/>
+                <a:ea typeface="+mn-ea"/>
+                <a:cs typeface="+mn-cs"/>
+              </a:defRPr>
+            </a:lvl9pPr>
+          </a:lstStyle>
+          <a:p>
+            <a:pPr marL="285750" indent="-285750">
+              <a:buFont typeface="Arial" panose="020B0604020202020204" pitchFamily="34" charset="0"/>
+              <a:buChar char="•"/>
+            </a:pPr>
+            <a:r>
+              <a:rPr lang="en-GB" sz="2400" dirty="0"/>
+              <a:t>In this example, the read is split into 4-mers.</a:t>
+            </a:r>
+          </a:p>
+          <a:p>
+            <a:pPr marL="285750" indent="-285750">
+              <a:buFont typeface="Arial" panose="020B0604020202020204" pitchFamily="34" charset="0"/>
+              <a:buChar char="•"/>
+            </a:pPr>
+            <a:r>
+              <a:rPr lang="en-GB" sz="2400" dirty="0"/>
+              <a:t>Errors, heterozygosity, contamination, repeats (semi-repeats) can then cause this to be difficult to “untangle”. Untangle: pick the longest path through the graph. </a:t>
+            </a:r>
+          </a:p>
+          <a:p>
+            <a:pPr marL="285750" indent="-285750">
+              <a:buFont typeface="Arial" panose="020B0604020202020204" pitchFamily="34" charset="0"/>
+              <a:buChar char="•"/>
+            </a:pPr>
+            <a:endParaRPr lang="en-GB" sz="2400" dirty="0"/>
+          </a:p>
+        </p:txBody>
+      </p:sp>
+      <p:sp>
+        <p:nvSpPr>
+          <p:cNvPr id="5" name="Rectangle 4">
+            <a:extLst>
+              <a:ext uri="{FF2B5EF4-FFF2-40B4-BE49-F238E27FC236}">
+                <a16:creationId xmlns:a16="http://schemas.microsoft.com/office/drawing/2014/main" id="{0855803B-2D6A-4953-B92C-08EC9267D512}"/>
               </a:ext>
             </a:extLst>
           </p:cNvPr>
@@ -3961,8 +4654,8 @@
         </p:nvSpPr>
         <p:spPr>
           <a:xfrm>
-            <a:off x="7325359" y="5496827"/>
-            <a:ext cx="4703445" cy="1200329"/>
+            <a:off x="1524001" y="6362803"/>
+            <a:ext cx="8902543" cy="507831"/>
           </a:xfrm>
           <a:prstGeom prst="rect">
             <a:avLst/>
@@ -3975,7 +4668,7 @@
           <a:lstStyle/>
           <a:p>
             <a:r>
-              <a:rPr lang="en-GB" dirty="0">
+              <a:rPr lang="en-GB" sz="1350" dirty="0">
                 <a:solidFill>
                   <a:srgbClr val="222222"/>
                 </a:solidFill>
@@ -3984,7 +4677,7 @@
               <a:t>Sohn, J.I. and Nam, J.W., 2018. The present and future of de novo whole-genome assembly. </a:t>
             </a:r>
             <a:r>
-              <a:rPr lang="en-GB" i="1" dirty="0">
+              <a:rPr lang="en-GB" sz="1350" i="1" dirty="0">
                 <a:solidFill>
                   <a:srgbClr val="222222"/>
                 </a:solidFill>
@@ -3993,7 +4686,7 @@
               <a:t>Briefings in bioinformatics</a:t>
             </a:r>
             <a:r>
-              <a:rPr lang="en-GB" dirty="0">
+              <a:rPr lang="en-GB" sz="1350" dirty="0">
                 <a:solidFill>
                   <a:srgbClr val="222222"/>
                 </a:solidFill>
@@ -4002,7 +4695,7 @@
               <a:t>, </a:t>
             </a:r>
             <a:r>
-              <a:rPr lang="en-GB" i="1" dirty="0">
+              <a:rPr lang="en-GB" sz="1350" i="1" dirty="0">
                 <a:solidFill>
                   <a:srgbClr val="222222"/>
                 </a:solidFill>
@@ -4011,7 +4704,7 @@
               <a:t>19</a:t>
             </a:r>
             <a:r>
-              <a:rPr lang="en-GB" dirty="0">
+              <a:rPr lang="en-GB" sz="1350" dirty="0">
                 <a:solidFill>
                   <a:srgbClr val="222222"/>
                 </a:solidFill>
@@ -4019,16 +4712,865 @@
               </a:rPr>
               <a:t>(1), pp.23-40.</a:t>
             </a:r>
-            <a:endParaRPr lang="en-GB" dirty="0"/>
+            <a:endParaRPr lang="en-GB" sz="1350" dirty="0"/>
           </a:p>
         </p:txBody>
       </p:sp>
       <p:pic>
         <p:nvPicPr>
-          <p:cNvPr id="1028" name="Picture 4">
-            <a:extLst>
-              <a:ext uri="{FF2B5EF4-FFF2-40B4-BE49-F238E27FC236}">
-                <a16:creationId xmlns:a16="http://schemas.microsoft.com/office/drawing/2014/main" id="{0B78DBBD-BFD6-46FC-B74C-F550FF210250}"/>
+          <p:cNvPr id="6" name="Picture 4">
+            <a:extLst>
+              <a:ext uri="{FF2B5EF4-FFF2-40B4-BE49-F238E27FC236}">
+                <a16:creationId xmlns:a16="http://schemas.microsoft.com/office/drawing/2014/main" id="{0A615301-3952-4569-8B0C-FA18E950DD78}"/>
+              </a:ext>
+            </a:extLst>
+          </p:cNvPr>
+          <p:cNvPicPr>
+            <a:picLocks noChangeAspect="1" noChangeArrowheads="1"/>
+          </p:cNvPicPr>
+          <p:nvPr/>
+        </p:nvPicPr>
+        <p:blipFill rotWithShape="1">
+          <a:blip r:embed="rId2">
+            <a:extLst>
+              <a:ext uri="{28A0092B-C50C-407E-A947-70E740481C1C}">
+                <a14:useLocalDpi xmlns:a14="http://schemas.microsoft.com/office/drawing/2010/main" val="0"/>
+              </a:ext>
+            </a:extLst>
+          </a:blip>
+          <a:srcRect r="55000"/>
+          <a:stretch/>
+        </p:blipFill>
+        <p:spPr bwMode="auto">
+          <a:xfrm>
+            <a:off x="1676402" y="3682911"/>
+            <a:ext cx="2057399" cy="2736056"/>
+          </a:xfrm>
+          <a:prstGeom prst="rect">
+            <a:avLst/>
+          </a:prstGeom>
+          <a:noFill/>
+          <a:extLst>
+            <a:ext uri="{909E8E84-426E-40DD-AFC4-6F175D3DCCD1}">
+              <a14:hiddenFill xmlns:a14="http://schemas.microsoft.com/office/drawing/2010/main">
+                <a:solidFill>
+                  <a:srgbClr val="FFFFFF"/>
+                </a:solidFill>
+              </a14:hiddenFill>
+            </a:ext>
+          </a:extLst>
+        </p:spPr>
+      </p:pic>
+    </p:spTree>
+    <p:extLst>
+      <p:ext uri="{BB962C8B-B14F-4D97-AF65-F5344CB8AC3E}">
+        <p14:creationId xmlns:p14="http://schemas.microsoft.com/office/powerpoint/2010/main" val="1473562632"/>
+      </p:ext>
+    </p:extLst>
+  </p:cSld>
+  <p:clrMapOvr>
+    <a:masterClrMapping/>
+  </p:clrMapOvr>
+  <p:timing>
+    <p:tnLst>
+      <p:par>
+        <p:cTn id="1" dur="indefinite" restart="never" nodeType="tmRoot">
+          <p:childTnLst>
+            <p:seq concurrent="1" nextAc="seek">
+              <p:cTn id="2" dur="indefinite" nodeType="mainSeq">
+                <p:childTnLst>
+                  <p:par>
+                    <p:cTn id="3" fill="hold">
+                      <p:stCondLst>
+                        <p:cond delay="indefinite"/>
+                      </p:stCondLst>
+                      <p:childTnLst>
+                        <p:par>
+                          <p:cTn id="4" fill="hold">
+                            <p:stCondLst>
+                              <p:cond delay="0"/>
+                            </p:stCondLst>
+                            <p:childTnLst>
+                              <p:par>
+                                <p:cTn id="5" presetID="1" presetClass="entr" presetSubtype="0" fill="hold" grpId="0" nodeType="clickEffect" nodePh="1">
+                                  <p:stCondLst>
+                                    <p:cond delay="0"/>
+                                  </p:stCondLst>
+                                  <p:endCondLst>
+                                    <p:cond evt="begin" delay="0">
+                                      <p:tn val="5"/>
+                                    </p:cond>
+                                  </p:endCondLst>
+                                  <p:childTnLst>
+                                    <p:set>
+                                      <p:cBhvr>
+                                        <p:cTn id="6" dur="1" fill="hold">
+                                          <p:stCondLst>
+                                            <p:cond delay="0"/>
+                                          </p:stCondLst>
+                                        </p:cTn>
+                                        <p:tgtEl>
+                                          <p:spTgt spid="8">
+                                            <p:txEl>
+                                              <p:pRg st="0" end="0"/>
+                                            </p:txEl>
+                                          </p:spTgt>
+                                        </p:tgtEl>
+                                        <p:attrNameLst>
+                                          <p:attrName>style.visibility</p:attrName>
+                                        </p:attrNameLst>
+                                      </p:cBhvr>
+                                      <p:to>
+                                        <p:strVal val="visible"/>
+                                      </p:to>
+                                    </p:set>
+                                  </p:childTnLst>
+                                </p:cTn>
+                              </p:par>
+                            </p:childTnLst>
+                          </p:cTn>
+                        </p:par>
+                      </p:childTnLst>
+                    </p:cTn>
+                  </p:par>
+                </p:childTnLst>
+              </p:cTn>
+              <p:prevCondLst>
+                <p:cond evt="onPrev" delay="0">
+                  <p:tgtEl>
+                    <p:sldTgt/>
+                  </p:tgtEl>
+                </p:cond>
+              </p:prevCondLst>
+              <p:nextCondLst>
+                <p:cond evt="onNext" delay="0">
+                  <p:tgtEl>
+                    <p:sldTgt/>
+                  </p:tgtEl>
+                </p:cond>
+              </p:nextCondLst>
+            </p:seq>
+          </p:childTnLst>
+        </p:cTn>
+      </p:par>
+    </p:tnLst>
+    <p:bldLst>
+      <p:bldP spid="8" grpId="0" build="p"/>
+    </p:bldLst>
+  </p:timing>
+</p:sld>
+</file>
+
+<file path=ppt/slides/slide4.xml><?xml version="1.0" encoding="utf-8"?>
+<p:sld xmlns:a="http://schemas.openxmlformats.org/drawingml/2006/main" xmlns:r="http://schemas.openxmlformats.org/officeDocument/2006/relationships" xmlns:p="http://schemas.openxmlformats.org/presentationml/2006/main">
+  <p:cSld>
+    <p:spTree>
+      <p:nvGrpSpPr>
+        <p:cNvPr id="1" name=""/>
+        <p:cNvGrpSpPr/>
+        <p:nvPr/>
+      </p:nvGrpSpPr>
+      <p:grpSpPr>
+        <a:xfrm>
+          <a:off x="0" y="0"/>
+          <a:ext cx="0" cy="0"/>
+          <a:chOff x="0" y="0"/>
+          <a:chExt cx="0" cy="0"/>
+        </a:xfrm>
+      </p:grpSpPr>
+      <p:sp>
+        <p:nvSpPr>
+          <p:cNvPr id="4" name="Title 3"/>
+          <p:cNvSpPr>
+            <a:spLocks noGrp="1"/>
+          </p:cNvSpPr>
+          <p:nvPr>
+            <p:ph type="title"/>
+          </p:nvPr>
+        </p:nvSpPr>
+        <p:spPr>
+          <a:xfrm>
+            <a:off x="2625013" y="386437"/>
+            <a:ext cx="7941389" cy="590931"/>
+          </a:xfrm>
+        </p:spPr>
+        <p:txBody>
+          <a:bodyPr/>
+          <a:lstStyle/>
+          <a:p>
+            <a:r>
+              <a:rPr lang="en-GB" dirty="0" err="1"/>
+              <a:t>Kmers</a:t>
+            </a:r>
+            <a:r>
+              <a:rPr lang="en-GB" dirty="0"/>
+              <a:t> and </a:t>
+            </a:r>
+            <a:r>
+              <a:rPr lang="en-GB" i="1" dirty="0"/>
+              <a:t>De </a:t>
+            </a:r>
+            <a:r>
+              <a:rPr lang="en-GB" i="1" dirty="0" err="1"/>
+              <a:t>Bruijn</a:t>
+            </a:r>
+            <a:r>
+              <a:rPr lang="en-GB" i="1" dirty="0"/>
+              <a:t> </a:t>
+            </a:r>
+            <a:r>
+              <a:rPr lang="en-GB" dirty="0"/>
+              <a:t>graph</a:t>
+            </a:r>
+          </a:p>
+        </p:txBody>
+      </p:sp>
+      <p:sp>
+        <p:nvSpPr>
+          <p:cNvPr id="8" name="Content Placeholder 2"/>
+          <p:cNvSpPr txBox="1">
+            <a:spLocks/>
+          </p:cNvSpPr>
+          <p:nvPr/>
+        </p:nvSpPr>
+        <p:spPr>
+          <a:xfrm>
+            <a:off x="1524000" y="1531083"/>
+            <a:ext cx="9042400" cy="1200329"/>
+          </a:xfrm>
+          <a:prstGeom prst="rect">
+            <a:avLst/>
+          </a:prstGeom>
+          <a:noFill/>
+        </p:spPr>
+        <p:txBody>
+          <a:bodyPr vert="horz" lIns="91440" tIns="45720" rIns="91440" bIns="45720" rtlCol="0">
+            <a:normAutofit/>
+          </a:bodyPr>
+          <a:lstStyle>
+            <a:lvl1pPr marL="342900" indent="-342900" algn="l" defTabSz="457200" rtl="0" eaLnBrk="1" latinLnBrk="0" hangingPunct="1">
+              <a:spcBef>
+                <a:spcPct val="20000"/>
+              </a:spcBef>
+              <a:buClr>
+                <a:srgbClr val="872175"/>
+              </a:buClr>
+              <a:buFont typeface="Arial"/>
+              <a:buChar char="•"/>
+              <a:defRPr sz="3200" kern="1200">
+                <a:solidFill>
+                  <a:schemeClr val="tx1"/>
+                </a:solidFill>
+                <a:latin typeface="+mn-lt"/>
+                <a:ea typeface="+mn-ea"/>
+                <a:cs typeface="+mn-cs"/>
+              </a:defRPr>
+            </a:lvl1pPr>
+            <a:lvl2pPr marL="742950" indent="-285750" algn="l" defTabSz="457200" rtl="0" eaLnBrk="1" latinLnBrk="0" hangingPunct="1">
+              <a:spcBef>
+                <a:spcPct val="20000"/>
+              </a:spcBef>
+              <a:buClr>
+                <a:srgbClr val="872175"/>
+              </a:buClr>
+              <a:buFont typeface="Arial"/>
+              <a:buChar char="–"/>
+              <a:defRPr sz="2400" kern="1200">
+                <a:solidFill>
+                  <a:schemeClr val="tx1"/>
+                </a:solidFill>
+                <a:latin typeface="+mn-lt"/>
+                <a:ea typeface="+mn-ea"/>
+                <a:cs typeface="+mn-cs"/>
+              </a:defRPr>
+            </a:lvl2pPr>
+            <a:lvl3pPr marL="1143000" indent="-228600" algn="l" defTabSz="457200" rtl="0" eaLnBrk="1" latinLnBrk="0" hangingPunct="1">
+              <a:spcBef>
+                <a:spcPct val="20000"/>
+              </a:spcBef>
+              <a:buClr>
+                <a:srgbClr val="872175"/>
+              </a:buClr>
+              <a:buFont typeface="Arial"/>
+              <a:buChar char="•"/>
+              <a:defRPr sz="2400" kern="1200">
+                <a:solidFill>
+                  <a:schemeClr val="tx1"/>
+                </a:solidFill>
+                <a:latin typeface="+mn-lt"/>
+                <a:ea typeface="+mn-ea"/>
+                <a:cs typeface="+mn-cs"/>
+              </a:defRPr>
+            </a:lvl3pPr>
+            <a:lvl4pPr marL="1600200" indent="-228600" algn="l" defTabSz="457200" rtl="0" eaLnBrk="1" latinLnBrk="0" hangingPunct="1">
+              <a:spcBef>
+                <a:spcPct val="20000"/>
+              </a:spcBef>
+              <a:buClr>
+                <a:srgbClr val="872175"/>
+              </a:buClr>
+              <a:buFont typeface="Arial"/>
+              <a:buChar char="–"/>
+              <a:defRPr sz="2000" kern="1200">
+                <a:solidFill>
+                  <a:schemeClr val="tx1"/>
+                </a:solidFill>
+                <a:latin typeface="+mn-lt"/>
+                <a:ea typeface="+mn-ea"/>
+                <a:cs typeface="+mn-cs"/>
+              </a:defRPr>
+            </a:lvl4pPr>
+            <a:lvl5pPr marL="2057400" indent="-228600" algn="l" defTabSz="457200" rtl="0" eaLnBrk="1" latinLnBrk="0" hangingPunct="1">
+              <a:spcBef>
+                <a:spcPct val="20000"/>
+              </a:spcBef>
+              <a:buClr>
+                <a:srgbClr val="872175"/>
+              </a:buClr>
+              <a:buFont typeface="Arial"/>
+              <a:buChar char="»"/>
+              <a:defRPr sz="2000" kern="1200">
+                <a:solidFill>
+                  <a:schemeClr val="tx1"/>
+                </a:solidFill>
+                <a:latin typeface="+mn-lt"/>
+                <a:ea typeface="+mn-ea"/>
+                <a:cs typeface="+mn-cs"/>
+              </a:defRPr>
+            </a:lvl5pPr>
+            <a:lvl6pPr marL="2514600" indent="-228600" algn="l" defTabSz="457200" rtl="0" eaLnBrk="1" latinLnBrk="0" hangingPunct="1">
+              <a:spcBef>
+                <a:spcPct val="20000"/>
+              </a:spcBef>
+              <a:buFont typeface="Arial"/>
+              <a:buChar char="•"/>
+              <a:defRPr sz="2000" kern="1200">
+                <a:solidFill>
+                  <a:schemeClr val="tx1"/>
+                </a:solidFill>
+                <a:latin typeface="+mn-lt"/>
+                <a:ea typeface="+mn-ea"/>
+                <a:cs typeface="+mn-cs"/>
+              </a:defRPr>
+            </a:lvl6pPr>
+            <a:lvl7pPr marL="2971800" indent="-228600" algn="l" defTabSz="457200" rtl="0" eaLnBrk="1" latinLnBrk="0" hangingPunct="1">
+              <a:spcBef>
+                <a:spcPct val="20000"/>
+              </a:spcBef>
+              <a:buFont typeface="Arial"/>
+              <a:buChar char="•"/>
+              <a:defRPr sz="2000" kern="1200">
+                <a:solidFill>
+                  <a:schemeClr val="tx1"/>
+                </a:solidFill>
+                <a:latin typeface="+mn-lt"/>
+                <a:ea typeface="+mn-ea"/>
+                <a:cs typeface="+mn-cs"/>
+              </a:defRPr>
+            </a:lvl7pPr>
+            <a:lvl8pPr marL="3429000" indent="-228600" algn="l" defTabSz="457200" rtl="0" eaLnBrk="1" latinLnBrk="0" hangingPunct="1">
+              <a:spcBef>
+                <a:spcPct val="20000"/>
+              </a:spcBef>
+              <a:buFont typeface="Arial"/>
+              <a:buChar char="•"/>
+              <a:defRPr sz="2000" kern="1200">
+                <a:solidFill>
+                  <a:schemeClr val="tx1"/>
+                </a:solidFill>
+                <a:latin typeface="+mn-lt"/>
+                <a:ea typeface="+mn-ea"/>
+                <a:cs typeface="+mn-cs"/>
+              </a:defRPr>
+            </a:lvl8pPr>
+            <a:lvl9pPr marL="3886200" indent="-228600" algn="l" defTabSz="457200" rtl="0" eaLnBrk="1" latinLnBrk="0" hangingPunct="1">
+              <a:spcBef>
+                <a:spcPct val="20000"/>
+              </a:spcBef>
+              <a:buFont typeface="Arial"/>
+              <a:buChar char="•"/>
+              <a:defRPr sz="2000" kern="1200">
+                <a:solidFill>
+                  <a:schemeClr val="tx1"/>
+                </a:solidFill>
+                <a:latin typeface="+mn-lt"/>
+                <a:ea typeface="+mn-ea"/>
+                <a:cs typeface="+mn-cs"/>
+              </a:defRPr>
+            </a:lvl9pPr>
+          </a:lstStyle>
+          <a:p>
+            <a:pPr marL="285750" indent="-285750">
+              <a:buFont typeface="Arial" panose="020B0604020202020204" pitchFamily="34" charset="0"/>
+              <a:buChar char="•"/>
+            </a:pPr>
+            <a:endParaRPr lang="en-GB" sz="2400" dirty="0"/>
+          </a:p>
+        </p:txBody>
+      </p:sp>
+      <p:sp>
+        <p:nvSpPr>
+          <p:cNvPr id="9" name="Content Placeholder 2">
+            <a:extLst>
+              <a:ext uri="{FF2B5EF4-FFF2-40B4-BE49-F238E27FC236}">
+                <a16:creationId xmlns:a16="http://schemas.microsoft.com/office/drawing/2014/main" id="{2649F7C4-5543-43B1-B592-C737A7308F45}"/>
+              </a:ext>
+            </a:extLst>
+          </p:cNvPr>
+          <p:cNvSpPr txBox="1">
+            <a:spLocks/>
+          </p:cNvSpPr>
+          <p:nvPr/>
+        </p:nvSpPr>
+        <p:spPr>
+          <a:xfrm>
+            <a:off x="1727201" y="1531083"/>
+            <a:ext cx="9042400" cy="3998861"/>
+          </a:xfrm>
+          <a:prstGeom prst="rect">
+            <a:avLst/>
+          </a:prstGeom>
+          <a:noFill/>
+        </p:spPr>
+        <p:txBody>
+          <a:bodyPr vert="horz" lIns="91440" tIns="45720" rIns="91440" bIns="45720" rtlCol="0">
+            <a:normAutofit/>
+          </a:bodyPr>
+          <a:lstStyle>
+            <a:lvl1pPr marL="342900" indent="-342900" algn="l" defTabSz="457200" rtl="0" eaLnBrk="1" latinLnBrk="0" hangingPunct="1">
+              <a:spcBef>
+                <a:spcPct val="20000"/>
+              </a:spcBef>
+              <a:buClr>
+                <a:srgbClr val="872175"/>
+              </a:buClr>
+              <a:buFont typeface="Arial"/>
+              <a:buChar char="•"/>
+              <a:defRPr sz="3200" kern="1200">
+                <a:solidFill>
+                  <a:schemeClr val="tx1"/>
+                </a:solidFill>
+                <a:latin typeface="+mn-lt"/>
+                <a:ea typeface="+mn-ea"/>
+                <a:cs typeface="+mn-cs"/>
+              </a:defRPr>
+            </a:lvl1pPr>
+            <a:lvl2pPr marL="742950" indent="-285750" algn="l" defTabSz="457200" rtl="0" eaLnBrk="1" latinLnBrk="0" hangingPunct="1">
+              <a:spcBef>
+                <a:spcPct val="20000"/>
+              </a:spcBef>
+              <a:buClr>
+                <a:srgbClr val="872175"/>
+              </a:buClr>
+              <a:buFont typeface="Arial"/>
+              <a:buChar char="–"/>
+              <a:defRPr sz="2400" kern="1200">
+                <a:solidFill>
+                  <a:schemeClr val="tx1"/>
+                </a:solidFill>
+                <a:latin typeface="+mn-lt"/>
+                <a:ea typeface="+mn-ea"/>
+                <a:cs typeface="+mn-cs"/>
+              </a:defRPr>
+            </a:lvl2pPr>
+            <a:lvl3pPr marL="1143000" indent="-228600" algn="l" defTabSz="457200" rtl="0" eaLnBrk="1" latinLnBrk="0" hangingPunct="1">
+              <a:spcBef>
+                <a:spcPct val="20000"/>
+              </a:spcBef>
+              <a:buClr>
+                <a:srgbClr val="872175"/>
+              </a:buClr>
+              <a:buFont typeface="Arial"/>
+              <a:buChar char="•"/>
+              <a:defRPr sz="2400" kern="1200">
+                <a:solidFill>
+                  <a:schemeClr val="tx1"/>
+                </a:solidFill>
+                <a:latin typeface="+mn-lt"/>
+                <a:ea typeface="+mn-ea"/>
+                <a:cs typeface="+mn-cs"/>
+              </a:defRPr>
+            </a:lvl3pPr>
+            <a:lvl4pPr marL="1600200" indent="-228600" algn="l" defTabSz="457200" rtl="0" eaLnBrk="1" latinLnBrk="0" hangingPunct="1">
+              <a:spcBef>
+                <a:spcPct val="20000"/>
+              </a:spcBef>
+              <a:buClr>
+                <a:srgbClr val="872175"/>
+              </a:buClr>
+              <a:buFont typeface="Arial"/>
+              <a:buChar char="–"/>
+              <a:defRPr sz="2000" kern="1200">
+                <a:solidFill>
+                  <a:schemeClr val="tx1"/>
+                </a:solidFill>
+                <a:latin typeface="+mn-lt"/>
+                <a:ea typeface="+mn-ea"/>
+                <a:cs typeface="+mn-cs"/>
+              </a:defRPr>
+            </a:lvl4pPr>
+            <a:lvl5pPr marL="2057400" indent="-228600" algn="l" defTabSz="457200" rtl="0" eaLnBrk="1" latinLnBrk="0" hangingPunct="1">
+              <a:spcBef>
+                <a:spcPct val="20000"/>
+              </a:spcBef>
+              <a:buClr>
+                <a:srgbClr val="872175"/>
+              </a:buClr>
+              <a:buFont typeface="Arial"/>
+              <a:buChar char="»"/>
+              <a:defRPr sz="2000" kern="1200">
+                <a:solidFill>
+                  <a:schemeClr val="tx1"/>
+                </a:solidFill>
+                <a:latin typeface="+mn-lt"/>
+                <a:ea typeface="+mn-ea"/>
+                <a:cs typeface="+mn-cs"/>
+              </a:defRPr>
+            </a:lvl5pPr>
+            <a:lvl6pPr marL="2514600" indent="-228600" algn="l" defTabSz="457200" rtl="0" eaLnBrk="1" latinLnBrk="0" hangingPunct="1">
+              <a:spcBef>
+                <a:spcPct val="20000"/>
+              </a:spcBef>
+              <a:buFont typeface="Arial"/>
+              <a:buChar char="•"/>
+              <a:defRPr sz="2000" kern="1200">
+                <a:solidFill>
+                  <a:schemeClr val="tx1"/>
+                </a:solidFill>
+                <a:latin typeface="+mn-lt"/>
+                <a:ea typeface="+mn-ea"/>
+                <a:cs typeface="+mn-cs"/>
+              </a:defRPr>
+            </a:lvl6pPr>
+            <a:lvl7pPr marL="2971800" indent="-228600" algn="l" defTabSz="457200" rtl="0" eaLnBrk="1" latinLnBrk="0" hangingPunct="1">
+              <a:spcBef>
+                <a:spcPct val="20000"/>
+              </a:spcBef>
+              <a:buFont typeface="Arial"/>
+              <a:buChar char="•"/>
+              <a:defRPr sz="2000" kern="1200">
+                <a:solidFill>
+                  <a:schemeClr val="tx1"/>
+                </a:solidFill>
+                <a:latin typeface="+mn-lt"/>
+                <a:ea typeface="+mn-ea"/>
+                <a:cs typeface="+mn-cs"/>
+              </a:defRPr>
+            </a:lvl7pPr>
+            <a:lvl8pPr marL="3429000" indent="-228600" algn="l" defTabSz="457200" rtl="0" eaLnBrk="1" latinLnBrk="0" hangingPunct="1">
+              <a:spcBef>
+                <a:spcPct val="20000"/>
+              </a:spcBef>
+              <a:buFont typeface="Arial"/>
+              <a:buChar char="•"/>
+              <a:defRPr sz="2000" kern="1200">
+                <a:solidFill>
+                  <a:schemeClr val="tx1"/>
+                </a:solidFill>
+                <a:latin typeface="+mn-lt"/>
+                <a:ea typeface="+mn-ea"/>
+                <a:cs typeface="+mn-cs"/>
+              </a:defRPr>
+            </a:lvl8pPr>
+            <a:lvl9pPr marL="3886200" indent="-228600" algn="l" defTabSz="457200" rtl="0" eaLnBrk="1" latinLnBrk="0" hangingPunct="1">
+              <a:spcBef>
+                <a:spcPct val="20000"/>
+              </a:spcBef>
+              <a:buFont typeface="Arial"/>
+              <a:buChar char="•"/>
+              <a:defRPr sz="2000" kern="1200">
+                <a:solidFill>
+                  <a:schemeClr val="tx1"/>
+                </a:solidFill>
+                <a:latin typeface="+mn-lt"/>
+                <a:ea typeface="+mn-ea"/>
+                <a:cs typeface="+mn-cs"/>
+              </a:defRPr>
+            </a:lvl9pPr>
+          </a:lstStyle>
+          <a:p>
+            <a:pPr marL="285750" indent="-285750">
+              <a:buFont typeface="Arial" panose="020B0604020202020204" pitchFamily="34" charset="0"/>
+              <a:buChar char="•"/>
+            </a:pPr>
+            <a:r>
+              <a:rPr lang="en-GB" sz="2400" dirty="0"/>
+              <a:t>In this example, the read is split into 4-mers.</a:t>
+            </a:r>
+          </a:p>
+          <a:p>
+            <a:pPr marL="285750" indent="-285750">
+              <a:buFont typeface="Arial" panose="020B0604020202020204" pitchFamily="34" charset="0"/>
+              <a:buChar char="•"/>
+            </a:pPr>
+            <a:r>
+              <a:rPr lang="en-GB" sz="2400" dirty="0"/>
+              <a:t>Errors, heterozygosity, contamination, repeats (semi-repeats) can then cause this to be difficult to “untangle”.</a:t>
+            </a:r>
+          </a:p>
+          <a:p>
+            <a:pPr marL="285750" indent="-285750">
+              <a:buFont typeface="Arial" panose="020B0604020202020204" pitchFamily="34" charset="0"/>
+              <a:buChar char="•"/>
+            </a:pPr>
+            <a:r>
+              <a:rPr lang="en-GB" sz="2400" dirty="0"/>
+              <a:t>Bubbles are formed when there is a conflict in the sequence. Can become impossible, thus a fragmented assembly. </a:t>
+            </a:r>
+          </a:p>
+          <a:p>
+            <a:pPr marL="285750" indent="-285750">
+              <a:buFont typeface="Arial" panose="020B0604020202020204" pitchFamily="34" charset="0"/>
+              <a:buChar char="•"/>
+            </a:pPr>
+            <a:endParaRPr lang="en-GB" sz="2400" dirty="0"/>
+          </a:p>
+        </p:txBody>
+      </p:sp>
+      <p:sp>
+        <p:nvSpPr>
+          <p:cNvPr id="5" name="Rectangle 4">
+            <a:extLst>
+              <a:ext uri="{FF2B5EF4-FFF2-40B4-BE49-F238E27FC236}">
+                <a16:creationId xmlns:a16="http://schemas.microsoft.com/office/drawing/2014/main" id="{0855803B-2D6A-4953-B92C-08EC9267D512}"/>
+              </a:ext>
+            </a:extLst>
+          </p:cNvPr>
+          <p:cNvSpPr/>
+          <p:nvPr/>
+        </p:nvSpPr>
+        <p:spPr>
+          <a:xfrm>
+            <a:off x="1574800" y="6485371"/>
+            <a:ext cx="9042400" cy="507831"/>
+          </a:xfrm>
+          <a:prstGeom prst="rect">
+            <a:avLst/>
+          </a:prstGeom>
+        </p:spPr>
+        <p:txBody>
+          <a:bodyPr wrap="square">
+            <a:spAutoFit/>
+          </a:bodyPr>
+          <a:lstStyle/>
+          <a:p>
+            <a:r>
+              <a:rPr lang="en-GB" sz="1350" dirty="0">
+                <a:solidFill>
+                  <a:srgbClr val="222222"/>
+                </a:solidFill>
+                <a:latin typeface="Arial" panose="020B0604020202020204" pitchFamily="34" charset="0"/>
+              </a:rPr>
+              <a:t>Sohn, J.I. and Nam, J.W., 2018. The present and future of de novo whole-genome assembly. </a:t>
+            </a:r>
+            <a:r>
+              <a:rPr lang="en-GB" sz="1350" i="1" dirty="0">
+                <a:solidFill>
+                  <a:srgbClr val="222222"/>
+                </a:solidFill>
+                <a:latin typeface="Arial" panose="020B0604020202020204" pitchFamily="34" charset="0"/>
+              </a:rPr>
+              <a:t>Briefings in bioinformatics</a:t>
+            </a:r>
+            <a:r>
+              <a:rPr lang="en-GB" sz="1350" dirty="0">
+                <a:solidFill>
+                  <a:srgbClr val="222222"/>
+                </a:solidFill>
+                <a:latin typeface="Arial" panose="020B0604020202020204" pitchFamily="34" charset="0"/>
+              </a:rPr>
+              <a:t>, </a:t>
+            </a:r>
+            <a:r>
+              <a:rPr lang="en-GB" sz="1350" i="1" dirty="0">
+                <a:solidFill>
+                  <a:srgbClr val="222222"/>
+                </a:solidFill>
+                <a:latin typeface="Arial" panose="020B0604020202020204" pitchFamily="34" charset="0"/>
+              </a:rPr>
+              <a:t>19</a:t>
+            </a:r>
+            <a:r>
+              <a:rPr lang="en-GB" sz="1350" dirty="0">
+                <a:solidFill>
+                  <a:srgbClr val="222222"/>
+                </a:solidFill>
+                <a:latin typeface="Arial" panose="020B0604020202020204" pitchFamily="34" charset="0"/>
+              </a:rPr>
+              <a:t>(1), pp.23-40.</a:t>
+            </a:r>
+            <a:endParaRPr lang="en-GB" sz="1350" dirty="0"/>
+          </a:p>
+        </p:txBody>
+      </p:sp>
+      <p:pic>
+        <p:nvPicPr>
+          <p:cNvPr id="6" name="Picture 4">
+            <a:extLst>
+              <a:ext uri="{FF2B5EF4-FFF2-40B4-BE49-F238E27FC236}">
+                <a16:creationId xmlns:a16="http://schemas.microsoft.com/office/drawing/2014/main" id="{0A615301-3952-4569-8B0C-FA18E950DD78}"/>
+              </a:ext>
+            </a:extLst>
+          </p:cNvPr>
+          <p:cNvPicPr>
+            <a:picLocks noChangeAspect="1" noChangeArrowheads="1"/>
+          </p:cNvPicPr>
+          <p:nvPr/>
+        </p:nvPicPr>
+        <p:blipFill rotWithShape="1">
+          <a:blip r:embed="rId2">
+            <a:extLst>
+              <a:ext uri="{28A0092B-C50C-407E-A947-70E740481C1C}">
+                <a14:useLocalDpi xmlns:a14="http://schemas.microsoft.com/office/drawing/2010/main" val="0"/>
+              </a:ext>
+            </a:extLst>
+          </a:blip>
+          <a:srcRect b="6997"/>
+          <a:stretch/>
+        </p:blipFill>
+        <p:spPr bwMode="auto">
+          <a:xfrm>
+            <a:off x="1676401" y="3958890"/>
+            <a:ext cx="4572000" cy="2544616"/>
+          </a:xfrm>
+          <a:prstGeom prst="rect">
+            <a:avLst/>
+          </a:prstGeom>
+          <a:noFill/>
+          <a:extLst>
+            <a:ext uri="{909E8E84-426E-40DD-AFC4-6F175D3DCCD1}">
+              <a14:hiddenFill xmlns:a14="http://schemas.microsoft.com/office/drawing/2010/main">
+                <a:solidFill>
+                  <a:srgbClr val="FFFFFF"/>
+                </a:solidFill>
+              </a14:hiddenFill>
+            </a:ext>
+          </a:extLst>
+        </p:spPr>
+      </p:pic>
+    </p:spTree>
+    <p:extLst>
+      <p:ext uri="{BB962C8B-B14F-4D97-AF65-F5344CB8AC3E}">
+        <p14:creationId xmlns:p14="http://schemas.microsoft.com/office/powerpoint/2010/main" val="23652256"/>
+      </p:ext>
+    </p:extLst>
+  </p:cSld>
+  <p:clrMapOvr>
+    <a:masterClrMapping/>
+  </p:clrMapOvr>
+  <p:timing>
+    <p:tnLst>
+      <p:par>
+        <p:cTn id="1" dur="indefinite" restart="never" nodeType="tmRoot">
+          <p:childTnLst>
+            <p:seq concurrent="1" nextAc="seek">
+              <p:cTn id="2" dur="indefinite" nodeType="mainSeq">
+                <p:childTnLst>
+                  <p:par>
+                    <p:cTn id="3" fill="hold">
+                      <p:stCondLst>
+                        <p:cond delay="indefinite"/>
+                      </p:stCondLst>
+                      <p:childTnLst>
+                        <p:par>
+                          <p:cTn id="4" fill="hold">
+                            <p:stCondLst>
+                              <p:cond delay="0"/>
+                            </p:stCondLst>
+                            <p:childTnLst>
+                              <p:par>
+                                <p:cTn id="5" presetID="1" presetClass="entr" presetSubtype="0" fill="hold" grpId="0" nodeType="clickEffect" nodePh="1">
+                                  <p:stCondLst>
+                                    <p:cond delay="0"/>
+                                  </p:stCondLst>
+                                  <p:endCondLst>
+                                    <p:cond evt="begin" delay="0">
+                                      <p:tn val="5"/>
+                                    </p:cond>
+                                  </p:endCondLst>
+                                  <p:childTnLst>
+                                    <p:set>
+                                      <p:cBhvr>
+                                        <p:cTn id="6" dur="1" fill="hold">
+                                          <p:stCondLst>
+                                            <p:cond delay="0"/>
+                                          </p:stCondLst>
+                                        </p:cTn>
+                                        <p:tgtEl>
+                                          <p:spTgt spid="8">
+                                            <p:txEl>
+                                              <p:pRg st="0" end="0"/>
+                                            </p:txEl>
+                                          </p:spTgt>
+                                        </p:tgtEl>
+                                        <p:attrNameLst>
+                                          <p:attrName>style.visibility</p:attrName>
+                                        </p:attrNameLst>
+                                      </p:cBhvr>
+                                      <p:to>
+                                        <p:strVal val="visible"/>
+                                      </p:to>
+                                    </p:set>
+                                  </p:childTnLst>
+                                </p:cTn>
+                              </p:par>
+                            </p:childTnLst>
+                          </p:cTn>
+                        </p:par>
+                      </p:childTnLst>
+                    </p:cTn>
+                  </p:par>
+                </p:childTnLst>
+              </p:cTn>
+              <p:prevCondLst>
+                <p:cond evt="onPrev" delay="0">
+                  <p:tgtEl>
+                    <p:sldTgt/>
+                  </p:tgtEl>
+                </p:cond>
+              </p:prevCondLst>
+              <p:nextCondLst>
+                <p:cond evt="onNext" delay="0">
+                  <p:tgtEl>
+                    <p:sldTgt/>
+                  </p:tgtEl>
+                </p:cond>
+              </p:nextCondLst>
+            </p:seq>
+          </p:childTnLst>
+        </p:cTn>
+      </p:par>
+    </p:tnLst>
+    <p:bldLst>
+      <p:bldP spid="8" grpId="0" build="p"/>
+    </p:bldLst>
+  </p:timing>
+</p:sld>
+</file>
+
+<file path=ppt/slides/slide5.xml><?xml version="1.0" encoding="utf-8"?>
+<p:sld xmlns:a="http://schemas.openxmlformats.org/drawingml/2006/main" xmlns:r="http://schemas.openxmlformats.org/officeDocument/2006/relationships" xmlns:p="http://schemas.openxmlformats.org/presentationml/2006/main">
+  <p:cSld>
+    <p:spTree>
+      <p:nvGrpSpPr>
+        <p:cNvPr id="1" name=""/>
+        <p:cNvGrpSpPr/>
+        <p:nvPr/>
+      </p:nvGrpSpPr>
+      <p:grpSpPr>
+        <a:xfrm>
+          <a:off x="0" y="0"/>
+          <a:ext cx="0" cy="0"/>
+          <a:chOff x="0" y="0"/>
+          <a:chExt cx="0" cy="0"/>
+        </a:xfrm>
+      </p:grpSpPr>
+      <p:pic>
+        <p:nvPicPr>
+          <p:cNvPr id="3074" name="Picture 2" descr="51-mer assembly graph">
+            <a:extLst>
+              <a:ext uri="{FF2B5EF4-FFF2-40B4-BE49-F238E27FC236}">
+                <a16:creationId xmlns:a16="http://schemas.microsoft.com/office/drawing/2014/main" id="{37E84D55-0F52-495A-8861-A4C55BE79358}"/>
               </a:ext>
             </a:extLst>
           </p:cNvPr>
@@ -4052,8 +5594,8 @@
         </p:blipFill>
         <p:spPr bwMode="auto">
           <a:xfrm>
-            <a:off x="361949" y="2448917"/>
-            <a:ext cx="6096000" cy="3648075"/>
+            <a:off x="7865459" y="3429000"/>
+            <a:ext cx="2599340" cy="2109464"/>
           </a:xfrm>
           <a:prstGeom prst="rect">
             <a:avLst/>
@@ -4070,16 +5612,3299 @@
           </a:extLst>
         </p:spPr>
       </p:pic>
+      <p:sp>
+        <p:nvSpPr>
+          <p:cNvPr id="4" name="Title 3"/>
+          <p:cNvSpPr>
+            <a:spLocks noGrp="1"/>
+          </p:cNvSpPr>
+          <p:nvPr>
+            <p:ph type="title"/>
+          </p:nvPr>
+        </p:nvSpPr>
+        <p:spPr>
+          <a:xfrm>
+            <a:off x="2625013" y="386437"/>
+            <a:ext cx="7941389" cy="590931"/>
+          </a:xfrm>
+        </p:spPr>
+        <p:txBody>
+          <a:bodyPr/>
+          <a:lstStyle/>
+          <a:p>
+            <a:r>
+              <a:rPr lang="en-GB" dirty="0" err="1"/>
+              <a:t>Kmers</a:t>
+            </a:r>
+            <a:r>
+              <a:rPr lang="en-GB" dirty="0"/>
+              <a:t> and </a:t>
+            </a:r>
+            <a:r>
+              <a:rPr lang="en-GB" i="1" dirty="0"/>
+              <a:t>De </a:t>
+            </a:r>
+            <a:r>
+              <a:rPr lang="en-GB" i="1" dirty="0" err="1"/>
+              <a:t>Bruijn</a:t>
+            </a:r>
+            <a:r>
+              <a:rPr lang="en-GB" i="1" dirty="0"/>
+              <a:t> </a:t>
+            </a:r>
+            <a:r>
+              <a:rPr lang="en-GB" dirty="0"/>
+              <a:t>graph</a:t>
+            </a:r>
+          </a:p>
+        </p:txBody>
+      </p:sp>
+      <p:sp>
+        <p:nvSpPr>
+          <p:cNvPr id="8" name="Content Placeholder 2"/>
+          <p:cNvSpPr txBox="1">
+            <a:spLocks/>
+          </p:cNvSpPr>
+          <p:nvPr/>
+        </p:nvSpPr>
+        <p:spPr>
+          <a:xfrm>
+            <a:off x="1524000" y="1531083"/>
+            <a:ext cx="9042400" cy="1200329"/>
+          </a:xfrm>
+          <a:prstGeom prst="rect">
+            <a:avLst/>
+          </a:prstGeom>
+          <a:noFill/>
+        </p:spPr>
+        <p:txBody>
+          <a:bodyPr vert="horz" lIns="91440" tIns="45720" rIns="91440" bIns="45720" rtlCol="0">
+            <a:normAutofit/>
+          </a:bodyPr>
+          <a:lstStyle>
+            <a:lvl1pPr marL="342900" indent="-342900" algn="l" defTabSz="457200" rtl="0" eaLnBrk="1" latinLnBrk="0" hangingPunct="1">
+              <a:spcBef>
+                <a:spcPct val="20000"/>
+              </a:spcBef>
+              <a:buClr>
+                <a:srgbClr val="872175"/>
+              </a:buClr>
+              <a:buFont typeface="Arial"/>
+              <a:buChar char="•"/>
+              <a:defRPr sz="3200" kern="1200">
+                <a:solidFill>
+                  <a:schemeClr val="tx1"/>
+                </a:solidFill>
+                <a:latin typeface="+mn-lt"/>
+                <a:ea typeface="+mn-ea"/>
+                <a:cs typeface="+mn-cs"/>
+              </a:defRPr>
+            </a:lvl1pPr>
+            <a:lvl2pPr marL="742950" indent="-285750" algn="l" defTabSz="457200" rtl="0" eaLnBrk="1" latinLnBrk="0" hangingPunct="1">
+              <a:spcBef>
+                <a:spcPct val="20000"/>
+              </a:spcBef>
+              <a:buClr>
+                <a:srgbClr val="872175"/>
+              </a:buClr>
+              <a:buFont typeface="Arial"/>
+              <a:buChar char="–"/>
+              <a:defRPr sz="2400" kern="1200">
+                <a:solidFill>
+                  <a:schemeClr val="tx1"/>
+                </a:solidFill>
+                <a:latin typeface="+mn-lt"/>
+                <a:ea typeface="+mn-ea"/>
+                <a:cs typeface="+mn-cs"/>
+              </a:defRPr>
+            </a:lvl2pPr>
+            <a:lvl3pPr marL="1143000" indent="-228600" algn="l" defTabSz="457200" rtl="0" eaLnBrk="1" latinLnBrk="0" hangingPunct="1">
+              <a:spcBef>
+                <a:spcPct val="20000"/>
+              </a:spcBef>
+              <a:buClr>
+                <a:srgbClr val="872175"/>
+              </a:buClr>
+              <a:buFont typeface="Arial"/>
+              <a:buChar char="•"/>
+              <a:defRPr sz="2400" kern="1200">
+                <a:solidFill>
+                  <a:schemeClr val="tx1"/>
+                </a:solidFill>
+                <a:latin typeface="+mn-lt"/>
+                <a:ea typeface="+mn-ea"/>
+                <a:cs typeface="+mn-cs"/>
+              </a:defRPr>
+            </a:lvl3pPr>
+            <a:lvl4pPr marL="1600200" indent="-228600" algn="l" defTabSz="457200" rtl="0" eaLnBrk="1" latinLnBrk="0" hangingPunct="1">
+              <a:spcBef>
+                <a:spcPct val="20000"/>
+              </a:spcBef>
+              <a:buClr>
+                <a:srgbClr val="872175"/>
+              </a:buClr>
+              <a:buFont typeface="Arial"/>
+              <a:buChar char="–"/>
+              <a:defRPr sz="2000" kern="1200">
+                <a:solidFill>
+                  <a:schemeClr val="tx1"/>
+                </a:solidFill>
+                <a:latin typeface="+mn-lt"/>
+                <a:ea typeface="+mn-ea"/>
+                <a:cs typeface="+mn-cs"/>
+              </a:defRPr>
+            </a:lvl4pPr>
+            <a:lvl5pPr marL="2057400" indent="-228600" algn="l" defTabSz="457200" rtl="0" eaLnBrk="1" latinLnBrk="0" hangingPunct="1">
+              <a:spcBef>
+                <a:spcPct val="20000"/>
+              </a:spcBef>
+              <a:buClr>
+                <a:srgbClr val="872175"/>
+              </a:buClr>
+              <a:buFont typeface="Arial"/>
+              <a:buChar char="»"/>
+              <a:defRPr sz="2000" kern="1200">
+                <a:solidFill>
+                  <a:schemeClr val="tx1"/>
+                </a:solidFill>
+                <a:latin typeface="+mn-lt"/>
+                <a:ea typeface="+mn-ea"/>
+                <a:cs typeface="+mn-cs"/>
+              </a:defRPr>
+            </a:lvl5pPr>
+            <a:lvl6pPr marL="2514600" indent="-228600" algn="l" defTabSz="457200" rtl="0" eaLnBrk="1" latinLnBrk="0" hangingPunct="1">
+              <a:spcBef>
+                <a:spcPct val="20000"/>
+              </a:spcBef>
+              <a:buFont typeface="Arial"/>
+              <a:buChar char="•"/>
+              <a:defRPr sz="2000" kern="1200">
+                <a:solidFill>
+                  <a:schemeClr val="tx1"/>
+                </a:solidFill>
+                <a:latin typeface="+mn-lt"/>
+                <a:ea typeface="+mn-ea"/>
+                <a:cs typeface="+mn-cs"/>
+              </a:defRPr>
+            </a:lvl6pPr>
+            <a:lvl7pPr marL="2971800" indent="-228600" algn="l" defTabSz="457200" rtl="0" eaLnBrk="1" latinLnBrk="0" hangingPunct="1">
+              <a:spcBef>
+                <a:spcPct val="20000"/>
+              </a:spcBef>
+              <a:buFont typeface="Arial"/>
+              <a:buChar char="•"/>
+              <a:defRPr sz="2000" kern="1200">
+                <a:solidFill>
+                  <a:schemeClr val="tx1"/>
+                </a:solidFill>
+                <a:latin typeface="+mn-lt"/>
+                <a:ea typeface="+mn-ea"/>
+                <a:cs typeface="+mn-cs"/>
+              </a:defRPr>
+            </a:lvl7pPr>
+            <a:lvl8pPr marL="3429000" indent="-228600" algn="l" defTabSz="457200" rtl="0" eaLnBrk="1" latinLnBrk="0" hangingPunct="1">
+              <a:spcBef>
+                <a:spcPct val="20000"/>
+              </a:spcBef>
+              <a:buFont typeface="Arial"/>
+              <a:buChar char="•"/>
+              <a:defRPr sz="2000" kern="1200">
+                <a:solidFill>
+                  <a:schemeClr val="tx1"/>
+                </a:solidFill>
+                <a:latin typeface="+mn-lt"/>
+                <a:ea typeface="+mn-ea"/>
+                <a:cs typeface="+mn-cs"/>
+              </a:defRPr>
+            </a:lvl8pPr>
+            <a:lvl9pPr marL="3886200" indent="-228600" algn="l" defTabSz="457200" rtl="0" eaLnBrk="1" latinLnBrk="0" hangingPunct="1">
+              <a:spcBef>
+                <a:spcPct val="20000"/>
+              </a:spcBef>
+              <a:buFont typeface="Arial"/>
+              <a:buChar char="•"/>
+              <a:defRPr sz="2000" kern="1200">
+                <a:solidFill>
+                  <a:schemeClr val="tx1"/>
+                </a:solidFill>
+                <a:latin typeface="+mn-lt"/>
+                <a:ea typeface="+mn-ea"/>
+                <a:cs typeface="+mn-cs"/>
+              </a:defRPr>
+            </a:lvl9pPr>
+          </a:lstStyle>
+          <a:p>
+            <a:pPr marL="285750" indent="-285750">
+              <a:buFont typeface="Arial" panose="020B0604020202020204" pitchFamily="34" charset="0"/>
+              <a:buChar char="•"/>
+            </a:pPr>
+            <a:endParaRPr lang="en-GB" sz="2400" dirty="0"/>
+          </a:p>
+        </p:txBody>
+      </p:sp>
+      <p:sp>
+        <p:nvSpPr>
+          <p:cNvPr id="9" name="Content Placeholder 2">
+            <a:extLst>
+              <a:ext uri="{FF2B5EF4-FFF2-40B4-BE49-F238E27FC236}">
+                <a16:creationId xmlns:a16="http://schemas.microsoft.com/office/drawing/2014/main" id="{2649F7C4-5543-43B1-B592-C737A7308F45}"/>
+              </a:ext>
+            </a:extLst>
+          </p:cNvPr>
+          <p:cNvSpPr txBox="1">
+            <a:spLocks/>
+          </p:cNvSpPr>
+          <p:nvPr/>
+        </p:nvSpPr>
+        <p:spPr>
+          <a:xfrm>
+            <a:off x="1727201" y="1531083"/>
+            <a:ext cx="8839200" cy="2266218"/>
+          </a:xfrm>
+          <a:prstGeom prst="rect">
+            <a:avLst/>
+          </a:prstGeom>
+          <a:noFill/>
+        </p:spPr>
+        <p:txBody>
+          <a:bodyPr vert="horz" lIns="91440" tIns="45720" rIns="91440" bIns="45720" rtlCol="0">
+            <a:normAutofit/>
+          </a:bodyPr>
+          <a:lstStyle>
+            <a:lvl1pPr marL="342900" indent="-342900" algn="l" defTabSz="457200" rtl="0" eaLnBrk="1" latinLnBrk="0" hangingPunct="1">
+              <a:spcBef>
+                <a:spcPct val="20000"/>
+              </a:spcBef>
+              <a:buClr>
+                <a:srgbClr val="872175"/>
+              </a:buClr>
+              <a:buFont typeface="Arial"/>
+              <a:buChar char="•"/>
+              <a:defRPr sz="3200" kern="1200">
+                <a:solidFill>
+                  <a:schemeClr val="tx1"/>
+                </a:solidFill>
+                <a:latin typeface="+mn-lt"/>
+                <a:ea typeface="+mn-ea"/>
+                <a:cs typeface="+mn-cs"/>
+              </a:defRPr>
+            </a:lvl1pPr>
+            <a:lvl2pPr marL="742950" indent="-285750" algn="l" defTabSz="457200" rtl="0" eaLnBrk="1" latinLnBrk="0" hangingPunct="1">
+              <a:spcBef>
+                <a:spcPct val="20000"/>
+              </a:spcBef>
+              <a:buClr>
+                <a:srgbClr val="872175"/>
+              </a:buClr>
+              <a:buFont typeface="Arial"/>
+              <a:buChar char="–"/>
+              <a:defRPr sz="2400" kern="1200">
+                <a:solidFill>
+                  <a:schemeClr val="tx1"/>
+                </a:solidFill>
+                <a:latin typeface="+mn-lt"/>
+                <a:ea typeface="+mn-ea"/>
+                <a:cs typeface="+mn-cs"/>
+              </a:defRPr>
+            </a:lvl2pPr>
+            <a:lvl3pPr marL="1143000" indent="-228600" algn="l" defTabSz="457200" rtl="0" eaLnBrk="1" latinLnBrk="0" hangingPunct="1">
+              <a:spcBef>
+                <a:spcPct val="20000"/>
+              </a:spcBef>
+              <a:buClr>
+                <a:srgbClr val="872175"/>
+              </a:buClr>
+              <a:buFont typeface="Arial"/>
+              <a:buChar char="•"/>
+              <a:defRPr sz="2400" kern="1200">
+                <a:solidFill>
+                  <a:schemeClr val="tx1"/>
+                </a:solidFill>
+                <a:latin typeface="+mn-lt"/>
+                <a:ea typeface="+mn-ea"/>
+                <a:cs typeface="+mn-cs"/>
+              </a:defRPr>
+            </a:lvl3pPr>
+            <a:lvl4pPr marL="1600200" indent="-228600" algn="l" defTabSz="457200" rtl="0" eaLnBrk="1" latinLnBrk="0" hangingPunct="1">
+              <a:spcBef>
+                <a:spcPct val="20000"/>
+              </a:spcBef>
+              <a:buClr>
+                <a:srgbClr val="872175"/>
+              </a:buClr>
+              <a:buFont typeface="Arial"/>
+              <a:buChar char="–"/>
+              <a:defRPr sz="2000" kern="1200">
+                <a:solidFill>
+                  <a:schemeClr val="tx1"/>
+                </a:solidFill>
+                <a:latin typeface="+mn-lt"/>
+                <a:ea typeface="+mn-ea"/>
+                <a:cs typeface="+mn-cs"/>
+              </a:defRPr>
+            </a:lvl4pPr>
+            <a:lvl5pPr marL="2057400" indent="-228600" algn="l" defTabSz="457200" rtl="0" eaLnBrk="1" latinLnBrk="0" hangingPunct="1">
+              <a:spcBef>
+                <a:spcPct val="20000"/>
+              </a:spcBef>
+              <a:buClr>
+                <a:srgbClr val="872175"/>
+              </a:buClr>
+              <a:buFont typeface="Arial"/>
+              <a:buChar char="»"/>
+              <a:defRPr sz="2000" kern="1200">
+                <a:solidFill>
+                  <a:schemeClr val="tx1"/>
+                </a:solidFill>
+                <a:latin typeface="+mn-lt"/>
+                <a:ea typeface="+mn-ea"/>
+                <a:cs typeface="+mn-cs"/>
+              </a:defRPr>
+            </a:lvl5pPr>
+            <a:lvl6pPr marL="2514600" indent="-228600" algn="l" defTabSz="457200" rtl="0" eaLnBrk="1" latinLnBrk="0" hangingPunct="1">
+              <a:spcBef>
+                <a:spcPct val="20000"/>
+              </a:spcBef>
+              <a:buFont typeface="Arial"/>
+              <a:buChar char="•"/>
+              <a:defRPr sz="2000" kern="1200">
+                <a:solidFill>
+                  <a:schemeClr val="tx1"/>
+                </a:solidFill>
+                <a:latin typeface="+mn-lt"/>
+                <a:ea typeface="+mn-ea"/>
+                <a:cs typeface="+mn-cs"/>
+              </a:defRPr>
+            </a:lvl6pPr>
+            <a:lvl7pPr marL="2971800" indent="-228600" algn="l" defTabSz="457200" rtl="0" eaLnBrk="1" latinLnBrk="0" hangingPunct="1">
+              <a:spcBef>
+                <a:spcPct val="20000"/>
+              </a:spcBef>
+              <a:buFont typeface="Arial"/>
+              <a:buChar char="•"/>
+              <a:defRPr sz="2000" kern="1200">
+                <a:solidFill>
+                  <a:schemeClr val="tx1"/>
+                </a:solidFill>
+                <a:latin typeface="+mn-lt"/>
+                <a:ea typeface="+mn-ea"/>
+                <a:cs typeface="+mn-cs"/>
+              </a:defRPr>
+            </a:lvl7pPr>
+            <a:lvl8pPr marL="3429000" indent="-228600" algn="l" defTabSz="457200" rtl="0" eaLnBrk="1" latinLnBrk="0" hangingPunct="1">
+              <a:spcBef>
+                <a:spcPct val="20000"/>
+              </a:spcBef>
+              <a:buFont typeface="Arial"/>
+              <a:buChar char="•"/>
+              <a:defRPr sz="2000" kern="1200">
+                <a:solidFill>
+                  <a:schemeClr val="tx1"/>
+                </a:solidFill>
+                <a:latin typeface="+mn-lt"/>
+                <a:ea typeface="+mn-ea"/>
+                <a:cs typeface="+mn-cs"/>
+              </a:defRPr>
+            </a:lvl8pPr>
+            <a:lvl9pPr marL="3886200" indent="-228600" algn="l" defTabSz="457200" rtl="0" eaLnBrk="1" latinLnBrk="0" hangingPunct="1">
+              <a:spcBef>
+                <a:spcPct val="20000"/>
+              </a:spcBef>
+              <a:buFont typeface="Arial"/>
+              <a:buChar char="•"/>
+              <a:defRPr sz="2000" kern="1200">
+                <a:solidFill>
+                  <a:schemeClr val="tx1"/>
+                </a:solidFill>
+                <a:latin typeface="+mn-lt"/>
+                <a:ea typeface="+mn-ea"/>
+                <a:cs typeface="+mn-cs"/>
+              </a:defRPr>
+            </a:lvl9pPr>
+          </a:lstStyle>
+          <a:p>
+            <a:pPr marL="285750" indent="-285750">
+              <a:buFont typeface="Arial" panose="020B0604020202020204" pitchFamily="34" charset="0"/>
+              <a:buChar char="•"/>
+            </a:pPr>
+            <a:r>
+              <a:rPr lang="en-GB" sz="2400" dirty="0"/>
+              <a:t>Real example of a graph</a:t>
+            </a:r>
+          </a:p>
+          <a:p>
+            <a:pPr marL="285750" indent="-285750">
+              <a:buFont typeface="Arial" panose="020B0604020202020204" pitchFamily="34" charset="0"/>
+              <a:buChar char="•"/>
+            </a:pPr>
+            <a:endParaRPr lang="en-GB" sz="2400" dirty="0"/>
+          </a:p>
+        </p:txBody>
+      </p:sp>
+      <p:sp>
+        <p:nvSpPr>
+          <p:cNvPr id="5" name="Rectangle 4">
+            <a:extLst>
+              <a:ext uri="{FF2B5EF4-FFF2-40B4-BE49-F238E27FC236}">
+                <a16:creationId xmlns:a16="http://schemas.microsoft.com/office/drawing/2014/main" id="{0855803B-2D6A-4953-B92C-08EC9267D512}"/>
+              </a:ext>
+            </a:extLst>
+          </p:cNvPr>
+          <p:cNvSpPr/>
+          <p:nvPr/>
+        </p:nvSpPr>
+        <p:spPr>
+          <a:xfrm>
+            <a:off x="1575280" y="6350170"/>
+            <a:ext cx="9042400" cy="507831"/>
+          </a:xfrm>
+          <a:prstGeom prst="rect">
+            <a:avLst/>
+          </a:prstGeom>
+        </p:spPr>
+        <p:txBody>
+          <a:bodyPr wrap="square">
+            <a:spAutoFit/>
+          </a:bodyPr>
+          <a:lstStyle/>
+          <a:p>
+            <a:r>
+              <a:rPr lang="en-GB" sz="1350" dirty="0">
+                <a:solidFill>
+                  <a:srgbClr val="222222"/>
+                </a:solidFill>
+                <a:latin typeface="Arial" panose="020B0604020202020204" pitchFamily="34" charset="0"/>
+              </a:rPr>
+              <a:t>Sohn, J.I. and Nam, J.W., 2018. The present and future of de novo whole-genome assembly. </a:t>
+            </a:r>
+            <a:r>
+              <a:rPr lang="en-GB" sz="1350" i="1" dirty="0">
+                <a:solidFill>
+                  <a:srgbClr val="222222"/>
+                </a:solidFill>
+                <a:latin typeface="Arial" panose="020B0604020202020204" pitchFamily="34" charset="0"/>
+              </a:rPr>
+              <a:t>Briefings in bioinformatics</a:t>
+            </a:r>
+            <a:r>
+              <a:rPr lang="en-GB" sz="1350" dirty="0">
+                <a:solidFill>
+                  <a:srgbClr val="222222"/>
+                </a:solidFill>
+                <a:latin typeface="Arial" panose="020B0604020202020204" pitchFamily="34" charset="0"/>
+              </a:rPr>
+              <a:t>, </a:t>
+            </a:r>
+            <a:r>
+              <a:rPr lang="en-GB" sz="1350" i="1" dirty="0">
+                <a:solidFill>
+                  <a:srgbClr val="222222"/>
+                </a:solidFill>
+                <a:latin typeface="Arial" panose="020B0604020202020204" pitchFamily="34" charset="0"/>
+              </a:rPr>
+              <a:t>19</a:t>
+            </a:r>
+            <a:r>
+              <a:rPr lang="en-GB" sz="1350" dirty="0">
+                <a:solidFill>
+                  <a:srgbClr val="222222"/>
+                </a:solidFill>
+                <a:latin typeface="Arial" panose="020B0604020202020204" pitchFamily="34" charset="0"/>
+              </a:rPr>
+              <a:t>(1), pp.23-40.</a:t>
+            </a:r>
+            <a:endParaRPr lang="en-GB" sz="1350" dirty="0"/>
+          </a:p>
+        </p:txBody>
+      </p:sp>
+      <p:pic>
+        <p:nvPicPr>
+          <p:cNvPr id="6" name="Picture 4">
+            <a:extLst>
+              <a:ext uri="{FF2B5EF4-FFF2-40B4-BE49-F238E27FC236}">
+                <a16:creationId xmlns:a16="http://schemas.microsoft.com/office/drawing/2014/main" id="{0A615301-3952-4569-8B0C-FA18E950DD78}"/>
+              </a:ext>
+            </a:extLst>
+          </p:cNvPr>
+          <p:cNvPicPr>
+            <a:picLocks noChangeAspect="1" noChangeArrowheads="1"/>
+          </p:cNvPicPr>
+          <p:nvPr/>
+        </p:nvPicPr>
+        <p:blipFill>
+          <a:blip r:embed="rId3">
+            <a:extLst>
+              <a:ext uri="{28A0092B-C50C-407E-A947-70E740481C1C}">
+                <a14:useLocalDpi xmlns:a14="http://schemas.microsoft.com/office/drawing/2010/main" val="0"/>
+              </a:ext>
+            </a:extLst>
+          </a:blip>
+          <a:srcRect/>
+          <a:stretch>
+            <a:fillRect/>
+          </a:stretch>
+        </p:blipFill>
+        <p:spPr bwMode="auto">
+          <a:xfrm>
+            <a:off x="1676401" y="3682911"/>
+            <a:ext cx="4572000" cy="2736056"/>
+          </a:xfrm>
+          <a:prstGeom prst="rect">
+            <a:avLst/>
+          </a:prstGeom>
+          <a:noFill/>
+          <a:extLst>
+            <a:ext uri="{909E8E84-426E-40DD-AFC4-6F175D3DCCD1}">
+              <a14:hiddenFill xmlns:a14="http://schemas.microsoft.com/office/drawing/2010/main">
+                <a:solidFill>
+                  <a:srgbClr val="FFFFFF"/>
+                </a:solidFill>
+              </a14:hiddenFill>
+            </a:ext>
+          </a:extLst>
+        </p:spPr>
+      </p:pic>
+      <p:sp>
+        <p:nvSpPr>
+          <p:cNvPr id="10" name="Rectangle 9">
+            <a:extLst>
+              <a:ext uri="{FF2B5EF4-FFF2-40B4-BE49-F238E27FC236}">
+                <a16:creationId xmlns:a16="http://schemas.microsoft.com/office/drawing/2014/main" id="{9DF8979A-FA0C-4245-BD54-6F6797D51426}"/>
+              </a:ext>
+            </a:extLst>
+          </p:cNvPr>
+          <p:cNvSpPr/>
+          <p:nvPr/>
+        </p:nvSpPr>
+        <p:spPr>
+          <a:xfrm>
+            <a:off x="7290439" y="5705569"/>
+            <a:ext cx="3479163" cy="430887"/>
+          </a:xfrm>
+          <a:prstGeom prst="rect">
+            <a:avLst/>
+          </a:prstGeom>
+        </p:spPr>
+        <p:txBody>
+          <a:bodyPr wrap="square">
+            <a:spAutoFit/>
+          </a:bodyPr>
+          <a:lstStyle/>
+          <a:p>
+            <a:r>
+              <a:rPr lang="en-GB" sz="1100" dirty="0"/>
+              <a:t>https://holtlab.net/2015/02/25/bandage-view-and-navigate-assembly-graphs/</a:t>
+            </a:r>
+          </a:p>
+        </p:txBody>
+      </p:sp>
+      <p:cxnSp>
+        <p:nvCxnSpPr>
+          <p:cNvPr id="3" name="Straight Arrow Connector 2">
+            <a:extLst>
+              <a:ext uri="{FF2B5EF4-FFF2-40B4-BE49-F238E27FC236}">
+                <a16:creationId xmlns:a16="http://schemas.microsoft.com/office/drawing/2014/main" id="{4A358829-D2FD-49FF-876D-7E0AD7DD1430}"/>
+              </a:ext>
+            </a:extLst>
+          </p:cNvPr>
+          <p:cNvCxnSpPr>
+            <a:cxnSpLocks/>
+          </p:cNvCxnSpPr>
+          <p:nvPr/>
+        </p:nvCxnSpPr>
+        <p:spPr>
+          <a:xfrm>
+            <a:off x="5626100" y="2133600"/>
+            <a:ext cx="2362200" cy="1663700"/>
+          </a:xfrm>
+          <a:prstGeom prst="straightConnector1">
+            <a:avLst/>
+          </a:prstGeom>
+          <a:ln>
+            <a:tailEnd type="triangle"/>
+          </a:ln>
+        </p:spPr>
+        <p:style>
+          <a:lnRef idx="2">
+            <a:schemeClr val="accent1"/>
+          </a:lnRef>
+          <a:fillRef idx="0">
+            <a:schemeClr val="accent1"/>
+          </a:fillRef>
+          <a:effectRef idx="1">
+            <a:schemeClr val="accent1"/>
+          </a:effectRef>
+          <a:fontRef idx="minor">
+            <a:schemeClr val="tx1"/>
+          </a:fontRef>
+        </p:style>
+      </p:cxnSp>
     </p:spTree>
     <p:extLst>
       <p:ext uri="{BB962C8B-B14F-4D97-AF65-F5344CB8AC3E}">
-        <p14:creationId xmlns:p14="http://schemas.microsoft.com/office/powerpoint/2010/main" val="4252176494"/>
+        <p14:creationId xmlns:p14="http://schemas.microsoft.com/office/powerpoint/2010/main" val="1870999003"/>
       </p:ext>
     </p:extLst>
   </p:cSld>
   <p:clrMapOvr>
     <a:masterClrMapping/>
   </p:clrMapOvr>
+  <p:timing>
+    <p:tnLst>
+      <p:par>
+        <p:cTn id="1" dur="indefinite" restart="never" nodeType="tmRoot">
+          <p:childTnLst>
+            <p:seq concurrent="1" nextAc="seek">
+              <p:cTn id="2" dur="indefinite" nodeType="mainSeq">
+                <p:childTnLst>
+                  <p:par>
+                    <p:cTn id="3" fill="hold">
+                      <p:stCondLst>
+                        <p:cond delay="indefinite"/>
+                      </p:stCondLst>
+                      <p:childTnLst>
+                        <p:par>
+                          <p:cTn id="4" fill="hold">
+                            <p:stCondLst>
+                              <p:cond delay="0"/>
+                            </p:stCondLst>
+                            <p:childTnLst>
+                              <p:par>
+                                <p:cTn id="5" presetID="1" presetClass="entr" presetSubtype="0" fill="hold" grpId="0" nodeType="clickEffect" nodePh="1">
+                                  <p:stCondLst>
+                                    <p:cond delay="0"/>
+                                  </p:stCondLst>
+                                  <p:endCondLst>
+                                    <p:cond evt="begin" delay="0">
+                                      <p:tn val="5"/>
+                                    </p:cond>
+                                  </p:endCondLst>
+                                  <p:childTnLst>
+                                    <p:set>
+                                      <p:cBhvr>
+                                        <p:cTn id="6" dur="1" fill="hold">
+                                          <p:stCondLst>
+                                            <p:cond delay="0"/>
+                                          </p:stCondLst>
+                                        </p:cTn>
+                                        <p:tgtEl>
+                                          <p:spTgt spid="8">
+                                            <p:txEl>
+                                              <p:pRg st="0" end="0"/>
+                                            </p:txEl>
+                                          </p:spTgt>
+                                        </p:tgtEl>
+                                        <p:attrNameLst>
+                                          <p:attrName>style.visibility</p:attrName>
+                                        </p:attrNameLst>
+                                      </p:cBhvr>
+                                      <p:to>
+                                        <p:strVal val="visible"/>
+                                      </p:to>
+                                    </p:set>
+                                  </p:childTnLst>
+                                </p:cTn>
+                              </p:par>
+                            </p:childTnLst>
+                          </p:cTn>
+                        </p:par>
+                      </p:childTnLst>
+                    </p:cTn>
+                  </p:par>
+                </p:childTnLst>
+              </p:cTn>
+              <p:prevCondLst>
+                <p:cond evt="onPrev" delay="0">
+                  <p:tgtEl>
+                    <p:sldTgt/>
+                  </p:tgtEl>
+                </p:cond>
+              </p:prevCondLst>
+              <p:nextCondLst>
+                <p:cond evt="onNext" delay="0">
+                  <p:tgtEl>
+                    <p:sldTgt/>
+                  </p:tgtEl>
+                </p:cond>
+              </p:nextCondLst>
+            </p:seq>
+          </p:childTnLst>
+        </p:cTn>
+      </p:par>
+    </p:tnLst>
+    <p:bldLst>
+      <p:bldP spid="8" grpId="0" build="p"/>
+    </p:bldLst>
+  </p:timing>
+</p:sld>
+</file>
+
+<file path=ppt/slides/slide6.xml><?xml version="1.0" encoding="utf-8"?>
+<p:sld xmlns:a="http://schemas.openxmlformats.org/drawingml/2006/main" xmlns:r="http://schemas.openxmlformats.org/officeDocument/2006/relationships" xmlns:p="http://schemas.openxmlformats.org/presentationml/2006/main">
+  <p:cSld>
+    <p:spTree>
+      <p:nvGrpSpPr>
+        <p:cNvPr id="1" name=""/>
+        <p:cNvGrpSpPr/>
+        <p:nvPr/>
+      </p:nvGrpSpPr>
+      <p:grpSpPr>
+        <a:xfrm>
+          <a:off x="0" y="0"/>
+          <a:ext cx="0" cy="0"/>
+          <a:chOff x="0" y="0"/>
+          <a:chExt cx="0" cy="0"/>
+        </a:xfrm>
+      </p:grpSpPr>
+      <p:sp>
+        <p:nvSpPr>
+          <p:cNvPr id="4" name="Title 3"/>
+          <p:cNvSpPr>
+            <a:spLocks noGrp="1"/>
+          </p:cNvSpPr>
+          <p:nvPr>
+            <p:ph type="title"/>
+          </p:nvPr>
+        </p:nvSpPr>
+        <p:spPr>
+          <a:xfrm>
+            <a:off x="2625013" y="386437"/>
+            <a:ext cx="7941389" cy="590931"/>
+          </a:xfrm>
+        </p:spPr>
+        <p:txBody>
+          <a:bodyPr/>
+          <a:lstStyle/>
+          <a:p>
+            <a:r>
+              <a:rPr lang="en-GB" dirty="0" err="1"/>
+              <a:t>Kmers</a:t>
+            </a:r>
+            <a:r>
+              <a:rPr lang="en-GB" dirty="0"/>
+              <a:t> and </a:t>
+            </a:r>
+            <a:r>
+              <a:rPr lang="en-GB" i="1" dirty="0"/>
+              <a:t>De </a:t>
+            </a:r>
+            <a:r>
+              <a:rPr lang="en-GB" i="1" dirty="0" err="1"/>
+              <a:t>Bruijn</a:t>
+            </a:r>
+            <a:r>
+              <a:rPr lang="en-GB" i="1" dirty="0"/>
+              <a:t> </a:t>
+            </a:r>
+            <a:r>
+              <a:rPr lang="en-GB" dirty="0"/>
+              <a:t>graph</a:t>
+            </a:r>
+          </a:p>
+        </p:txBody>
+      </p:sp>
+      <p:sp>
+        <p:nvSpPr>
+          <p:cNvPr id="8" name="Content Placeholder 2"/>
+          <p:cNvSpPr txBox="1">
+            <a:spLocks/>
+          </p:cNvSpPr>
+          <p:nvPr/>
+        </p:nvSpPr>
+        <p:spPr>
+          <a:xfrm>
+            <a:off x="1524000" y="1531083"/>
+            <a:ext cx="9042400" cy="1200329"/>
+          </a:xfrm>
+          <a:prstGeom prst="rect">
+            <a:avLst/>
+          </a:prstGeom>
+          <a:noFill/>
+        </p:spPr>
+        <p:txBody>
+          <a:bodyPr vert="horz" lIns="91440" tIns="45720" rIns="91440" bIns="45720" rtlCol="0">
+            <a:normAutofit/>
+          </a:bodyPr>
+          <a:lstStyle>
+            <a:lvl1pPr marL="342900" indent="-342900" algn="l" defTabSz="457200" rtl="0" eaLnBrk="1" latinLnBrk="0" hangingPunct="1">
+              <a:spcBef>
+                <a:spcPct val="20000"/>
+              </a:spcBef>
+              <a:buClr>
+                <a:srgbClr val="872175"/>
+              </a:buClr>
+              <a:buFont typeface="Arial"/>
+              <a:buChar char="•"/>
+              <a:defRPr sz="3200" kern="1200">
+                <a:solidFill>
+                  <a:schemeClr val="tx1"/>
+                </a:solidFill>
+                <a:latin typeface="+mn-lt"/>
+                <a:ea typeface="+mn-ea"/>
+                <a:cs typeface="+mn-cs"/>
+              </a:defRPr>
+            </a:lvl1pPr>
+            <a:lvl2pPr marL="742950" indent="-285750" algn="l" defTabSz="457200" rtl="0" eaLnBrk="1" latinLnBrk="0" hangingPunct="1">
+              <a:spcBef>
+                <a:spcPct val="20000"/>
+              </a:spcBef>
+              <a:buClr>
+                <a:srgbClr val="872175"/>
+              </a:buClr>
+              <a:buFont typeface="Arial"/>
+              <a:buChar char="–"/>
+              <a:defRPr sz="2400" kern="1200">
+                <a:solidFill>
+                  <a:schemeClr val="tx1"/>
+                </a:solidFill>
+                <a:latin typeface="+mn-lt"/>
+                <a:ea typeface="+mn-ea"/>
+                <a:cs typeface="+mn-cs"/>
+              </a:defRPr>
+            </a:lvl2pPr>
+            <a:lvl3pPr marL="1143000" indent="-228600" algn="l" defTabSz="457200" rtl="0" eaLnBrk="1" latinLnBrk="0" hangingPunct="1">
+              <a:spcBef>
+                <a:spcPct val="20000"/>
+              </a:spcBef>
+              <a:buClr>
+                <a:srgbClr val="872175"/>
+              </a:buClr>
+              <a:buFont typeface="Arial"/>
+              <a:buChar char="•"/>
+              <a:defRPr sz="2400" kern="1200">
+                <a:solidFill>
+                  <a:schemeClr val="tx1"/>
+                </a:solidFill>
+                <a:latin typeface="+mn-lt"/>
+                <a:ea typeface="+mn-ea"/>
+                <a:cs typeface="+mn-cs"/>
+              </a:defRPr>
+            </a:lvl3pPr>
+            <a:lvl4pPr marL="1600200" indent="-228600" algn="l" defTabSz="457200" rtl="0" eaLnBrk="1" latinLnBrk="0" hangingPunct="1">
+              <a:spcBef>
+                <a:spcPct val="20000"/>
+              </a:spcBef>
+              <a:buClr>
+                <a:srgbClr val="872175"/>
+              </a:buClr>
+              <a:buFont typeface="Arial"/>
+              <a:buChar char="–"/>
+              <a:defRPr sz="2000" kern="1200">
+                <a:solidFill>
+                  <a:schemeClr val="tx1"/>
+                </a:solidFill>
+                <a:latin typeface="+mn-lt"/>
+                <a:ea typeface="+mn-ea"/>
+                <a:cs typeface="+mn-cs"/>
+              </a:defRPr>
+            </a:lvl4pPr>
+            <a:lvl5pPr marL="2057400" indent="-228600" algn="l" defTabSz="457200" rtl="0" eaLnBrk="1" latinLnBrk="0" hangingPunct="1">
+              <a:spcBef>
+                <a:spcPct val="20000"/>
+              </a:spcBef>
+              <a:buClr>
+                <a:srgbClr val="872175"/>
+              </a:buClr>
+              <a:buFont typeface="Arial"/>
+              <a:buChar char="»"/>
+              <a:defRPr sz="2000" kern="1200">
+                <a:solidFill>
+                  <a:schemeClr val="tx1"/>
+                </a:solidFill>
+                <a:latin typeface="+mn-lt"/>
+                <a:ea typeface="+mn-ea"/>
+                <a:cs typeface="+mn-cs"/>
+              </a:defRPr>
+            </a:lvl5pPr>
+            <a:lvl6pPr marL="2514600" indent="-228600" algn="l" defTabSz="457200" rtl="0" eaLnBrk="1" latinLnBrk="0" hangingPunct="1">
+              <a:spcBef>
+                <a:spcPct val="20000"/>
+              </a:spcBef>
+              <a:buFont typeface="Arial"/>
+              <a:buChar char="•"/>
+              <a:defRPr sz="2000" kern="1200">
+                <a:solidFill>
+                  <a:schemeClr val="tx1"/>
+                </a:solidFill>
+                <a:latin typeface="+mn-lt"/>
+                <a:ea typeface="+mn-ea"/>
+                <a:cs typeface="+mn-cs"/>
+              </a:defRPr>
+            </a:lvl6pPr>
+            <a:lvl7pPr marL="2971800" indent="-228600" algn="l" defTabSz="457200" rtl="0" eaLnBrk="1" latinLnBrk="0" hangingPunct="1">
+              <a:spcBef>
+                <a:spcPct val="20000"/>
+              </a:spcBef>
+              <a:buFont typeface="Arial"/>
+              <a:buChar char="•"/>
+              <a:defRPr sz="2000" kern="1200">
+                <a:solidFill>
+                  <a:schemeClr val="tx1"/>
+                </a:solidFill>
+                <a:latin typeface="+mn-lt"/>
+                <a:ea typeface="+mn-ea"/>
+                <a:cs typeface="+mn-cs"/>
+              </a:defRPr>
+            </a:lvl7pPr>
+            <a:lvl8pPr marL="3429000" indent="-228600" algn="l" defTabSz="457200" rtl="0" eaLnBrk="1" latinLnBrk="0" hangingPunct="1">
+              <a:spcBef>
+                <a:spcPct val="20000"/>
+              </a:spcBef>
+              <a:buFont typeface="Arial"/>
+              <a:buChar char="•"/>
+              <a:defRPr sz="2000" kern="1200">
+                <a:solidFill>
+                  <a:schemeClr val="tx1"/>
+                </a:solidFill>
+                <a:latin typeface="+mn-lt"/>
+                <a:ea typeface="+mn-ea"/>
+                <a:cs typeface="+mn-cs"/>
+              </a:defRPr>
+            </a:lvl8pPr>
+            <a:lvl9pPr marL="3886200" indent="-228600" algn="l" defTabSz="457200" rtl="0" eaLnBrk="1" latinLnBrk="0" hangingPunct="1">
+              <a:spcBef>
+                <a:spcPct val="20000"/>
+              </a:spcBef>
+              <a:buFont typeface="Arial"/>
+              <a:buChar char="•"/>
+              <a:defRPr sz="2000" kern="1200">
+                <a:solidFill>
+                  <a:schemeClr val="tx1"/>
+                </a:solidFill>
+                <a:latin typeface="+mn-lt"/>
+                <a:ea typeface="+mn-ea"/>
+                <a:cs typeface="+mn-cs"/>
+              </a:defRPr>
+            </a:lvl9pPr>
+          </a:lstStyle>
+          <a:p>
+            <a:pPr marL="285750" indent="-285750">
+              <a:buFont typeface="Arial" panose="020B0604020202020204" pitchFamily="34" charset="0"/>
+              <a:buChar char="•"/>
+            </a:pPr>
+            <a:endParaRPr lang="en-GB" sz="2400" dirty="0"/>
+          </a:p>
+        </p:txBody>
+      </p:sp>
+      <p:sp>
+        <p:nvSpPr>
+          <p:cNvPr id="9" name="Content Placeholder 2">
+            <a:extLst>
+              <a:ext uri="{FF2B5EF4-FFF2-40B4-BE49-F238E27FC236}">
+                <a16:creationId xmlns:a16="http://schemas.microsoft.com/office/drawing/2014/main" id="{2649F7C4-5543-43B1-B592-C737A7308F45}"/>
+              </a:ext>
+            </a:extLst>
+          </p:cNvPr>
+          <p:cNvSpPr txBox="1">
+            <a:spLocks/>
+          </p:cNvSpPr>
+          <p:nvPr/>
+        </p:nvSpPr>
+        <p:spPr>
+          <a:xfrm>
+            <a:off x="1557886" y="1308633"/>
+            <a:ext cx="5367828" cy="4761111"/>
+          </a:xfrm>
+          <a:prstGeom prst="rect">
+            <a:avLst/>
+          </a:prstGeom>
+          <a:noFill/>
+        </p:spPr>
+        <p:txBody>
+          <a:bodyPr vert="horz" lIns="91440" tIns="45720" rIns="91440" bIns="45720" rtlCol="0">
+            <a:normAutofit fontScale="92500"/>
+          </a:bodyPr>
+          <a:lstStyle>
+            <a:lvl1pPr marL="342900" indent="-342900" algn="l" defTabSz="457200" rtl="0" eaLnBrk="1" latinLnBrk="0" hangingPunct="1">
+              <a:spcBef>
+                <a:spcPct val="20000"/>
+              </a:spcBef>
+              <a:buClr>
+                <a:srgbClr val="872175"/>
+              </a:buClr>
+              <a:buFont typeface="Arial"/>
+              <a:buChar char="•"/>
+              <a:defRPr sz="3200" kern="1200">
+                <a:solidFill>
+                  <a:schemeClr val="tx1"/>
+                </a:solidFill>
+                <a:latin typeface="+mn-lt"/>
+                <a:ea typeface="+mn-ea"/>
+                <a:cs typeface="+mn-cs"/>
+              </a:defRPr>
+            </a:lvl1pPr>
+            <a:lvl2pPr marL="742950" indent="-285750" algn="l" defTabSz="457200" rtl="0" eaLnBrk="1" latinLnBrk="0" hangingPunct="1">
+              <a:spcBef>
+                <a:spcPct val="20000"/>
+              </a:spcBef>
+              <a:buClr>
+                <a:srgbClr val="872175"/>
+              </a:buClr>
+              <a:buFont typeface="Arial"/>
+              <a:buChar char="–"/>
+              <a:defRPr sz="2400" kern="1200">
+                <a:solidFill>
+                  <a:schemeClr val="tx1"/>
+                </a:solidFill>
+                <a:latin typeface="+mn-lt"/>
+                <a:ea typeface="+mn-ea"/>
+                <a:cs typeface="+mn-cs"/>
+              </a:defRPr>
+            </a:lvl2pPr>
+            <a:lvl3pPr marL="1143000" indent="-228600" algn="l" defTabSz="457200" rtl="0" eaLnBrk="1" latinLnBrk="0" hangingPunct="1">
+              <a:spcBef>
+                <a:spcPct val="20000"/>
+              </a:spcBef>
+              <a:buClr>
+                <a:srgbClr val="872175"/>
+              </a:buClr>
+              <a:buFont typeface="Arial"/>
+              <a:buChar char="•"/>
+              <a:defRPr sz="2400" kern="1200">
+                <a:solidFill>
+                  <a:schemeClr val="tx1"/>
+                </a:solidFill>
+                <a:latin typeface="+mn-lt"/>
+                <a:ea typeface="+mn-ea"/>
+                <a:cs typeface="+mn-cs"/>
+              </a:defRPr>
+            </a:lvl3pPr>
+            <a:lvl4pPr marL="1600200" indent="-228600" algn="l" defTabSz="457200" rtl="0" eaLnBrk="1" latinLnBrk="0" hangingPunct="1">
+              <a:spcBef>
+                <a:spcPct val="20000"/>
+              </a:spcBef>
+              <a:buClr>
+                <a:srgbClr val="872175"/>
+              </a:buClr>
+              <a:buFont typeface="Arial"/>
+              <a:buChar char="–"/>
+              <a:defRPr sz="2000" kern="1200">
+                <a:solidFill>
+                  <a:schemeClr val="tx1"/>
+                </a:solidFill>
+                <a:latin typeface="+mn-lt"/>
+                <a:ea typeface="+mn-ea"/>
+                <a:cs typeface="+mn-cs"/>
+              </a:defRPr>
+            </a:lvl4pPr>
+            <a:lvl5pPr marL="2057400" indent="-228600" algn="l" defTabSz="457200" rtl="0" eaLnBrk="1" latinLnBrk="0" hangingPunct="1">
+              <a:spcBef>
+                <a:spcPct val="20000"/>
+              </a:spcBef>
+              <a:buClr>
+                <a:srgbClr val="872175"/>
+              </a:buClr>
+              <a:buFont typeface="Arial"/>
+              <a:buChar char="»"/>
+              <a:defRPr sz="2000" kern="1200">
+                <a:solidFill>
+                  <a:schemeClr val="tx1"/>
+                </a:solidFill>
+                <a:latin typeface="+mn-lt"/>
+                <a:ea typeface="+mn-ea"/>
+                <a:cs typeface="+mn-cs"/>
+              </a:defRPr>
+            </a:lvl5pPr>
+            <a:lvl6pPr marL="2514600" indent="-228600" algn="l" defTabSz="457200" rtl="0" eaLnBrk="1" latinLnBrk="0" hangingPunct="1">
+              <a:spcBef>
+                <a:spcPct val="20000"/>
+              </a:spcBef>
+              <a:buFont typeface="Arial"/>
+              <a:buChar char="•"/>
+              <a:defRPr sz="2000" kern="1200">
+                <a:solidFill>
+                  <a:schemeClr val="tx1"/>
+                </a:solidFill>
+                <a:latin typeface="+mn-lt"/>
+                <a:ea typeface="+mn-ea"/>
+                <a:cs typeface="+mn-cs"/>
+              </a:defRPr>
+            </a:lvl6pPr>
+            <a:lvl7pPr marL="2971800" indent="-228600" algn="l" defTabSz="457200" rtl="0" eaLnBrk="1" latinLnBrk="0" hangingPunct="1">
+              <a:spcBef>
+                <a:spcPct val="20000"/>
+              </a:spcBef>
+              <a:buFont typeface="Arial"/>
+              <a:buChar char="•"/>
+              <a:defRPr sz="2000" kern="1200">
+                <a:solidFill>
+                  <a:schemeClr val="tx1"/>
+                </a:solidFill>
+                <a:latin typeface="+mn-lt"/>
+                <a:ea typeface="+mn-ea"/>
+                <a:cs typeface="+mn-cs"/>
+              </a:defRPr>
+            </a:lvl7pPr>
+            <a:lvl8pPr marL="3429000" indent="-228600" algn="l" defTabSz="457200" rtl="0" eaLnBrk="1" latinLnBrk="0" hangingPunct="1">
+              <a:spcBef>
+                <a:spcPct val="20000"/>
+              </a:spcBef>
+              <a:buFont typeface="Arial"/>
+              <a:buChar char="•"/>
+              <a:defRPr sz="2000" kern="1200">
+                <a:solidFill>
+                  <a:schemeClr val="tx1"/>
+                </a:solidFill>
+                <a:latin typeface="+mn-lt"/>
+                <a:ea typeface="+mn-ea"/>
+                <a:cs typeface="+mn-cs"/>
+              </a:defRPr>
+            </a:lvl8pPr>
+            <a:lvl9pPr marL="3886200" indent="-228600" algn="l" defTabSz="457200" rtl="0" eaLnBrk="1" latinLnBrk="0" hangingPunct="1">
+              <a:spcBef>
+                <a:spcPct val="20000"/>
+              </a:spcBef>
+              <a:buFont typeface="Arial"/>
+              <a:buChar char="•"/>
+              <a:defRPr sz="2000" kern="1200">
+                <a:solidFill>
+                  <a:schemeClr val="tx1"/>
+                </a:solidFill>
+                <a:latin typeface="+mn-lt"/>
+                <a:ea typeface="+mn-ea"/>
+                <a:cs typeface="+mn-cs"/>
+              </a:defRPr>
+            </a:lvl9pPr>
+          </a:lstStyle>
+          <a:p>
+            <a:pPr marL="285750" indent="-285750">
+              <a:buFont typeface="Arial" panose="020B0604020202020204" pitchFamily="34" charset="0"/>
+              <a:buChar char="•"/>
+            </a:pPr>
+            <a:r>
+              <a:rPr lang="en-GB" sz="2400" b="1" dirty="0"/>
+              <a:t>A </a:t>
+            </a:r>
+            <a:r>
+              <a:rPr lang="en-GB" sz="2400" b="1" dirty="0" err="1"/>
+              <a:t>kmer</a:t>
+            </a:r>
+            <a:r>
+              <a:rPr lang="en-GB" sz="2400" b="1" dirty="0"/>
+              <a:t> too small </a:t>
+            </a:r>
+            <a:r>
+              <a:rPr lang="en-GB" sz="2400" dirty="0"/>
+              <a:t>results in too many nodes and edges are there are not enough unique </a:t>
+            </a:r>
+            <a:r>
+              <a:rPr lang="en-GB" sz="2400" dirty="0" err="1"/>
+              <a:t>kmers</a:t>
+            </a:r>
+            <a:r>
+              <a:rPr lang="en-GB" sz="2400" dirty="0"/>
+              <a:t> for the assembler. </a:t>
+            </a:r>
+          </a:p>
+          <a:p>
+            <a:pPr marL="285750" indent="-285750">
+              <a:buFont typeface="Arial" panose="020B0604020202020204" pitchFamily="34" charset="0"/>
+              <a:buChar char="•"/>
+            </a:pPr>
+            <a:endParaRPr lang="en-GB" sz="2400" dirty="0"/>
+          </a:p>
+          <a:p>
+            <a:pPr marL="285750" indent="-285750">
+              <a:buFont typeface="Arial" panose="020B0604020202020204" pitchFamily="34" charset="0"/>
+              <a:buChar char="•"/>
+            </a:pPr>
+            <a:r>
+              <a:rPr lang="en-GB" sz="2400" dirty="0"/>
+              <a:t>In contrast </a:t>
+            </a:r>
+            <a:r>
+              <a:rPr lang="en-GB" sz="2400" b="1" dirty="0"/>
+              <a:t>a </a:t>
+            </a:r>
+            <a:r>
+              <a:rPr lang="en-GB" sz="2400" b="1" dirty="0" err="1"/>
+              <a:t>kmer</a:t>
+            </a:r>
+            <a:r>
+              <a:rPr lang="en-GB" sz="2400" b="1" dirty="0"/>
+              <a:t> too high </a:t>
+            </a:r>
+            <a:r>
+              <a:rPr lang="en-GB" sz="2400" dirty="0"/>
+              <a:t>can lead to not enough coverage and too many unique </a:t>
+            </a:r>
+            <a:r>
+              <a:rPr lang="en-GB" sz="2400" dirty="0" err="1"/>
+              <a:t>kmer</a:t>
+            </a:r>
+            <a:r>
+              <a:rPr lang="en-GB" sz="2400" dirty="0"/>
+              <a:t> to join the sequences together leading to a very fragmented assembly</a:t>
+            </a:r>
+          </a:p>
+          <a:p>
+            <a:pPr marL="285750" indent="-285750">
+              <a:buFont typeface="Arial" panose="020B0604020202020204" pitchFamily="34" charset="0"/>
+              <a:buChar char="•"/>
+            </a:pPr>
+            <a:endParaRPr lang="en-GB" sz="2400" dirty="0"/>
+          </a:p>
+          <a:p>
+            <a:pPr marL="285750" indent="-285750">
+              <a:buFont typeface="Arial" panose="020B0604020202020204" pitchFamily="34" charset="0"/>
+              <a:buChar char="•"/>
+            </a:pPr>
+            <a:r>
+              <a:rPr lang="en-GB" sz="2400" dirty="0"/>
+              <a:t>Pick the best: depends on coverage and genome size, read length, quality. </a:t>
+            </a:r>
+            <a:r>
+              <a:rPr lang="en-GB" sz="2400" dirty="0" err="1"/>
+              <a:t>Kmergenie</a:t>
+            </a:r>
+            <a:r>
+              <a:rPr lang="en-GB" sz="2400" dirty="0"/>
+              <a:t>!</a:t>
+            </a:r>
+          </a:p>
+          <a:p>
+            <a:pPr marL="285750" indent="-285750">
+              <a:buFont typeface="Arial" panose="020B0604020202020204" pitchFamily="34" charset="0"/>
+              <a:buChar char="•"/>
+            </a:pPr>
+            <a:endParaRPr lang="en-GB" sz="2400" dirty="0"/>
+          </a:p>
+          <a:p>
+            <a:pPr marL="285750" indent="-285750">
+              <a:buFont typeface="Arial" panose="020B0604020202020204" pitchFamily="34" charset="0"/>
+              <a:buChar char="•"/>
+            </a:pPr>
+            <a:endParaRPr lang="en-GB" sz="2400" dirty="0"/>
+          </a:p>
+        </p:txBody>
+      </p:sp>
+      <p:pic>
+        <p:nvPicPr>
+          <p:cNvPr id="11" name="Picture 2" descr="51-mer assembly graph">
+            <a:extLst>
+              <a:ext uri="{FF2B5EF4-FFF2-40B4-BE49-F238E27FC236}">
+                <a16:creationId xmlns:a16="http://schemas.microsoft.com/office/drawing/2014/main" id="{DA4FC037-C339-4D36-B381-BEB8A3AE6BE7}"/>
+              </a:ext>
+            </a:extLst>
+          </p:cNvPr>
+          <p:cNvPicPr>
+            <a:picLocks noChangeAspect="1" noChangeArrowheads="1"/>
+          </p:cNvPicPr>
+          <p:nvPr/>
+        </p:nvPicPr>
+        <p:blipFill>
+          <a:blip r:embed="rId2">
+            <a:extLst>
+              <a:ext uri="{28A0092B-C50C-407E-A947-70E740481C1C}">
+                <a14:useLocalDpi xmlns:a14="http://schemas.microsoft.com/office/drawing/2010/main" val="0"/>
+              </a:ext>
+            </a:extLst>
+          </a:blip>
+          <a:srcRect/>
+          <a:stretch>
+            <a:fillRect/>
+          </a:stretch>
+        </p:blipFill>
+        <p:spPr bwMode="auto">
+          <a:xfrm>
+            <a:off x="7649559" y="1112893"/>
+            <a:ext cx="2599340" cy="2109464"/>
+          </a:xfrm>
+          <a:prstGeom prst="rect">
+            <a:avLst/>
+          </a:prstGeom>
+          <a:noFill/>
+          <a:extLst>
+            <a:ext uri="{909E8E84-426E-40DD-AFC4-6F175D3DCCD1}">
+              <a14:hiddenFill xmlns:a14="http://schemas.microsoft.com/office/drawing/2010/main">
+                <a:solidFill>
+                  <a:srgbClr val="FFFFFF"/>
+                </a:solidFill>
+              </a14:hiddenFill>
+            </a:ext>
+          </a:extLst>
+        </p:spPr>
+      </p:pic>
+      <p:pic>
+        <p:nvPicPr>
+          <p:cNvPr id="2052" name="Picture 4" descr="91-mer assembly graph">
+            <a:extLst>
+              <a:ext uri="{FF2B5EF4-FFF2-40B4-BE49-F238E27FC236}">
+                <a16:creationId xmlns:a16="http://schemas.microsoft.com/office/drawing/2014/main" id="{8CB6DC61-54AA-49F4-8FEB-13B3A9FCE4BC}"/>
+              </a:ext>
+            </a:extLst>
+          </p:cNvPr>
+          <p:cNvPicPr>
+            <a:picLocks noChangeAspect="1" noChangeArrowheads="1"/>
+          </p:cNvPicPr>
+          <p:nvPr/>
+        </p:nvPicPr>
+        <p:blipFill>
+          <a:blip r:embed="rId3">
+            <a:extLst>
+              <a:ext uri="{28A0092B-C50C-407E-A947-70E740481C1C}">
+                <a14:useLocalDpi xmlns:a14="http://schemas.microsoft.com/office/drawing/2010/main" val="0"/>
+              </a:ext>
+            </a:extLst>
+          </a:blip>
+          <a:srcRect/>
+          <a:stretch>
+            <a:fillRect/>
+          </a:stretch>
+        </p:blipFill>
+        <p:spPr bwMode="auto">
+          <a:xfrm>
+            <a:off x="6959601" y="3444808"/>
+            <a:ext cx="3733799" cy="3552037"/>
+          </a:xfrm>
+          <a:prstGeom prst="rect">
+            <a:avLst/>
+          </a:prstGeom>
+          <a:noFill/>
+          <a:extLst>
+            <a:ext uri="{909E8E84-426E-40DD-AFC4-6F175D3DCCD1}">
+              <a14:hiddenFill xmlns:a14="http://schemas.microsoft.com/office/drawing/2010/main">
+                <a:solidFill>
+                  <a:srgbClr val="FFFFFF"/>
+                </a:solidFill>
+              </a14:hiddenFill>
+            </a:ext>
+          </a:extLst>
+        </p:spPr>
+      </p:pic>
+      <p:cxnSp>
+        <p:nvCxnSpPr>
+          <p:cNvPr id="12" name="Straight Arrow Connector 11">
+            <a:extLst>
+              <a:ext uri="{FF2B5EF4-FFF2-40B4-BE49-F238E27FC236}">
+                <a16:creationId xmlns:a16="http://schemas.microsoft.com/office/drawing/2014/main" id="{9213BBE0-C79A-4CCC-82EB-ED63DEEC3D42}"/>
+              </a:ext>
+            </a:extLst>
+          </p:cNvPr>
+          <p:cNvCxnSpPr/>
+          <p:nvPr/>
+        </p:nvCxnSpPr>
+        <p:spPr>
+          <a:xfrm>
+            <a:off x="6959600" y="1701800"/>
+            <a:ext cx="764136" cy="101600"/>
+          </a:xfrm>
+          <a:prstGeom prst="straightConnector1">
+            <a:avLst/>
+          </a:prstGeom>
+          <a:ln>
+            <a:tailEnd type="triangle"/>
+          </a:ln>
+        </p:spPr>
+        <p:style>
+          <a:lnRef idx="2">
+            <a:schemeClr val="accent1"/>
+          </a:lnRef>
+          <a:fillRef idx="0">
+            <a:schemeClr val="accent1"/>
+          </a:fillRef>
+          <a:effectRef idx="1">
+            <a:schemeClr val="accent1"/>
+          </a:effectRef>
+          <a:fontRef idx="minor">
+            <a:schemeClr val="tx1"/>
+          </a:fontRef>
+        </p:style>
+      </p:cxnSp>
+      <p:cxnSp>
+        <p:nvCxnSpPr>
+          <p:cNvPr id="14" name="Straight Arrow Connector 13">
+            <a:extLst>
+              <a:ext uri="{FF2B5EF4-FFF2-40B4-BE49-F238E27FC236}">
+                <a16:creationId xmlns:a16="http://schemas.microsoft.com/office/drawing/2014/main" id="{E98E6DE1-7244-41CA-BCF0-AE19BB9C3B55}"/>
+              </a:ext>
+            </a:extLst>
+          </p:cNvPr>
+          <p:cNvCxnSpPr/>
+          <p:nvPr/>
+        </p:nvCxnSpPr>
+        <p:spPr>
+          <a:xfrm>
+            <a:off x="6352395" y="4126590"/>
+            <a:ext cx="486623" cy="0"/>
+          </a:xfrm>
+          <a:prstGeom prst="straightConnector1">
+            <a:avLst/>
+          </a:prstGeom>
+          <a:ln>
+            <a:tailEnd type="triangle"/>
+          </a:ln>
+        </p:spPr>
+        <p:style>
+          <a:lnRef idx="2">
+            <a:schemeClr val="accent1"/>
+          </a:lnRef>
+          <a:fillRef idx="0">
+            <a:schemeClr val="accent1"/>
+          </a:fillRef>
+          <a:effectRef idx="1">
+            <a:schemeClr val="accent1"/>
+          </a:effectRef>
+          <a:fontRef idx="minor">
+            <a:schemeClr val="tx1"/>
+          </a:fontRef>
+        </p:style>
+      </p:cxnSp>
+      <p:sp>
+        <p:nvSpPr>
+          <p:cNvPr id="15" name="Rectangle 14">
+            <a:extLst>
+              <a:ext uri="{FF2B5EF4-FFF2-40B4-BE49-F238E27FC236}">
+                <a16:creationId xmlns:a16="http://schemas.microsoft.com/office/drawing/2014/main" id="{1402E64F-98D0-4403-9DFC-22F7171B1178}"/>
+              </a:ext>
+            </a:extLst>
+          </p:cNvPr>
+          <p:cNvSpPr/>
+          <p:nvPr/>
+        </p:nvSpPr>
+        <p:spPr>
+          <a:xfrm>
+            <a:off x="1714501" y="6489978"/>
+            <a:ext cx="5367828" cy="307777"/>
+          </a:xfrm>
+          <a:prstGeom prst="rect">
+            <a:avLst/>
+          </a:prstGeom>
+        </p:spPr>
+        <p:txBody>
+          <a:bodyPr wrap="square">
+            <a:spAutoFit/>
+          </a:bodyPr>
+          <a:lstStyle/>
+          <a:p>
+            <a:r>
+              <a:rPr lang="en-GB" sz="1400" dirty="0"/>
+              <a:t>https://github.com/rrwick/Bandage/wiki/Effect-of-kmer-size</a:t>
+            </a:r>
+          </a:p>
+        </p:txBody>
+      </p:sp>
+    </p:spTree>
+    <p:extLst>
+      <p:ext uri="{BB962C8B-B14F-4D97-AF65-F5344CB8AC3E}">
+        <p14:creationId xmlns:p14="http://schemas.microsoft.com/office/powerpoint/2010/main" val="1946381311"/>
+      </p:ext>
+    </p:extLst>
+  </p:cSld>
+  <p:clrMapOvr>
+    <a:masterClrMapping/>
+  </p:clrMapOvr>
+  <p:timing>
+    <p:tnLst>
+      <p:par>
+        <p:cTn id="1" dur="indefinite" restart="never" nodeType="tmRoot">
+          <p:childTnLst>
+            <p:seq concurrent="1" nextAc="seek">
+              <p:cTn id="2" dur="indefinite" nodeType="mainSeq">
+                <p:childTnLst>
+                  <p:par>
+                    <p:cTn id="3" fill="hold">
+                      <p:stCondLst>
+                        <p:cond delay="indefinite"/>
+                      </p:stCondLst>
+                      <p:childTnLst>
+                        <p:par>
+                          <p:cTn id="4" fill="hold">
+                            <p:stCondLst>
+                              <p:cond delay="0"/>
+                            </p:stCondLst>
+                            <p:childTnLst>
+                              <p:par>
+                                <p:cTn id="5" presetID="1" presetClass="entr" presetSubtype="0" fill="hold" grpId="0" nodeType="clickEffect" nodePh="1">
+                                  <p:stCondLst>
+                                    <p:cond delay="0"/>
+                                  </p:stCondLst>
+                                  <p:endCondLst>
+                                    <p:cond evt="begin" delay="0">
+                                      <p:tn val="5"/>
+                                    </p:cond>
+                                  </p:endCondLst>
+                                  <p:childTnLst>
+                                    <p:set>
+                                      <p:cBhvr>
+                                        <p:cTn id="6" dur="1" fill="hold">
+                                          <p:stCondLst>
+                                            <p:cond delay="0"/>
+                                          </p:stCondLst>
+                                        </p:cTn>
+                                        <p:tgtEl>
+                                          <p:spTgt spid="8">
+                                            <p:txEl>
+                                              <p:pRg st="0" end="0"/>
+                                            </p:txEl>
+                                          </p:spTgt>
+                                        </p:tgtEl>
+                                        <p:attrNameLst>
+                                          <p:attrName>style.visibility</p:attrName>
+                                        </p:attrNameLst>
+                                      </p:cBhvr>
+                                      <p:to>
+                                        <p:strVal val="visible"/>
+                                      </p:to>
+                                    </p:set>
+                                  </p:childTnLst>
+                                </p:cTn>
+                              </p:par>
+                            </p:childTnLst>
+                          </p:cTn>
+                        </p:par>
+                      </p:childTnLst>
+                    </p:cTn>
+                  </p:par>
+                </p:childTnLst>
+              </p:cTn>
+              <p:prevCondLst>
+                <p:cond evt="onPrev" delay="0">
+                  <p:tgtEl>
+                    <p:sldTgt/>
+                  </p:tgtEl>
+                </p:cond>
+              </p:prevCondLst>
+              <p:nextCondLst>
+                <p:cond evt="onNext" delay="0">
+                  <p:tgtEl>
+                    <p:sldTgt/>
+                  </p:tgtEl>
+                </p:cond>
+              </p:nextCondLst>
+            </p:seq>
+          </p:childTnLst>
+        </p:cTn>
+      </p:par>
+    </p:tnLst>
+    <p:bldLst>
+      <p:bldP spid="8" grpId="0" build="p"/>
+    </p:bldLst>
+  </p:timing>
+</p:sld>
+</file>
+
+<file path=ppt/slides/slide7.xml><?xml version="1.0" encoding="utf-8"?>
+<p:sld xmlns:a="http://schemas.openxmlformats.org/drawingml/2006/main" xmlns:r="http://schemas.openxmlformats.org/officeDocument/2006/relationships" xmlns:p="http://schemas.openxmlformats.org/presentationml/2006/main">
+  <p:cSld>
+    <p:spTree>
+      <p:nvGrpSpPr>
+        <p:cNvPr id="1" name=""/>
+        <p:cNvGrpSpPr/>
+        <p:nvPr/>
+      </p:nvGrpSpPr>
+      <p:grpSpPr>
+        <a:xfrm>
+          <a:off x="0" y="0"/>
+          <a:ext cx="0" cy="0"/>
+          <a:chOff x="0" y="0"/>
+          <a:chExt cx="0" cy="0"/>
+        </a:xfrm>
+      </p:grpSpPr>
+      <p:sp>
+        <p:nvSpPr>
+          <p:cNvPr id="4" name="Title 3"/>
+          <p:cNvSpPr>
+            <a:spLocks noGrp="1"/>
+          </p:cNvSpPr>
+          <p:nvPr>
+            <p:ph type="title"/>
+          </p:nvPr>
+        </p:nvSpPr>
+        <p:spPr>
+          <a:xfrm>
+            <a:off x="2625013" y="386437"/>
+            <a:ext cx="7941389" cy="590931"/>
+          </a:xfrm>
+        </p:spPr>
+        <p:txBody>
+          <a:bodyPr/>
+          <a:lstStyle/>
+          <a:p>
+            <a:r>
+              <a:rPr lang="en-GB" dirty="0" err="1"/>
+              <a:t>Kmers</a:t>
+            </a:r>
+            <a:r>
+              <a:rPr lang="en-GB" dirty="0"/>
+              <a:t> and </a:t>
+            </a:r>
+            <a:r>
+              <a:rPr lang="en-GB" i="1" dirty="0"/>
+              <a:t>De </a:t>
+            </a:r>
+            <a:r>
+              <a:rPr lang="en-GB" i="1" dirty="0" err="1"/>
+              <a:t>Bruijn</a:t>
+            </a:r>
+            <a:r>
+              <a:rPr lang="en-GB" i="1" dirty="0"/>
+              <a:t> </a:t>
+            </a:r>
+            <a:r>
+              <a:rPr lang="en-GB" dirty="0"/>
+              <a:t>graph</a:t>
+            </a:r>
+          </a:p>
+        </p:txBody>
+      </p:sp>
+      <p:sp>
+        <p:nvSpPr>
+          <p:cNvPr id="8" name="Content Placeholder 2"/>
+          <p:cNvSpPr txBox="1">
+            <a:spLocks/>
+          </p:cNvSpPr>
+          <p:nvPr/>
+        </p:nvSpPr>
+        <p:spPr>
+          <a:xfrm>
+            <a:off x="1524000" y="1531083"/>
+            <a:ext cx="9042400" cy="1200329"/>
+          </a:xfrm>
+          <a:prstGeom prst="rect">
+            <a:avLst/>
+          </a:prstGeom>
+          <a:noFill/>
+        </p:spPr>
+        <p:txBody>
+          <a:bodyPr vert="horz" lIns="91440" tIns="45720" rIns="91440" bIns="45720" rtlCol="0">
+            <a:normAutofit/>
+          </a:bodyPr>
+          <a:lstStyle>
+            <a:lvl1pPr marL="342900" indent="-342900" algn="l" defTabSz="457200" rtl="0" eaLnBrk="1" latinLnBrk="0" hangingPunct="1">
+              <a:spcBef>
+                <a:spcPct val="20000"/>
+              </a:spcBef>
+              <a:buClr>
+                <a:srgbClr val="872175"/>
+              </a:buClr>
+              <a:buFont typeface="Arial"/>
+              <a:buChar char="•"/>
+              <a:defRPr sz="3200" kern="1200">
+                <a:solidFill>
+                  <a:schemeClr val="tx1"/>
+                </a:solidFill>
+                <a:latin typeface="+mn-lt"/>
+                <a:ea typeface="+mn-ea"/>
+                <a:cs typeface="+mn-cs"/>
+              </a:defRPr>
+            </a:lvl1pPr>
+            <a:lvl2pPr marL="742950" indent="-285750" algn="l" defTabSz="457200" rtl="0" eaLnBrk="1" latinLnBrk="0" hangingPunct="1">
+              <a:spcBef>
+                <a:spcPct val="20000"/>
+              </a:spcBef>
+              <a:buClr>
+                <a:srgbClr val="872175"/>
+              </a:buClr>
+              <a:buFont typeface="Arial"/>
+              <a:buChar char="–"/>
+              <a:defRPr sz="2400" kern="1200">
+                <a:solidFill>
+                  <a:schemeClr val="tx1"/>
+                </a:solidFill>
+                <a:latin typeface="+mn-lt"/>
+                <a:ea typeface="+mn-ea"/>
+                <a:cs typeface="+mn-cs"/>
+              </a:defRPr>
+            </a:lvl2pPr>
+            <a:lvl3pPr marL="1143000" indent="-228600" algn="l" defTabSz="457200" rtl="0" eaLnBrk="1" latinLnBrk="0" hangingPunct="1">
+              <a:spcBef>
+                <a:spcPct val="20000"/>
+              </a:spcBef>
+              <a:buClr>
+                <a:srgbClr val="872175"/>
+              </a:buClr>
+              <a:buFont typeface="Arial"/>
+              <a:buChar char="•"/>
+              <a:defRPr sz="2400" kern="1200">
+                <a:solidFill>
+                  <a:schemeClr val="tx1"/>
+                </a:solidFill>
+                <a:latin typeface="+mn-lt"/>
+                <a:ea typeface="+mn-ea"/>
+                <a:cs typeface="+mn-cs"/>
+              </a:defRPr>
+            </a:lvl3pPr>
+            <a:lvl4pPr marL="1600200" indent="-228600" algn="l" defTabSz="457200" rtl="0" eaLnBrk="1" latinLnBrk="0" hangingPunct="1">
+              <a:spcBef>
+                <a:spcPct val="20000"/>
+              </a:spcBef>
+              <a:buClr>
+                <a:srgbClr val="872175"/>
+              </a:buClr>
+              <a:buFont typeface="Arial"/>
+              <a:buChar char="–"/>
+              <a:defRPr sz="2000" kern="1200">
+                <a:solidFill>
+                  <a:schemeClr val="tx1"/>
+                </a:solidFill>
+                <a:latin typeface="+mn-lt"/>
+                <a:ea typeface="+mn-ea"/>
+                <a:cs typeface="+mn-cs"/>
+              </a:defRPr>
+            </a:lvl4pPr>
+            <a:lvl5pPr marL="2057400" indent="-228600" algn="l" defTabSz="457200" rtl="0" eaLnBrk="1" latinLnBrk="0" hangingPunct="1">
+              <a:spcBef>
+                <a:spcPct val="20000"/>
+              </a:spcBef>
+              <a:buClr>
+                <a:srgbClr val="872175"/>
+              </a:buClr>
+              <a:buFont typeface="Arial"/>
+              <a:buChar char="»"/>
+              <a:defRPr sz="2000" kern="1200">
+                <a:solidFill>
+                  <a:schemeClr val="tx1"/>
+                </a:solidFill>
+                <a:latin typeface="+mn-lt"/>
+                <a:ea typeface="+mn-ea"/>
+                <a:cs typeface="+mn-cs"/>
+              </a:defRPr>
+            </a:lvl5pPr>
+            <a:lvl6pPr marL="2514600" indent="-228600" algn="l" defTabSz="457200" rtl="0" eaLnBrk="1" latinLnBrk="0" hangingPunct="1">
+              <a:spcBef>
+                <a:spcPct val="20000"/>
+              </a:spcBef>
+              <a:buFont typeface="Arial"/>
+              <a:buChar char="•"/>
+              <a:defRPr sz="2000" kern="1200">
+                <a:solidFill>
+                  <a:schemeClr val="tx1"/>
+                </a:solidFill>
+                <a:latin typeface="+mn-lt"/>
+                <a:ea typeface="+mn-ea"/>
+                <a:cs typeface="+mn-cs"/>
+              </a:defRPr>
+            </a:lvl6pPr>
+            <a:lvl7pPr marL="2971800" indent="-228600" algn="l" defTabSz="457200" rtl="0" eaLnBrk="1" latinLnBrk="0" hangingPunct="1">
+              <a:spcBef>
+                <a:spcPct val="20000"/>
+              </a:spcBef>
+              <a:buFont typeface="Arial"/>
+              <a:buChar char="•"/>
+              <a:defRPr sz="2000" kern="1200">
+                <a:solidFill>
+                  <a:schemeClr val="tx1"/>
+                </a:solidFill>
+                <a:latin typeface="+mn-lt"/>
+                <a:ea typeface="+mn-ea"/>
+                <a:cs typeface="+mn-cs"/>
+              </a:defRPr>
+            </a:lvl7pPr>
+            <a:lvl8pPr marL="3429000" indent="-228600" algn="l" defTabSz="457200" rtl="0" eaLnBrk="1" latinLnBrk="0" hangingPunct="1">
+              <a:spcBef>
+                <a:spcPct val="20000"/>
+              </a:spcBef>
+              <a:buFont typeface="Arial"/>
+              <a:buChar char="•"/>
+              <a:defRPr sz="2000" kern="1200">
+                <a:solidFill>
+                  <a:schemeClr val="tx1"/>
+                </a:solidFill>
+                <a:latin typeface="+mn-lt"/>
+                <a:ea typeface="+mn-ea"/>
+                <a:cs typeface="+mn-cs"/>
+              </a:defRPr>
+            </a:lvl8pPr>
+            <a:lvl9pPr marL="3886200" indent="-228600" algn="l" defTabSz="457200" rtl="0" eaLnBrk="1" latinLnBrk="0" hangingPunct="1">
+              <a:spcBef>
+                <a:spcPct val="20000"/>
+              </a:spcBef>
+              <a:buFont typeface="Arial"/>
+              <a:buChar char="•"/>
+              <a:defRPr sz="2000" kern="1200">
+                <a:solidFill>
+                  <a:schemeClr val="tx1"/>
+                </a:solidFill>
+                <a:latin typeface="+mn-lt"/>
+                <a:ea typeface="+mn-ea"/>
+                <a:cs typeface="+mn-cs"/>
+              </a:defRPr>
+            </a:lvl9pPr>
+          </a:lstStyle>
+          <a:p>
+            <a:pPr marL="285750" indent="-285750">
+              <a:buFont typeface="Arial" panose="020B0604020202020204" pitchFamily="34" charset="0"/>
+              <a:buChar char="•"/>
+            </a:pPr>
+            <a:endParaRPr lang="en-GB" sz="2400" dirty="0"/>
+          </a:p>
+        </p:txBody>
+      </p:sp>
+      <p:sp>
+        <p:nvSpPr>
+          <p:cNvPr id="9" name="Content Placeholder 2">
+            <a:extLst>
+              <a:ext uri="{FF2B5EF4-FFF2-40B4-BE49-F238E27FC236}">
+                <a16:creationId xmlns:a16="http://schemas.microsoft.com/office/drawing/2014/main" id="{2649F7C4-5543-43B1-B592-C737A7308F45}"/>
+              </a:ext>
+            </a:extLst>
+          </p:cNvPr>
+          <p:cNvSpPr txBox="1">
+            <a:spLocks/>
+          </p:cNvSpPr>
+          <p:nvPr/>
+        </p:nvSpPr>
+        <p:spPr>
+          <a:xfrm>
+            <a:off x="1557886" y="1308633"/>
+            <a:ext cx="5367828" cy="4761111"/>
+          </a:xfrm>
+          <a:prstGeom prst="rect">
+            <a:avLst/>
+          </a:prstGeom>
+          <a:noFill/>
+        </p:spPr>
+        <p:txBody>
+          <a:bodyPr vert="horz" lIns="91440" tIns="45720" rIns="91440" bIns="45720" rtlCol="0">
+            <a:normAutofit fontScale="92500"/>
+          </a:bodyPr>
+          <a:lstStyle>
+            <a:lvl1pPr marL="342900" indent="-342900" algn="l" defTabSz="457200" rtl="0" eaLnBrk="1" latinLnBrk="0" hangingPunct="1">
+              <a:spcBef>
+                <a:spcPct val="20000"/>
+              </a:spcBef>
+              <a:buClr>
+                <a:srgbClr val="872175"/>
+              </a:buClr>
+              <a:buFont typeface="Arial"/>
+              <a:buChar char="•"/>
+              <a:defRPr sz="3200" kern="1200">
+                <a:solidFill>
+                  <a:schemeClr val="tx1"/>
+                </a:solidFill>
+                <a:latin typeface="+mn-lt"/>
+                <a:ea typeface="+mn-ea"/>
+                <a:cs typeface="+mn-cs"/>
+              </a:defRPr>
+            </a:lvl1pPr>
+            <a:lvl2pPr marL="742950" indent="-285750" algn="l" defTabSz="457200" rtl="0" eaLnBrk="1" latinLnBrk="0" hangingPunct="1">
+              <a:spcBef>
+                <a:spcPct val="20000"/>
+              </a:spcBef>
+              <a:buClr>
+                <a:srgbClr val="872175"/>
+              </a:buClr>
+              <a:buFont typeface="Arial"/>
+              <a:buChar char="–"/>
+              <a:defRPr sz="2400" kern="1200">
+                <a:solidFill>
+                  <a:schemeClr val="tx1"/>
+                </a:solidFill>
+                <a:latin typeface="+mn-lt"/>
+                <a:ea typeface="+mn-ea"/>
+                <a:cs typeface="+mn-cs"/>
+              </a:defRPr>
+            </a:lvl2pPr>
+            <a:lvl3pPr marL="1143000" indent="-228600" algn="l" defTabSz="457200" rtl="0" eaLnBrk="1" latinLnBrk="0" hangingPunct="1">
+              <a:spcBef>
+                <a:spcPct val="20000"/>
+              </a:spcBef>
+              <a:buClr>
+                <a:srgbClr val="872175"/>
+              </a:buClr>
+              <a:buFont typeface="Arial"/>
+              <a:buChar char="•"/>
+              <a:defRPr sz="2400" kern="1200">
+                <a:solidFill>
+                  <a:schemeClr val="tx1"/>
+                </a:solidFill>
+                <a:latin typeface="+mn-lt"/>
+                <a:ea typeface="+mn-ea"/>
+                <a:cs typeface="+mn-cs"/>
+              </a:defRPr>
+            </a:lvl3pPr>
+            <a:lvl4pPr marL="1600200" indent="-228600" algn="l" defTabSz="457200" rtl="0" eaLnBrk="1" latinLnBrk="0" hangingPunct="1">
+              <a:spcBef>
+                <a:spcPct val="20000"/>
+              </a:spcBef>
+              <a:buClr>
+                <a:srgbClr val="872175"/>
+              </a:buClr>
+              <a:buFont typeface="Arial"/>
+              <a:buChar char="–"/>
+              <a:defRPr sz="2000" kern="1200">
+                <a:solidFill>
+                  <a:schemeClr val="tx1"/>
+                </a:solidFill>
+                <a:latin typeface="+mn-lt"/>
+                <a:ea typeface="+mn-ea"/>
+                <a:cs typeface="+mn-cs"/>
+              </a:defRPr>
+            </a:lvl4pPr>
+            <a:lvl5pPr marL="2057400" indent="-228600" algn="l" defTabSz="457200" rtl="0" eaLnBrk="1" latinLnBrk="0" hangingPunct="1">
+              <a:spcBef>
+                <a:spcPct val="20000"/>
+              </a:spcBef>
+              <a:buClr>
+                <a:srgbClr val="872175"/>
+              </a:buClr>
+              <a:buFont typeface="Arial"/>
+              <a:buChar char="»"/>
+              <a:defRPr sz="2000" kern="1200">
+                <a:solidFill>
+                  <a:schemeClr val="tx1"/>
+                </a:solidFill>
+                <a:latin typeface="+mn-lt"/>
+                <a:ea typeface="+mn-ea"/>
+                <a:cs typeface="+mn-cs"/>
+              </a:defRPr>
+            </a:lvl5pPr>
+            <a:lvl6pPr marL="2514600" indent="-228600" algn="l" defTabSz="457200" rtl="0" eaLnBrk="1" latinLnBrk="0" hangingPunct="1">
+              <a:spcBef>
+                <a:spcPct val="20000"/>
+              </a:spcBef>
+              <a:buFont typeface="Arial"/>
+              <a:buChar char="•"/>
+              <a:defRPr sz="2000" kern="1200">
+                <a:solidFill>
+                  <a:schemeClr val="tx1"/>
+                </a:solidFill>
+                <a:latin typeface="+mn-lt"/>
+                <a:ea typeface="+mn-ea"/>
+                <a:cs typeface="+mn-cs"/>
+              </a:defRPr>
+            </a:lvl6pPr>
+            <a:lvl7pPr marL="2971800" indent="-228600" algn="l" defTabSz="457200" rtl="0" eaLnBrk="1" latinLnBrk="0" hangingPunct="1">
+              <a:spcBef>
+                <a:spcPct val="20000"/>
+              </a:spcBef>
+              <a:buFont typeface="Arial"/>
+              <a:buChar char="•"/>
+              <a:defRPr sz="2000" kern="1200">
+                <a:solidFill>
+                  <a:schemeClr val="tx1"/>
+                </a:solidFill>
+                <a:latin typeface="+mn-lt"/>
+                <a:ea typeface="+mn-ea"/>
+                <a:cs typeface="+mn-cs"/>
+              </a:defRPr>
+            </a:lvl7pPr>
+            <a:lvl8pPr marL="3429000" indent="-228600" algn="l" defTabSz="457200" rtl="0" eaLnBrk="1" latinLnBrk="0" hangingPunct="1">
+              <a:spcBef>
+                <a:spcPct val="20000"/>
+              </a:spcBef>
+              <a:buFont typeface="Arial"/>
+              <a:buChar char="•"/>
+              <a:defRPr sz="2000" kern="1200">
+                <a:solidFill>
+                  <a:schemeClr val="tx1"/>
+                </a:solidFill>
+                <a:latin typeface="+mn-lt"/>
+                <a:ea typeface="+mn-ea"/>
+                <a:cs typeface="+mn-cs"/>
+              </a:defRPr>
+            </a:lvl8pPr>
+            <a:lvl9pPr marL="3886200" indent="-228600" algn="l" defTabSz="457200" rtl="0" eaLnBrk="1" latinLnBrk="0" hangingPunct="1">
+              <a:spcBef>
+                <a:spcPct val="20000"/>
+              </a:spcBef>
+              <a:buFont typeface="Arial"/>
+              <a:buChar char="•"/>
+              <a:defRPr sz="2000" kern="1200">
+                <a:solidFill>
+                  <a:schemeClr val="tx1"/>
+                </a:solidFill>
+                <a:latin typeface="+mn-lt"/>
+                <a:ea typeface="+mn-ea"/>
+                <a:cs typeface="+mn-cs"/>
+              </a:defRPr>
+            </a:lvl9pPr>
+          </a:lstStyle>
+          <a:p>
+            <a:pPr marL="285750" indent="-285750">
+              <a:buFont typeface="Arial" panose="020B0604020202020204" pitchFamily="34" charset="0"/>
+              <a:buChar char="•"/>
+            </a:pPr>
+            <a:r>
+              <a:rPr lang="en-GB" sz="2400" b="1" dirty="0"/>
+              <a:t>A </a:t>
+            </a:r>
+            <a:r>
+              <a:rPr lang="en-GB" sz="2400" b="1" dirty="0" err="1"/>
+              <a:t>kmer</a:t>
+            </a:r>
+            <a:r>
+              <a:rPr lang="en-GB" sz="2400" b="1" dirty="0"/>
+              <a:t> too small </a:t>
+            </a:r>
+            <a:r>
+              <a:rPr lang="en-GB" sz="2400" dirty="0"/>
+              <a:t>results in too many nodes and edges are there are not enough unique </a:t>
+            </a:r>
+            <a:r>
+              <a:rPr lang="en-GB" sz="2400" dirty="0" err="1"/>
+              <a:t>kmers</a:t>
+            </a:r>
+            <a:r>
+              <a:rPr lang="en-GB" sz="2400" dirty="0"/>
+              <a:t> for the assembler. </a:t>
+            </a:r>
+          </a:p>
+          <a:p>
+            <a:pPr marL="285750" indent="-285750">
+              <a:buFont typeface="Arial" panose="020B0604020202020204" pitchFamily="34" charset="0"/>
+              <a:buChar char="•"/>
+            </a:pPr>
+            <a:endParaRPr lang="en-GB" sz="2400" dirty="0"/>
+          </a:p>
+          <a:p>
+            <a:pPr marL="285750" indent="-285750">
+              <a:buFont typeface="Arial" panose="020B0604020202020204" pitchFamily="34" charset="0"/>
+              <a:buChar char="•"/>
+            </a:pPr>
+            <a:r>
+              <a:rPr lang="en-GB" sz="2400" dirty="0"/>
+              <a:t>In contrast </a:t>
+            </a:r>
+            <a:r>
+              <a:rPr lang="en-GB" sz="2400" b="1" dirty="0"/>
+              <a:t>a </a:t>
+            </a:r>
+            <a:r>
+              <a:rPr lang="en-GB" sz="2400" b="1" dirty="0" err="1"/>
+              <a:t>kmer</a:t>
+            </a:r>
+            <a:r>
+              <a:rPr lang="en-GB" sz="2400" b="1" dirty="0"/>
+              <a:t> too high </a:t>
+            </a:r>
+            <a:r>
+              <a:rPr lang="en-GB" sz="2400" dirty="0"/>
+              <a:t>can lead to not enough coverage and too many unique </a:t>
+            </a:r>
+            <a:r>
+              <a:rPr lang="en-GB" sz="2400" dirty="0" err="1"/>
+              <a:t>kmer</a:t>
+            </a:r>
+            <a:r>
+              <a:rPr lang="en-GB" sz="2400" dirty="0"/>
+              <a:t> to join the sequences together leading to a very fragmented assembly</a:t>
+            </a:r>
+          </a:p>
+          <a:p>
+            <a:pPr marL="285750" indent="-285750">
+              <a:buFont typeface="Arial" panose="020B0604020202020204" pitchFamily="34" charset="0"/>
+              <a:buChar char="•"/>
+            </a:pPr>
+            <a:endParaRPr lang="en-GB" sz="2400" dirty="0"/>
+          </a:p>
+          <a:p>
+            <a:pPr marL="285750" indent="-285750">
+              <a:buFont typeface="Arial" panose="020B0604020202020204" pitchFamily="34" charset="0"/>
+              <a:buChar char="•"/>
+            </a:pPr>
+            <a:r>
+              <a:rPr lang="en-GB" sz="2400" dirty="0"/>
+              <a:t>Pick the best: depends on coverage and genome size, read length, quality. </a:t>
+            </a:r>
+            <a:r>
+              <a:rPr lang="en-GB" sz="2400" dirty="0" err="1"/>
+              <a:t>Kmergenie</a:t>
+            </a:r>
+            <a:r>
+              <a:rPr lang="en-GB" sz="2400" dirty="0"/>
+              <a:t>!</a:t>
+            </a:r>
+          </a:p>
+          <a:p>
+            <a:pPr marL="285750" indent="-285750">
+              <a:buFont typeface="Arial" panose="020B0604020202020204" pitchFamily="34" charset="0"/>
+              <a:buChar char="•"/>
+            </a:pPr>
+            <a:endParaRPr lang="en-GB" sz="2400" dirty="0"/>
+          </a:p>
+          <a:p>
+            <a:pPr marL="285750" indent="-285750">
+              <a:buFont typeface="Arial" panose="020B0604020202020204" pitchFamily="34" charset="0"/>
+              <a:buChar char="•"/>
+            </a:pPr>
+            <a:endParaRPr lang="en-GB" sz="2400" dirty="0"/>
+          </a:p>
+        </p:txBody>
+      </p:sp>
+      <p:pic>
+        <p:nvPicPr>
+          <p:cNvPr id="11" name="Picture 2" descr="51-mer assembly graph">
+            <a:extLst>
+              <a:ext uri="{FF2B5EF4-FFF2-40B4-BE49-F238E27FC236}">
+                <a16:creationId xmlns:a16="http://schemas.microsoft.com/office/drawing/2014/main" id="{DA4FC037-C339-4D36-B381-BEB8A3AE6BE7}"/>
+              </a:ext>
+            </a:extLst>
+          </p:cNvPr>
+          <p:cNvPicPr>
+            <a:picLocks noChangeAspect="1" noChangeArrowheads="1"/>
+          </p:cNvPicPr>
+          <p:nvPr/>
+        </p:nvPicPr>
+        <p:blipFill>
+          <a:blip r:embed="rId2">
+            <a:extLst>
+              <a:ext uri="{28A0092B-C50C-407E-A947-70E740481C1C}">
+                <a14:useLocalDpi xmlns:a14="http://schemas.microsoft.com/office/drawing/2010/main" val="0"/>
+              </a:ext>
+            </a:extLst>
+          </a:blip>
+          <a:srcRect/>
+          <a:stretch>
+            <a:fillRect/>
+          </a:stretch>
+        </p:blipFill>
+        <p:spPr bwMode="auto">
+          <a:xfrm>
+            <a:off x="7649559" y="1112893"/>
+            <a:ext cx="2599340" cy="2109464"/>
+          </a:xfrm>
+          <a:prstGeom prst="rect">
+            <a:avLst/>
+          </a:prstGeom>
+          <a:noFill/>
+          <a:extLst>
+            <a:ext uri="{909E8E84-426E-40DD-AFC4-6F175D3DCCD1}">
+              <a14:hiddenFill xmlns:a14="http://schemas.microsoft.com/office/drawing/2010/main">
+                <a:solidFill>
+                  <a:srgbClr val="FFFFFF"/>
+                </a:solidFill>
+              </a14:hiddenFill>
+            </a:ext>
+          </a:extLst>
+        </p:spPr>
+      </p:pic>
+      <p:pic>
+        <p:nvPicPr>
+          <p:cNvPr id="2052" name="Picture 4" descr="91-mer assembly graph">
+            <a:extLst>
+              <a:ext uri="{FF2B5EF4-FFF2-40B4-BE49-F238E27FC236}">
+                <a16:creationId xmlns:a16="http://schemas.microsoft.com/office/drawing/2014/main" id="{8CB6DC61-54AA-49F4-8FEB-13B3A9FCE4BC}"/>
+              </a:ext>
+            </a:extLst>
+          </p:cNvPr>
+          <p:cNvPicPr>
+            <a:picLocks noChangeAspect="1" noChangeArrowheads="1"/>
+          </p:cNvPicPr>
+          <p:nvPr/>
+        </p:nvPicPr>
+        <p:blipFill>
+          <a:blip r:embed="rId3">
+            <a:extLst>
+              <a:ext uri="{28A0092B-C50C-407E-A947-70E740481C1C}">
+                <a14:useLocalDpi xmlns:a14="http://schemas.microsoft.com/office/drawing/2010/main" val="0"/>
+              </a:ext>
+            </a:extLst>
+          </a:blip>
+          <a:srcRect/>
+          <a:stretch>
+            <a:fillRect/>
+          </a:stretch>
+        </p:blipFill>
+        <p:spPr bwMode="auto">
+          <a:xfrm>
+            <a:off x="6959601" y="3444808"/>
+            <a:ext cx="3733799" cy="3552037"/>
+          </a:xfrm>
+          <a:prstGeom prst="rect">
+            <a:avLst/>
+          </a:prstGeom>
+          <a:noFill/>
+          <a:extLst>
+            <a:ext uri="{909E8E84-426E-40DD-AFC4-6F175D3DCCD1}">
+              <a14:hiddenFill xmlns:a14="http://schemas.microsoft.com/office/drawing/2010/main">
+                <a:solidFill>
+                  <a:srgbClr val="FFFFFF"/>
+                </a:solidFill>
+              </a14:hiddenFill>
+            </a:ext>
+          </a:extLst>
+        </p:spPr>
+      </p:pic>
+      <p:cxnSp>
+        <p:nvCxnSpPr>
+          <p:cNvPr id="12" name="Straight Arrow Connector 11">
+            <a:extLst>
+              <a:ext uri="{FF2B5EF4-FFF2-40B4-BE49-F238E27FC236}">
+                <a16:creationId xmlns:a16="http://schemas.microsoft.com/office/drawing/2014/main" id="{9213BBE0-C79A-4CCC-82EB-ED63DEEC3D42}"/>
+              </a:ext>
+            </a:extLst>
+          </p:cNvPr>
+          <p:cNvCxnSpPr/>
+          <p:nvPr/>
+        </p:nvCxnSpPr>
+        <p:spPr>
+          <a:xfrm>
+            <a:off x="6959600" y="1701800"/>
+            <a:ext cx="764136" cy="101600"/>
+          </a:xfrm>
+          <a:prstGeom prst="straightConnector1">
+            <a:avLst/>
+          </a:prstGeom>
+          <a:ln>
+            <a:tailEnd type="triangle"/>
+          </a:ln>
+        </p:spPr>
+        <p:style>
+          <a:lnRef idx="2">
+            <a:schemeClr val="accent1"/>
+          </a:lnRef>
+          <a:fillRef idx="0">
+            <a:schemeClr val="accent1"/>
+          </a:fillRef>
+          <a:effectRef idx="1">
+            <a:schemeClr val="accent1"/>
+          </a:effectRef>
+          <a:fontRef idx="minor">
+            <a:schemeClr val="tx1"/>
+          </a:fontRef>
+        </p:style>
+      </p:cxnSp>
+      <p:cxnSp>
+        <p:nvCxnSpPr>
+          <p:cNvPr id="14" name="Straight Arrow Connector 13">
+            <a:extLst>
+              <a:ext uri="{FF2B5EF4-FFF2-40B4-BE49-F238E27FC236}">
+                <a16:creationId xmlns:a16="http://schemas.microsoft.com/office/drawing/2014/main" id="{E98E6DE1-7244-41CA-BCF0-AE19BB9C3B55}"/>
+              </a:ext>
+            </a:extLst>
+          </p:cNvPr>
+          <p:cNvCxnSpPr/>
+          <p:nvPr/>
+        </p:nvCxnSpPr>
+        <p:spPr>
+          <a:xfrm>
+            <a:off x="6352395" y="4126590"/>
+            <a:ext cx="486623" cy="0"/>
+          </a:xfrm>
+          <a:prstGeom prst="straightConnector1">
+            <a:avLst/>
+          </a:prstGeom>
+          <a:ln>
+            <a:tailEnd type="triangle"/>
+          </a:ln>
+        </p:spPr>
+        <p:style>
+          <a:lnRef idx="2">
+            <a:schemeClr val="accent1"/>
+          </a:lnRef>
+          <a:fillRef idx="0">
+            <a:schemeClr val="accent1"/>
+          </a:fillRef>
+          <a:effectRef idx="1">
+            <a:schemeClr val="accent1"/>
+          </a:effectRef>
+          <a:fontRef idx="minor">
+            <a:schemeClr val="tx1"/>
+          </a:fontRef>
+        </p:style>
+      </p:cxnSp>
+      <p:sp>
+        <p:nvSpPr>
+          <p:cNvPr id="15" name="Rectangle 14">
+            <a:extLst>
+              <a:ext uri="{FF2B5EF4-FFF2-40B4-BE49-F238E27FC236}">
+                <a16:creationId xmlns:a16="http://schemas.microsoft.com/office/drawing/2014/main" id="{1402E64F-98D0-4403-9DFC-22F7171B1178}"/>
+              </a:ext>
+            </a:extLst>
+          </p:cNvPr>
+          <p:cNvSpPr/>
+          <p:nvPr/>
+        </p:nvSpPr>
+        <p:spPr>
+          <a:xfrm>
+            <a:off x="1714501" y="6489978"/>
+            <a:ext cx="5367828" cy="307777"/>
+          </a:xfrm>
+          <a:prstGeom prst="rect">
+            <a:avLst/>
+          </a:prstGeom>
+        </p:spPr>
+        <p:txBody>
+          <a:bodyPr wrap="square">
+            <a:spAutoFit/>
+          </a:bodyPr>
+          <a:lstStyle/>
+          <a:p>
+            <a:r>
+              <a:rPr lang="en-GB" sz="1400" dirty="0"/>
+              <a:t>https://github.com/rrwick/Bandage/wiki/Effect-of-kmer-size</a:t>
+            </a:r>
+          </a:p>
+        </p:txBody>
+      </p:sp>
+    </p:spTree>
+    <p:extLst>
+      <p:ext uri="{BB962C8B-B14F-4D97-AF65-F5344CB8AC3E}">
+        <p14:creationId xmlns:p14="http://schemas.microsoft.com/office/powerpoint/2010/main" val="1631903960"/>
+      </p:ext>
+    </p:extLst>
+  </p:cSld>
+  <p:clrMapOvr>
+    <a:masterClrMapping/>
+  </p:clrMapOvr>
+  <p:timing>
+    <p:tnLst>
+      <p:par>
+        <p:cTn id="1" dur="indefinite" restart="never" nodeType="tmRoot">
+          <p:childTnLst>
+            <p:seq concurrent="1" nextAc="seek">
+              <p:cTn id="2" dur="indefinite" nodeType="mainSeq">
+                <p:childTnLst>
+                  <p:par>
+                    <p:cTn id="3" fill="hold">
+                      <p:stCondLst>
+                        <p:cond delay="indefinite"/>
+                      </p:stCondLst>
+                      <p:childTnLst>
+                        <p:par>
+                          <p:cTn id="4" fill="hold">
+                            <p:stCondLst>
+                              <p:cond delay="0"/>
+                            </p:stCondLst>
+                            <p:childTnLst>
+                              <p:par>
+                                <p:cTn id="5" presetID="1" presetClass="entr" presetSubtype="0" fill="hold" grpId="0" nodeType="clickEffect" nodePh="1">
+                                  <p:stCondLst>
+                                    <p:cond delay="0"/>
+                                  </p:stCondLst>
+                                  <p:endCondLst>
+                                    <p:cond evt="begin" delay="0">
+                                      <p:tn val="5"/>
+                                    </p:cond>
+                                  </p:endCondLst>
+                                  <p:childTnLst>
+                                    <p:set>
+                                      <p:cBhvr>
+                                        <p:cTn id="6" dur="1" fill="hold">
+                                          <p:stCondLst>
+                                            <p:cond delay="0"/>
+                                          </p:stCondLst>
+                                        </p:cTn>
+                                        <p:tgtEl>
+                                          <p:spTgt spid="8">
+                                            <p:txEl>
+                                              <p:pRg st="0" end="0"/>
+                                            </p:txEl>
+                                          </p:spTgt>
+                                        </p:tgtEl>
+                                        <p:attrNameLst>
+                                          <p:attrName>style.visibility</p:attrName>
+                                        </p:attrNameLst>
+                                      </p:cBhvr>
+                                      <p:to>
+                                        <p:strVal val="visible"/>
+                                      </p:to>
+                                    </p:set>
+                                  </p:childTnLst>
+                                </p:cTn>
+                              </p:par>
+                            </p:childTnLst>
+                          </p:cTn>
+                        </p:par>
+                      </p:childTnLst>
+                    </p:cTn>
+                  </p:par>
+                </p:childTnLst>
+              </p:cTn>
+              <p:prevCondLst>
+                <p:cond evt="onPrev" delay="0">
+                  <p:tgtEl>
+                    <p:sldTgt/>
+                  </p:tgtEl>
+                </p:cond>
+              </p:prevCondLst>
+              <p:nextCondLst>
+                <p:cond evt="onNext" delay="0">
+                  <p:tgtEl>
+                    <p:sldTgt/>
+                  </p:tgtEl>
+                </p:cond>
+              </p:nextCondLst>
+            </p:seq>
+          </p:childTnLst>
+        </p:cTn>
+      </p:par>
+    </p:tnLst>
+    <p:bldLst>
+      <p:bldP spid="8" grpId="0" build="p"/>
+    </p:bldLst>
+  </p:timing>
+</p:sld>
+</file>
+
+<file path=ppt/slides/slide8.xml><?xml version="1.0" encoding="utf-8"?>
+<p:sld xmlns:a="http://schemas.openxmlformats.org/drawingml/2006/main" xmlns:r="http://schemas.openxmlformats.org/officeDocument/2006/relationships" xmlns:p="http://schemas.openxmlformats.org/presentationml/2006/main">
+  <p:cSld>
+    <p:spTree>
+      <p:nvGrpSpPr>
+        <p:cNvPr id="1" name=""/>
+        <p:cNvGrpSpPr/>
+        <p:nvPr/>
+      </p:nvGrpSpPr>
+      <p:grpSpPr>
+        <a:xfrm>
+          <a:off x="0" y="0"/>
+          <a:ext cx="0" cy="0"/>
+          <a:chOff x="0" y="0"/>
+          <a:chExt cx="0" cy="0"/>
+        </a:xfrm>
+      </p:grpSpPr>
+      <p:sp>
+        <p:nvSpPr>
+          <p:cNvPr id="4" name="Title 3"/>
+          <p:cNvSpPr>
+            <a:spLocks noGrp="1"/>
+          </p:cNvSpPr>
+          <p:nvPr>
+            <p:ph type="title"/>
+          </p:nvPr>
+        </p:nvSpPr>
+        <p:spPr>
+          <a:xfrm>
+            <a:off x="2625013" y="386437"/>
+            <a:ext cx="7941389" cy="590931"/>
+          </a:xfrm>
+        </p:spPr>
+        <p:txBody>
+          <a:bodyPr/>
+          <a:lstStyle/>
+          <a:p>
+            <a:r>
+              <a:rPr lang="en-GB" dirty="0" err="1"/>
+              <a:t>Kmers</a:t>
+            </a:r>
+            <a:r>
+              <a:rPr lang="en-GB" dirty="0"/>
+              <a:t> and </a:t>
+            </a:r>
+            <a:r>
+              <a:rPr lang="en-GB" i="1" dirty="0"/>
+              <a:t>De </a:t>
+            </a:r>
+            <a:r>
+              <a:rPr lang="en-GB" i="1" dirty="0" err="1"/>
+              <a:t>Bruijn</a:t>
+            </a:r>
+            <a:r>
+              <a:rPr lang="en-GB" i="1" dirty="0"/>
+              <a:t> </a:t>
+            </a:r>
+            <a:r>
+              <a:rPr lang="en-GB" dirty="0"/>
+              <a:t>graph</a:t>
+            </a:r>
+          </a:p>
+        </p:txBody>
+      </p:sp>
+      <p:sp>
+        <p:nvSpPr>
+          <p:cNvPr id="8" name="Content Placeholder 2"/>
+          <p:cNvSpPr txBox="1">
+            <a:spLocks/>
+          </p:cNvSpPr>
+          <p:nvPr/>
+        </p:nvSpPr>
+        <p:spPr>
+          <a:xfrm>
+            <a:off x="1524000" y="1531083"/>
+            <a:ext cx="9042400" cy="1200329"/>
+          </a:xfrm>
+          <a:prstGeom prst="rect">
+            <a:avLst/>
+          </a:prstGeom>
+          <a:noFill/>
+        </p:spPr>
+        <p:txBody>
+          <a:bodyPr vert="horz" lIns="91440" tIns="45720" rIns="91440" bIns="45720" rtlCol="0">
+            <a:normAutofit/>
+          </a:bodyPr>
+          <a:lstStyle>
+            <a:lvl1pPr marL="342900" indent="-342900" algn="l" defTabSz="457200" rtl="0" eaLnBrk="1" latinLnBrk="0" hangingPunct="1">
+              <a:spcBef>
+                <a:spcPct val="20000"/>
+              </a:spcBef>
+              <a:buClr>
+                <a:srgbClr val="872175"/>
+              </a:buClr>
+              <a:buFont typeface="Arial"/>
+              <a:buChar char="•"/>
+              <a:defRPr sz="3200" kern="1200">
+                <a:solidFill>
+                  <a:schemeClr val="tx1"/>
+                </a:solidFill>
+                <a:latin typeface="+mn-lt"/>
+                <a:ea typeface="+mn-ea"/>
+                <a:cs typeface="+mn-cs"/>
+              </a:defRPr>
+            </a:lvl1pPr>
+            <a:lvl2pPr marL="742950" indent="-285750" algn="l" defTabSz="457200" rtl="0" eaLnBrk="1" latinLnBrk="0" hangingPunct="1">
+              <a:spcBef>
+                <a:spcPct val="20000"/>
+              </a:spcBef>
+              <a:buClr>
+                <a:srgbClr val="872175"/>
+              </a:buClr>
+              <a:buFont typeface="Arial"/>
+              <a:buChar char="–"/>
+              <a:defRPr sz="2400" kern="1200">
+                <a:solidFill>
+                  <a:schemeClr val="tx1"/>
+                </a:solidFill>
+                <a:latin typeface="+mn-lt"/>
+                <a:ea typeface="+mn-ea"/>
+                <a:cs typeface="+mn-cs"/>
+              </a:defRPr>
+            </a:lvl2pPr>
+            <a:lvl3pPr marL="1143000" indent="-228600" algn="l" defTabSz="457200" rtl="0" eaLnBrk="1" latinLnBrk="0" hangingPunct="1">
+              <a:spcBef>
+                <a:spcPct val="20000"/>
+              </a:spcBef>
+              <a:buClr>
+                <a:srgbClr val="872175"/>
+              </a:buClr>
+              <a:buFont typeface="Arial"/>
+              <a:buChar char="•"/>
+              <a:defRPr sz="2400" kern="1200">
+                <a:solidFill>
+                  <a:schemeClr val="tx1"/>
+                </a:solidFill>
+                <a:latin typeface="+mn-lt"/>
+                <a:ea typeface="+mn-ea"/>
+                <a:cs typeface="+mn-cs"/>
+              </a:defRPr>
+            </a:lvl3pPr>
+            <a:lvl4pPr marL="1600200" indent="-228600" algn="l" defTabSz="457200" rtl="0" eaLnBrk="1" latinLnBrk="0" hangingPunct="1">
+              <a:spcBef>
+                <a:spcPct val="20000"/>
+              </a:spcBef>
+              <a:buClr>
+                <a:srgbClr val="872175"/>
+              </a:buClr>
+              <a:buFont typeface="Arial"/>
+              <a:buChar char="–"/>
+              <a:defRPr sz="2000" kern="1200">
+                <a:solidFill>
+                  <a:schemeClr val="tx1"/>
+                </a:solidFill>
+                <a:latin typeface="+mn-lt"/>
+                <a:ea typeface="+mn-ea"/>
+                <a:cs typeface="+mn-cs"/>
+              </a:defRPr>
+            </a:lvl4pPr>
+            <a:lvl5pPr marL="2057400" indent="-228600" algn="l" defTabSz="457200" rtl="0" eaLnBrk="1" latinLnBrk="0" hangingPunct="1">
+              <a:spcBef>
+                <a:spcPct val="20000"/>
+              </a:spcBef>
+              <a:buClr>
+                <a:srgbClr val="872175"/>
+              </a:buClr>
+              <a:buFont typeface="Arial"/>
+              <a:buChar char="»"/>
+              <a:defRPr sz="2000" kern="1200">
+                <a:solidFill>
+                  <a:schemeClr val="tx1"/>
+                </a:solidFill>
+                <a:latin typeface="+mn-lt"/>
+                <a:ea typeface="+mn-ea"/>
+                <a:cs typeface="+mn-cs"/>
+              </a:defRPr>
+            </a:lvl5pPr>
+            <a:lvl6pPr marL="2514600" indent="-228600" algn="l" defTabSz="457200" rtl="0" eaLnBrk="1" latinLnBrk="0" hangingPunct="1">
+              <a:spcBef>
+                <a:spcPct val="20000"/>
+              </a:spcBef>
+              <a:buFont typeface="Arial"/>
+              <a:buChar char="•"/>
+              <a:defRPr sz="2000" kern="1200">
+                <a:solidFill>
+                  <a:schemeClr val="tx1"/>
+                </a:solidFill>
+                <a:latin typeface="+mn-lt"/>
+                <a:ea typeface="+mn-ea"/>
+                <a:cs typeface="+mn-cs"/>
+              </a:defRPr>
+            </a:lvl6pPr>
+            <a:lvl7pPr marL="2971800" indent="-228600" algn="l" defTabSz="457200" rtl="0" eaLnBrk="1" latinLnBrk="0" hangingPunct="1">
+              <a:spcBef>
+                <a:spcPct val="20000"/>
+              </a:spcBef>
+              <a:buFont typeface="Arial"/>
+              <a:buChar char="•"/>
+              <a:defRPr sz="2000" kern="1200">
+                <a:solidFill>
+                  <a:schemeClr val="tx1"/>
+                </a:solidFill>
+                <a:latin typeface="+mn-lt"/>
+                <a:ea typeface="+mn-ea"/>
+                <a:cs typeface="+mn-cs"/>
+              </a:defRPr>
+            </a:lvl7pPr>
+            <a:lvl8pPr marL="3429000" indent="-228600" algn="l" defTabSz="457200" rtl="0" eaLnBrk="1" latinLnBrk="0" hangingPunct="1">
+              <a:spcBef>
+                <a:spcPct val="20000"/>
+              </a:spcBef>
+              <a:buFont typeface="Arial"/>
+              <a:buChar char="•"/>
+              <a:defRPr sz="2000" kern="1200">
+                <a:solidFill>
+                  <a:schemeClr val="tx1"/>
+                </a:solidFill>
+                <a:latin typeface="+mn-lt"/>
+                <a:ea typeface="+mn-ea"/>
+                <a:cs typeface="+mn-cs"/>
+              </a:defRPr>
+            </a:lvl8pPr>
+            <a:lvl9pPr marL="3886200" indent="-228600" algn="l" defTabSz="457200" rtl="0" eaLnBrk="1" latinLnBrk="0" hangingPunct="1">
+              <a:spcBef>
+                <a:spcPct val="20000"/>
+              </a:spcBef>
+              <a:buFont typeface="Arial"/>
+              <a:buChar char="•"/>
+              <a:defRPr sz="2000" kern="1200">
+                <a:solidFill>
+                  <a:schemeClr val="tx1"/>
+                </a:solidFill>
+                <a:latin typeface="+mn-lt"/>
+                <a:ea typeface="+mn-ea"/>
+                <a:cs typeface="+mn-cs"/>
+              </a:defRPr>
+            </a:lvl9pPr>
+          </a:lstStyle>
+          <a:p>
+            <a:pPr marL="285750" indent="-285750">
+              <a:buFont typeface="Arial" panose="020B0604020202020204" pitchFamily="34" charset="0"/>
+              <a:buChar char="•"/>
+            </a:pPr>
+            <a:endParaRPr lang="en-GB" sz="2400" dirty="0"/>
+          </a:p>
+        </p:txBody>
+      </p:sp>
+      <p:sp>
+        <p:nvSpPr>
+          <p:cNvPr id="9" name="Content Placeholder 2">
+            <a:extLst>
+              <a:ext uri="{FF2B5EF4-FFF2-40B4-BE49-F238E27FC236}">
+                <a16:creationId xmlns:a16="http://schemas.microsoft.com/office/drawing/2014/main" id="{2649F7C4-5543-43B1-B592-C737A7308F45}"/>
+              </a:ext>
+            </a:extLst>
+          </p:cNvPr>
+          <p:cNvSpPr txBox="1">
+            <a:spLocks/>
+          </p:cNvSpPr>
+          <p:nvPr/>
+        </p:nvSpPr>
+        <p:spPr>
+          <a:xfrm>
+            <a:off x="2827886" y="1308633"/>
+            <a:ext cx="5367828" cy="4761111"/>
+          </a:xfrm>
+          <a:prstGeom prst="rect">
+            <a:avLst/>
+          </a:prstGeom>
+          <a:noFill/>
+        </p:spPr>
+        <p:txBody>
+          <a:bodyPr vert="horz" lIns="91440" tIns="45720" rIns="91440" bIns="45720" rtlCol="0">
+            <a:normAutofit/>
+          </a:bodyPr>
+          <a:lstStyle>
+            <a:lvl1pPr marL="342900" indent="-342900" algn="l" defTabSz="457200" rtl="0" eaLnBrk="1" latinLnBrk="0" hangingPunct="1">
+              <a:spcBef>
+                <a:spcPct val="20000"/>
+              </a:spcBef>
+              <a:buClr>
+                <a:srgbClr val="872175"/>
+              </a:buClr>
+              <a:buFont typeface="Arial"/>
+              <a:buChar char="•"/>
+              <a:defRPr sz="3200" kern="1200">
+                <a:solidFill>
+                  <a:schemeClr val="tx1"/>
+                </a:solidFill>
+                <a:latin typeface="+mn-lt"/>
+                <a:ea typeface="+mn-ea"/>
+                <a:cs typeface="+mn-cs"/>
+              </a:defRPr>
+            </a:lvl1pPr>
+            <a:lvl2pPr marL="742950" indent="-285750" algn="l" defTabSz="457200" rtl="0" eaLnBrk="1" latinLnBrk="0" hangingPunct="1">
+              <a:spcBef>
+                <a:spcPct val="20000"/>
+              </a:spcBef>
+              <a:buClr>
+                <a:srgbClr val="872175"/>
+              </a:buClr>
+              <a:buFont typeface="Arial"/>
+              <a:buChar char="–"/>
+              <a:defRPr sz="2400" kern="1200">
+                <a:solidFill>
+                  <a:schemeClr val="tx1"/>
+                </a:solidFill>
+                <a:latin typeface="+mn-lt"/>
+                <a:ea typeface="+mn-ea"/>
+                <a:cs typeface="+mn-cs"/>
+              </a:defRPr>
+            </a:lvl2pPr>
+            <a:lvl3pPr marL="1143000" indent="-228600" algn="l" defTabSz="457200" rtl="0" eaLnBrk="1" latinLnBrk="0" hangingPunct="1">
+              <a:spcBef>
+                <a:spcPct val="20000"/>
+              </a:spcBef>
+              <a:buClr>
+                <a:srgbClr val="872175"/>
+              </a:buClr>
+              <a:buFont typeface="Arial"/>
+              <a:buChar char="•"/>
+              <a:defRPr sz="2400" kern="1200">
+                <a:solidFill>
+                  <a:schemeClr val="tx1"/>
+                </a:solidFill>
+                <a:latin typeface="+mn-lt"/>
+                <a:ea typeface="+mn-ea"/>
+                <a:cs typeface="+mn-cs"/>
+              </a:defRPr>
+            </a:lvl3pPr>
+            <a:lvl4pPr marL="1600200" indent="-228600" algn="l" defTabSz="457200" rtl="0" eaLnBrk="1" latinLnBrk="0" hangingPunct="1">
+              <a:spcBef>
+                <a:spcPct val="20000"/>
+              </a:spcBef>
+              <a:buClr>
+                <a:srgbClr val="872175"/>
+              </a:buClr>
+              <a:buFont typeface="Arial"/>
+              <a:buChar char="–"/>
+              <a:defRPr sz="2000" kern="1200">
+                <a:solidFill>
+                  <a:schemeClr val="tx1"/>
+                </a:solidFill>
+                <a:latin typeface="+mn-lt"/>
+                <a:ea typeface="+mn-ea"/>
+                <a:cs typeface="+mn-cs"/>
+              </a:defRPr>
+            </a:lvl4pPr>
+            <a:lvl5pPr marL="2057400" indent="-228600" algn="l" defTabSz="457200" rtl="0" eaLnBrk="1" latinLnBrk="0" hangingPunct="1">
+              <a:spcBef>
+                <a:spcPct val="20000"/>
+              </a:spcBef>
+              <a:buClr>
+                <a:srgbClr val="872175"/>
+              </a:buClr>
+              <a:buFont typeface="Arial"/>
+              <a:buChar char="»"/>
+              <a:defRPr sz="2000" kern="1200">
+                <a:solidFill>
+                  <a:schemeClr val="tx1"/>
+                </a:solidFill>
+                <a:latin typeface="+mn-lt"/>
+                <a:ea typeface="+mn-ea"/>
+                <a:cs typeface="+mn-cs"/>
+              </a:defRPr>
+            </a:lvl5pPr>
+            <a:lvl6pPr marL="2514600" indent="-228600" algn="l" defTabSz="457200" rtl="0" eaLnBrk="1" latinLnBrk="0" hangingPunct="1">
+              <a:spcBef>
+                <a:spcPct val="20000"/>
+              </a:spcBef>
+              <a:buFont typeface="Arial"/>
+              <a:buChar char="•"/>
+              <a:defRPr sz="2000" kern="1200">
+                <a:solidFill>
+                  <a:schemeClr val="tx1"/>
+                </a:solidFill>
+                <a:latin typeface="+mn-lt"/>
+                <a:ea typeface="+mn-ea"/>
+                <a:cs typeface="+mn-cs"/>
+              </a:defRPr>
+            </a:lvl6pPr>
+            <a:lvl7pPr marL="2971800" indent="-228600" algn="l" defTabSz="457200" rtl="0" eaLnBrk="1" latinLnBrk="0" hangingPunct="1">
+              <a:spcBef>
+                <a:spcPct val="20000"/>
+              </a:spcBef>
+              <a:buFont typeface="Arial"/>
+              <a:buChar char="•"/>
+              <a:defRPr sz="2000" kern="1200">
+                <a:solidFill>
+                  <a:schemeClr val="tx1"/>
+                </a:solidFill>
+                <a:latin typeface="+mn-lt"/>
+                <a:ea typeface="+mn-ea"/>
+                <a:cs typeface="+mn-cs"/>
+              </a:defRPr>
+            </a:lvl7pPr>
+            <a:lvl8pPr marL="3429000" indent="-228600" algn="l" defTabSz="457200" rtl="0" eaLnBrk="1" latinLnBrk="0" hangingPunct="1">
+              <a:spcBef>
+                <a:spcPct val="20000"/>
+              </a:spcBef>
+              <a:buFont typeface="Arial"/>
+              <a:buChar char="•"/>
+              <a:defRPr sz="2000" kern="1200">
+                <a:solidFill>
+                  <a:schemeClr val="tx1"/>
+                </a:solidFill>
+                <a:latin typeface="+mn-lt"/>
+                <a:ea typeface="+mn-ea"/>
+                <a:cs typeface="+mn-cs"/>
+              </a:defRPr>
+            </a:lvl8pPr>
+            <a:lvl9pPr marL="3886200" indent="-228600" algn="l" defTabSz="457200" rtl="0" eaLnBrk="1" latinLnBrk="0" hangingPunct="1">
+              <a:spcBef>
+                <a:spcPct val="20000"/>
+              </a:spcBef>
+              <a:buFont typeface="Arial"/>
+              <a:buChar char="•"/>
+              <a:defRPr sz="2000" kern="1200">
+                <a:solidFill>
+                  <a:schemeClr val="tx1"/>
+                </a:solidFill>
+                <a:latin typeface="+mn-lt"/>
+                <a:ea typeface="+mn-ea"/>
+                <a:cs typeface="+mn-cs"/>
+              </a:defRPr>
+            </a:lvl9pPr>
+          </a:lstStyle>
+          <a:p>
+            <a:pPr marL="285750" indent="-285750">
+              <a:buFont typeface="Arial" panose="020B0604020202020204" pitchFamily="34" charset="0"/>
+              <a:buChar char="•"/>
+            </a:pPr>
+            <a:r>
+              <a:rPr lang="en-GB" sz="2400" b="1" dirty="0" err="1"/>
+              <a:t>kmer</a:t>
+            </a:r>
+            <a:r>
+              <a:rPr lang="en-GB" sz="2400" b="1" dirty="0"/>
+              <a:t> too small</a:t>
+            </a:r>
+            <a:endParaRPr lang="en-GB" sz="2400" dirty="0"/>
+          </a:p>
+          <a:p>
+            <a:pPr marL="285750" indent="-285750">
+              <a:buFont typeface="Arial" panose="020B0604020202020204" pitchFamily="34" charset="0"/>
+              <a:buChar char="•"/>
+            </a:pPr>
+            <a:r>
+              <a:rPr lang="en-GB" sz="2400" b="1" dirty="0" err="1"/>
+              <a:t>kmer</a:t>
+            </a:r>
+            <a:r>
+              <a:rPr lang="en-GB" sz="2400" b="1" dirty="0"/>
+              <a:t> too big</a:t>
+            </a:r>
+            <a:endParaRPr lang="en-GB" sz="2400" dirty="0"/>
+          </a:p>
+          <a:p>
+            <a:pPr marL="285750" indent="-285750">
+              <a:buFont typeface="Arial" panose="020B0604020202020204" pitchFamily="34" charset="0"/>
+              <a:buChar char="•"/>
+            </a:pPr>
+            <a:r>
+              <a:rPr lang="en-GB" sz="2400" b="1" dirty="0"/>
+              <a:t>~optimal</a:t>
+            </a:r>
+          </a:p>
+          <a:p>
+            <a:pPr marL="285750" indent="-285750">
+              <a:buFont typeface="Arial" panose="020B0604020202020204" pitchFamily="34" charset="0"/>
+              <a:buChar char="•"/>
+            </a:pPr>
+            <a:endParaRPr lang="en-GB" sz="2400" dirty="0"/>
+          </a:p>
+          <a:p>
+            <a:pPr marL="285750" indent="-285750">
+              <a:buFont typeface="Arial" panose="020B0604020202020204" pitchFamily="34" charset="0"/>
+              <a:buChar char="•"/>
+            </a:pPr>
+            <a:endParaRPr lang="en-GB" sz="2400" dirty="0"/>
+          </a:p>
+        </p:txBody>
+      </p:sp>
+      <p:pic>
+        <p:nvPicPr>
+          <p:cNvPr id="11" name="Picture 2" descr="51-mer assembly graph">
+            <a:extLst>
+              <a:ext uri="{FF2B5EF4-FFF2-40B4-BE49-F238E27FC236}">
+                <a16:creationId xmlns:a16="http://schemas.microsoft.com/office/drawing/2014/main" id="{DA4FC037-C339-4D36-B381-BEB8A3AE6BE7}"/>
+              </a:ext>
+            </a:extLst>
+          </p:cNvPr>
+          <p:cNvPicPr>
+            <a:picLocks noChangeAspect="1" noChangeArrowheads="1"/>
+          </p:cNvPicPr>
+          <p:nvPr/>
+        </p:nvPicPr>
+        <p:blipFill>
+          <a:blip r:embed="rId2">
+            <a:extLst>
+              <a:ext uri="{28A0092B-C50C-407E-A947-70E740481C1C}">
+                <a14:useLocalDpi xmlns:a14="http://schemas.microsoft.com/office/drawing/2010/main" val="0"/>
+              </a:ext>
+            </a:extLst>
+          </a:blip>
+          <a:srcRect/>
+          <a:stretch>
+            <a:fillRect/>
+          </a:stretch>
+        </p:blipFill>
+        <p:spPr bwMode="auto">
+          <a:xfrm>
+            <a:off x="7649559" y="1112893"/>
+            <a:ext cx="2599340" cy="2109464"/>
+          </a:xfrm>
+          <a:prstGeom prst="rect">
+            <a:avLst/>
+          </a:prstGeom>
+          <a:noFill/>
+          <a:extLst>
+            <a:ext uri="{909E8E84-426E-40DD-AFC4-6F175D3DCCD1}">
+              <a14:hiddenFill xmlns:a14="http://schemas.microsoft.com/office/drawing/2010/main">
+                <a:solidFill>
+                  <a:srgbClr val="FFFFFF"/>
+                </a:solidFill>
+              </a14:hiddenFill>
+            </a:ext>
+          </a:extLst>
+        </p:spPr>
+      </p:pic>
+      <p:pic>
+        <p:nvPicPr>
+          <p:cNvPr id="2052" name="Picture 4" descr="91-mer assembly graph">
+            <a:extLst>
+              <a:ext uri="{FF2B5EF4-FFF2-40B4-BE49-F238E27FC236}">
+                <a16:creationId xmlns:a16="http://schemas.microsoft.com/office/drawing/2014/main" id="{8CB6DC61-54AA-49F4-8FEB-13B3A9FCE4BC}"/>
+              </a:ext>
+            </a:extLst>
+          </p:cNvPr>
+          <p:cNvPicPr>
+            <a:picLocks noChangeAspect="1" noChangeArrowheads="1"/>
+          </p:cNvPicPr>
+          <p:nvPr/>
+        </p:nvPicPr>
+        <p:blipFill>
+          <a:blip r:embed="rId3">
+            <a:extLst>
+              <a:ext uri="{28A0092B-C50C-407E-A947-70E740481C1C}">
+                <a14:useLocalDpi xmlns:a14="http://schemas.microsoft.com/office/drawing/2010/main" val="0"/>
+              </a:ext>
+            </a:extLst>
+          </a:blip>
+          <a:srcRect/>
+          <a:stretch>
+            <a:fillRect/>
+          </a:stretch>
+        </p:blipFill>
+        <p:spPr bwMode="auto">
+          <a:xfrm>
+            <a:off x="6900316" y="3318665"/>
+            <a:ext cx="3733799" cy="3552037"/>
+          </a:xfrm>
+          <a:prstGeom prst="rect">
+            <a:avLst/>
+          </a:prstGeom>
+          <a:noFill/>
+          <a:extLst>
+            <a:ext uri="{909E8E84-426E-40DD-AFC4-6F175D3DCCD1}">
+              <a14:hiddenFill xmlns:a14="http://schemas.microsoft.com/office/drawing/2010/main">
+                <a:solidFill>
+                  <a:srgbClr val="FFFFFF"/>
+                </a:solidFill>
+              </a14:hiddenFill>
+            </a:ext>
+          </a:extLst>
+        </p:spPr>
+      </p:pic>
+      <p:cxnSp>
+        <p:nvCxnSpPr>
+          <p:cNvPr id="12" name="Straight Arrow Connector 11">
+            <a:extLst>
+              <a:ext uri="{FF2B5EF4-FFF2-40B4-BE49-F238E27FC236}">
+                <a16:creationId xmlns:a16="http://schemas.microsoft.com/office/drawing/2014/main" id="{9213BBE0-C79A-4CCC-82EB-ED63DEEC3D42}"/>
+              </a:ext>
+            </a:extLst>
+          </p:cNvPr>
+          <p:cNvCxnSpPr>
+            <a:cxnSpLocks/>
+          </p:cNvCxnSpPr>
+          <p:nvPr/>
+        </p:nvCxnSpPr>
+        <p:spPr>
+          <a:xfrm>
+            <a:off x="5511800" y="1531082"/>
+            <a:ext cx="840594" cy="0"/>
+          </a:xfrm>
+          <a:prstGeom prst="straightConnector1">
+            <a:avLst/>
+          </a:prstGeom>
+          <a:ln>
+            <a:tailEnd type="triangle"/>
+          </a:ln>
+        </p:spPr>
+        <p:style>
+          <a:lnRef idx="2">
+            <a:schemeClr val="accent1"/>
+          </a:lnRef>
+          <a:fillRef idx="0">
+            <a:schemeClr val="accent1"/>
+          </a:fillRef>
+          <a:effectRef idx="1">
+            <a:schemeClr val="accent1"/>
+          </a:effectRef>
+          <a:fontRef idx="minor">
+            <a:schemeClr val="tx1"/>
+          </a:fontRef>
+        </p:style>
+      </p:cxnSp>
+      <p:cxnSp>
+        <p:nvCxnSpPr>
+          <p:cNvPr id="14" name="Straight Arrow Connector 13">
+            <a:extLst>
+              <a:ext uri="{FF2B5EF4-FFF2-40B4-BE49-F238E27FC236}">
+                <a16:creationId xmlns:a16="http://schemas.microsoft.com/office/drawing/2014/main" id="{E98E6DE1-7244-41CA-BCF0-AE19BB9C3B55}"/>
+              </a:ext>
+            </a:extLst>
+          </p:cNvPr>
+          <p:cNvCxnSpPr>
+            <a:cxnSpLocks/>
+          </p:cNvCxnSpPr>
+          <p:nvPr/>
+        </p:nvCxnSpPr>
+        <p:spPr>
+          <a:xfrm>
+            <a:off x="5268488" y="2131247"/>
+            <a:ext cx="827512" cy="600165"/>
+          </a:xfrm>
+          <a:prstGeom prst="straightConnector1">
+            <a:avLst/>
+          </a:prstGeom>
+          <a:ln>
+            <a:tailEnd type="triangle"/>
+          </a:ln>
+        </p:spPr>
+        <p:style>
+          <a:lnRef idx="2">
+            <a:schemeClr val="accent1"/>
+          </a:lnRef>
+          <a:fillRef idx="0">
+            <a:schemeClr val="accent1"/>
+          </a:fillRef>
+          <a:effectRef idx="1">
+            <a:schemeClr val="accent1"/>
+          </a:effectRef>
+          <a:fontRef idx="minor">
+            <a:schemeClr val="tx1"/>
+          </a:fontRef>
+        </p:style>
+      </p:cxnSp>
+      <p:sp>
+        <p:nvSpPr>
+          <p:cNvPr id="15" name="Rectangle 14">
+            <a:extLst>
+              <a:ext uri="{FF2B5EF4-FFF2-40B4-BE49-F238E27FC236}">
+                <a16:creationId xmlns:a16="http://schemas.microsoft.com/office/drawing/2014/main" id="{1402E64F-98D0-4403-9DFC-22F7171B1178}"/>
+              </a:ext>
+            </a:extLst>
+          </p:cNvPr>
+          <p:cNvSpPr/>
+          <p:nvPr/>
+        </p:nvSpPr>
+        <p:spPr>
+          <a:xfrm>
+            <a:off x="1714501" y="6489978"/>
+            <a:ext cx="5367828" cy="307777"/>
+          </a:xfrm>
+          <a:prstGeom prst="rect">
+            <a:avLst/>
+          </a:prstGeom>
+        </p:spPr>
+        <p:txBody>
+          <a:bodyPr wrap="square">
+            <a:spAutoFit/>
+          </a:bodyPr>
+          <a:lstStyle/>
+          <a:p>
+            <a:r>
+              <a:rPr lang="en-GB" sz="1400" dirty="0"/>
+              <a:t>https://github.com/rrwick/Bandage/wiki/Effect-of-kmer-size</a:t>
+            </a:r>
+          </a:p>
+        </p:txBody>
+      </p:sp>
+      <p:pic>
+        <p:nvPicPr>
+          <p:cNvPr id="4102" name="Picture 6" descr="71-mer assembly graph">
+            <a:extLst>
+              <a:ext uri="{FF2B5EF4-FFF2-40B4-BE49-F238E27FC236}">
+                <a16:creationId xmlns:a16="http://schemas.microsoft.com/office/drawing/2014/main" id="{0145BAC5-BC97-40B8-9EB7-5FDA325E0F27}"/>
+              </a:ext>
+            </a:extLst>
+          </p:cNvPr>
+          <p:cNvPicPr>
+            <a:picLocks noChangeAspect="1" noChangeArrowheads="1"/>
+          </p:cNvPicPr>
+          <p:nvPr/>
+        </p:nvPicPr>
+        <p:blipFill>
+          <a:blip r:embed="rId4">
+            <a:extLst>
+              <a:ext uri="{28A0092B-C50C-407E-A947-70E740481C1C}">
+                <a14:useLocalDpi xmlns:a14="http://schemas.microsoft.com/office/drawing/2010/main" val="0"/>
+              </a:ext>
+            </a:extLst>
+          </a:blip>
+          <a:srcRect/>
+          <a:stretch>
+            <a:fillRect/>
+          </a:stretch>
+        </p:blipFill>
+        <p:spPr bwMode="auto">
+          <a:xfrm>
+            <a:off x="2009194" y="3526443"/>
+            <a:ext cx="2875035" cy="2543300"/>
+          </a:xfrm>
+          <a:prstGeom prst="rect">
+            <a:avLst/>
+          </a:prstGeom>
+          <a:noFill/>
+          <a:extLst>
+            <a:ext uri="{909E8E84-426E-40DD-AFC4-6F175D3DCCD1}">
+              <a14:hiddenFill xmlns:a14="http://schemas.microsoft.com/office/drawing/2010/main">
+                <a:solidFill>
+                  <a:srgbClr val="FFFFFF"/>
+                </a:solidFill>
+              </a14:hiddenFill>
+            </a:ext>
+          </a:extLst>
+        </p:spPr>
+      </p:pic>
+      <p:cxnSp>
+        <p:nvCxnSpPr>
+          <p:cNvPr id="6" name="Straight Arrow Connector 5">
+            <a:extLst>
+              <a:ext uri="{FF2B5EF4-FFF2-40B4-BE49-F238E27FC236}">
+                <a16:creationId xmlns:a16="http://schemas.microsoft.com/office/drawing/2014/main" id="{7308F705-5D6F-461F-8D62-820F45D5714D}"/>
+              </a:ext>
+            </a:extLst>
+          </p:cNvPr>
+          <p:cNvCxnSpPr/>
+          <p:nvPr/>
+        </p:nvCxnSpPr>
+        <p:spPr>
+          <a:xfrm flipH="1">
+            <a:off x="3446710" y="2641446"/>
+            <a:ext cx="388690" cy="588280"/>
+          </a:xfrm>
+          <a:prstGeom prst="straightConnector1">
+            <a:avLst/>
+          </a:prstGeom>
+          <a:ln>
+            <a:tailEnd type="triangle"/>
+          </a:ln>
+        </p:spPr>
+        <p:style>
+          <a:lnRef idx="2">
+            <a:schemeClr val="accent1"/>
+          </a:lnRef>
+          <a:fillRef idx="0">
+            <a:schemeClr val="accent1"/>
+          </a:fillRef>
+          <a:effectRef idx="1">
+            <a:schemeClr val="accent1"/>
+          </a:effectRef>
+          <a:fontRef idx="minor">
+            <a:schemeClr val="tx1"/>
+          </a:fontRef>
+        </p:style>
+      </p:cxnSp>
+    </p:spTree>
+    <p:extLst>
+      <p:ext uri="{BB962C8B-B14F-4D97-AF65-F5344CB8AC3E}">
+        <p14:creationId xmlns:p14="http://schemas.microsoft.com/office/powerpoint/2010/main" val="3030568137"/>
+      </p:ext>
+    </p:extLst>
+  </p:cSld>
+  <p:clrMapOvr>
+    <a:masterClrMapping/>
+  </p:clrMapOvr>
+  <p:timing>
+    <p:tnLst>
+      <p:par>
+        <p:cTn id="1" dur="indefinite" restart="never" nodeType="tmRoot">
+          <p:childTnLst>
+            <p:seq concurrent="1" nextAc="seek">
+              <p:cTn id="2" dur="indefinite" nodeType="mainSeq">
+                <p:childTnLst>
+                  <p:par>
+                    <p:cTn id="3" fill="hold">
+                      <p:stCondLst>
+                        <p:cond delay="indefinite"/>
+                      </p:stCondLst>
+                      <p:childTnLst>
+                        <p:par>
+                          <p:cTn id="4" fill="hold">
+                            <p:stCondLst>
+                              <p:cond delay="0"/>
+                            </p:stCondLst>
+                            <p:childTnLst>
+                              <p:par>
+                                <p:cTn id="5" presetID="1" presetClass="entr" presetSubtype="0" fill="hold" grpId="0" nodeType="clickEffect" nodePh="1">
+                                  <p:stCondLst>
+                                    <p:cond delay="0"/>
+                                  </p:stCondLst>
+                                  <p:endCondLst>
+                                    <p:cond evt="begin" delay="0">
+                                      <p:tn val="5"/>
+                                    </p:cond>
+                                  </p:endCondLst>
+                                  <p:childTnLst>
+                                    <p:set>
+                                      <p:cBhvr>
+                                        <p:cTn id="6" dur="1" fill="hold">
+                                          <p:stCondLst>
+                                            <p:cond delay="0"/>
+                                          </p:stCondLst>
+                                        </p:cTn>
+                                        <p:tgtEl>
+                                          <p:spTgt spid="8">
+                                            <p:txEl>
+                                              <p:pRg st="0" end="0"/>
+                                            </p:txEl>
+                                          </p:spTgt>
+                                        </p:tgtEl>
+                                        <p:attrNameLst>
+                                          <p:attrName>style.visibility</p:attrName>
+                                        </p:attrNameLst>
+                                      </p:cBhvr>
+                                      <p:to>
+                                        <p:strVal val="visible"/>
+                                      </p:to>
+                                    </p:set>
+                                  </p:childTnLst>
+                                </p:cTn>
+                              </p:par>
+                            </p:childTnLst>
+                          </p:cTn>
+                        </p:par>
+                      </p:childTnLst>
+                    </p:cTn>
+                  </p:par>
+                </p:childTnLst>
+              </p:cTn>
+              <p:prevCondLst>
+                <p:cond evt="onPrev" delay="0">
+                  <p:tgtEl>
+                    <p:sldTgt/>
+                  </p:tgtEl>
+                </p:cond>
+              </p:prevCondLst>
+              <p:nextCondLst>
+                <p:cond evt="onNext" delay="0">
+                  <p:tgtEl>
+                    <p:sldTgt/>
+                  </p:tgtEl>
+                </p:cond>
+              </p:nextCondLst>
+            </p:seq>
+          </p:childTnLst>
+        </p:cTn>
+      </p:par>
+    </p:tnLst>
+    <p:bldLst>
+      <p:bldP spid="8" grpId="0" build="p"/>
+    </p:bldLst>
+  </p:timing>
 </p:sld>
 </file>
 

--- a/powerpoint/Kmers_and_graphs.pptx
+++ b/powerpoint/Kmers_and_graphs.pptx
@@ -11,8 +11,8 @@
     <p:sldId id="480" r:id="rId5"/>
     <p:sldId id="479" r:id="rId6"/>
     <p:sldId id="481" r:id="rId7"/>
-    <p:sldId id="482" r:id="rId8"/>
-    <p:sldId id="483" r:id="rId9"/>
+    <p:sldId id="483" r:id="rId8"/>
+    <p:sldId id="484" r:id="rId9"/>
   </p:sldIdLst>
   <p:sldSz cx="12192000" cy="6858000"/>
   <p:notesSz cx="6858000" cy="9144000"/>
@@ -268,7 +268,7 @@
           <a:p>
             <a:fld id="{DEABCE53-1D99-4BEE-AE28-D2367C4FBEC7}" type="datetimeFigureOut">
               <a:rPr lang="en-GB" smtClean="0"/>
-              <a:t>02/10/2020</a:t>
+              <a:t>05/10/2020</a:t>
             </a:fld>
             <a:endParaRPr lang="en-GB"/>
           </a:p>
@@ -468,7 +468,7 @@
           <a:p>
             <a:fld id="{DEABCE53-1D99-4BEE-AE28-D2367C4FBEC7}" type="datetimeFigureOut">
               <a:rPr lang="en-GB" smtClean="0"/>
-              <a:t>02/10/2020</a:t>
+              <a:t>05/10/2020</a:t>
             </a:fld>
             <a:endParaRPr lang="en-GB"/>
           </a:p>
@@ -678,7 +678,7 @@
           <a:p>
             <a:fld id="{DEABCE53-1D99-4BEE-AE28-D2367C4FBEC7}" type="datetimeFigureOut">
               <a:rPr lang="en-GB" smtClean="0"/>
-              <a:t>02/10/2020</a:t>
+              <a:t>05/10/2020</a:t>
             </a:fld>
             <a:endParaRPr lang="en-GB"/>
           </a:p>
@@ -1221,7 +1221,7 @@
           <a:p>
             <a:fld id="{DEABCE53-1D99-4BEE-AE28-D2367C4FBEC7}" type="datetimeFigureOut">
               <a:rPr lang="en-GB" smtClean="0"/>
-              <a:t>02/10/2020</a:t>
+              <a:t>05/10/2020</a:t>
             </a:fld>
             <a:endParaRPr lang="en-GB"/>
           </a:p>
@@ -1497,7 +1497,7 @@
           <a:p>
             <a:fld id="{DEABCE53-1D99-4BEE-AE28-D2367C4FBEC7}" type="datetimeFigureOut">
               <a:rPr lang="en-GB" smtClean="0"/>
-              <a:t>02/10/2020</a:t>
+              <a:t>05/10/2020</a:t>
             </a:fld>
             <a:endParaRPr lang="en-GB"/>
           </a:p>
@@ -1765,7 +1765,7 @@
           <a:p>
             <a:fld id="{DEABCE53-1D99-4BEE-AE28-D2367C4FBEC7}" type="datetimeFigureOut">
               <a:rPr lang="en-GB" smtClean="0"/>
-              <a:t>02/10/2020</a:t>
+              <a:t>05/10/2020</a:t>
             </a:fld>
             <a:endParaRPr lang="en-GB"/>
           </a:p>
@@ -2180,7 +2180,7 @@
           <a:p>
             <a:fld id="{DEABCE53-1D99-4BEE-AE28-D2367C4FBEC7}" type="datetimeFigureOut">
               <a:rPr lang="en-GB" smtClean="0"/>
-              <a:t>02/10/2020</a:t>
+              <a:t>05/10/2020</a:t>
             </a:fld>
             <a:endParaRPr lang="en-GB"/>
           </a:p>
@@ -2322,7 +2322,7 @@
           <a:p>
             <a:fld id="{DEABCE53-1D99-4BEE-AE28-D2367C4FBEC7}" type="datetimeFigureOut">
               <a:rPr lang="en-GB" smtClean="0"/>
-              <a:t>02/10/2020</a:t>
+              <a:t>05/10/2020</a:t>
             </a:fld>
             <a:endParaRPr lang="en-GB"/>
           </a:p>
@@ -2435,7 +2435,7 @@
           <a:p>
             <a:fld id="{DEABCE53-1D99-4BEE-AE28-D2367C4FBEC7}" type="datetimeFigureOut">
               <a:rPr lang="en-GB" smtClean="0"/>
-              <a:t>02/10/2020</a:t>
+              <a:t>05/10/2020</a:t>
             </a:fld>
             <a:endParaRPr lang="en-GB"/>
           </a:p>
@@ -2748,7 +2748,7 @@
           <a:p>
             <a:fld id="{DEABCE53-1D99-4BEE-AE28-D2367C4FBEC7}" type="datetimeFigureOut">
               <a:rPr lang="en-GB" smtClean="0"/>
-              <a:t>02/10/2020</a:t>
+              <a:t>05/10/2020</a:t>
             </a:fld>
             <a:endParaRPr lang="en-GB"/>
           </a:p>
@@ -3037,7 +3037,7 @@
           <a:p>
             <a:fld id="{DEABCE53-1D99-4BEE-AE28-D2367C4FBEC7}" type="datetimeFigureOut">
               <a:rPr lang="en-GB" smtClean="0"/>
-              <a:t>02/10/2020</a:t>
+              <a:t>05/10/2020</a:t>
             </a:fld>
             <a:endParaRPr lang="en-GB"/>
           </a:p>
@@ -3280,7 +3280,7 @@
           <a:p>
             <a:fld id="{DEABCE53-1D99-4BEE-AE28-D2367C4FBEC7}" type="datetimeFigureOut">
               <a:rPr lang="en-GB" smtClean="0"/>
-              <a:t>02/10/2020</a:t>
+              <a:t>05/10/2020</a:t>
             </a:fld>
             <a:endParaRPr lang="en-GB"/>
           </a:p>
@@ -3962,7 +3962,13 @@
           <p:nvPr/>
         </p:nvPicPr>
         <p:blipFill>
-          <a:blip r:embed="rId4"/>
+          <a:blip r:embed="rId4">
+            <a:extLst>
+              <a:ext uri="{28A0092B-C50C-407E-A947-70E740481C1C}">
+                <a14:useLocalDpi xmlns:a14="http://schemas.microsoft.com/office/drawing/2010/main" val="0"/>
+              </a:ext>
+            </a:extLst>
+          </a:blip>
           <a:stretch>
             <a:fillRect/>
           </a:stretch>
@@ -4738,7 +4744,7 @@
               </a:ext>
             </a:extLst>
           </a:blip>
-          <a:srcRect r="55000"/>
+          <a:srcRect/>
           <a:stretch/>
         </p:blipFill>
         <p:spPr bwMode="auto">
@@ -5425,7 +5431,7 @@
               </a:ext>
             </a:extLst>
           </a:blip>
-          <a:srcRect b="6997"/>
+          <a:srcRect/>
           <a:stretch/>
         </p:blipFill>
         <p:spPr bwMode="auto">
@@ -5448,6 +5454,41 @@
           </a:extLst>
         </p:spPr>
       </p:pic>
+      <p:sp>
+        <p:nvSpPr>
+          <p:cNvPr id="3" name="TextBox 2">
+            <a:extLst>
+              <a:ext uri="{FF2B5EF4-FFF2-40B4-BE49-F238E27FC236}">
+                <a16:creationId xmlns:a16="http://schemas.microsoft.com/office/drawing/2014/main" id="{B8FB36C1-DCF6-49C0-95C9-79E12D16C3C7}"/>
+              </a:ext>
+            </a:extLst>
+          </p:cNvPr>
+          <p:cNvSpPr txBox="1"/>
+          <p:nvPr/>
+        </p:nvSpPr>
+        <p:spPr>
+          <a:xfrm>
+            <a:off x="2418081" y="3576680"/>
+            <a:ext cx="3830320" cy="369332"/>
+          </a:xfrm>
+          <a:prstGeom prst="rect">
+            <a:avLst/>
+          </a:prstGeom>
+          <a:noFill/>
+        </p:spPr>
+        <p:txBody>
+          <a:bodyPr wrap="square" rtlCol="0">
+            <a:spAutoFit/>
+          </a:bodyPr>
+          <a:lstStyle/>
+          <a:p>
+            <a:r>
+              <a:rPr lang="en-GB" dirty="0"/>
+              <a:t>This part could have 100X coverage</a:t>
+            </a:r>
+          </a:p>
+        </p:txBody>
+      </p:sp>
     </p:spTree>
     <p:extLst>
       <p:ext uri="{BB962C8B-B14F-4D97-AF65-F5344CB8AC3E}">
@@ -7447,851 +7488,6 @@
         </p:nvSpPr>
         <p:spPr>
           <a:xfrm>
-            <a:off x="1557886" y="1308633"/>
-            <a:ext cx="5367828" cy="4761111"/>
-          </a:xfrm>
-          <a:prstGeom prst="rect">
-            <a:avLst/>
-          </a:prstGeom>
-          <a:noFill/>
-        </p:spPr>
-        <p:txBody>
-          <a:bodyPr vert="horz" lIns="91440" tIns="45720" rIns="91440" bIns="45720" rtlCol="0">
-            <a:normAutofit fontScale="92500"/>
-          </a:bodyPr>
-          <a:lstStyle>
-            <a:lvl1pPr marL="342900" indent="-342900" algn="l" defTabSz="457200" rtl="0" eaLnBrk="1" latinLnBrk="0" hangingPunct="1">
-              <a:spcBef>
-                <a:spcPct val="20000"/>
-              </a:spcBef>
-              <a:buClr>
-                <a:srgbClr val="872175"/>
-              </a:buClr>
-              <a:buFont typeface="Arial"/>
-              <a:buChar char="•"/>
-              <a:defRPr sz="3200" kern="1200">
-                <a:solidFill>
-                  <a:schemeClr val="tx1"/>
-                </a:solidFill>
-                <a:latin typeface="+mn-lt"/>
-                <a:ea typeface="+mn-ea"/>
-                <a:cs typeface="+mn-cs"/>
-              </a:defRPr>
-            </a:lvl1pPr>
-            <a:lvl2pPr marL="742950" indent="-285750" algn="l" defTabSz="457200" rtl="0" eaLnBrk="1" latinLnBrk="0" hangingPunct="1">
-              <a:spcBef>
-                <a:spcPct val="20000"/>
-              </a:spcBef>
-              <a:buClr>
-                <a:srgbClr val="872175"/>
-              </a:buClr>
-              <a:buFont typeface="Arial"/>
-              <a:buChar char="–"/>
-              <a:defRPr sz="2400" kern="1200">
-                <a:solidFill>
-                  <a:schemeClr val="tx1"/>
-                </a:solidFill>
-                <a:latin typeface="+mn-lt"/>
-                <a:ea typeface="+mn-ea"/>
-                <a:cs typeface="+mn-cs"/>
-              </a:defRPr>
-            </a:lvl2pPr>
-            <a:lvl3pPr marL="1143000" indent="-228600" algn="l" defTabSz="457200" rtl="0" eaLnBrk="1" latinLnBrk="0" hangingPunct="1">
-              <a:spcBef>
-                <a:spcPct val="20000"/>
-              </a:spcBef>
-              <a:buClr>
-                <a:srgbClr val="872175"/>
-              </a:buClr>
-              <a:buFont typeface="Arial"/>
-              <a:buChar char="•"/>
-              <a:defRPr sz="2400" kern="1200">
-                <a:solidFill>
-                  <a:schemeClr val="tx1"/>
-                </a:solidFill>
-                <a:latin typeface="+mn-lt"/>
-                <a:ea typeface="+mn-ea"/>
-                <a:cs typeface="+mn-cs"/>
-              </a:defRPr>
-            </a:lvl3pPr>
-            <a:lvl4pPr marL="1600200" indent="-228600" algn="l" defTabSz="457200" rtl="0" eaLnBrk="1" latinLnBrk="0" hangingPunct="1">
-              <a:spcBef>
-                <a:spcPct val="20000"/>
-              </a:spcBef>
-              <a:buClr>
-                <a:srgbClr val="872175"/>
-              </a:buClr>
-              <a:buFont typeface="Arial"/>
-              <a:buChar char="–"/>
-              <a:defRPr sz="2000" kern="1200">
-                <a:solidFill>
-                  <a:schemeClr val="tx1"/>
-                </a:solidFill>
-                <a:latin typeface="+mn-lt"/>
-                <a:ea typeface="+mn-ea"/>
-                <a:cs typeface="+mn-cs"/>
-              </a:defRPr>
-            </a:lvl4pPr>
-            <a:lvl5pPr marL="2057400" indent="-228600" algn="l" defTabSz="457200" rtl="0" eaLnBrk="1" latinLnBrk="0" hangingPunct="1">
-              <a:spcBef>
-                <a:spcPct val="20000"/>
-              </a:spcBef>
-              <a:buClr>
-                <a:srgbClr val="872175"/>
-              </a:buClr>
-              <a:buFont typeface="Arial"/>
-              <a:buChar char="»"/>
-              <a:defRPr sz="2000" kern="1200">
-                <a:solidFill>
-                  <a:schemeClr val="tx1"/>
-                </a:solidFill>
-                <a:latin typeface="+mn-lt"/>
-                <a:ea typeface="+mn-ea"/>
-                <a:cs typeface="+mn-cs"/>
-              </a:defRPr>
-            </a:lvl5pPr>
-            <a:lvl6pPr marL="2514600" indent="-228600" algn="l" defTabSz="457200" rtl="0" eaLnBrk="1" latinLnBrk="0" hangingPunct="1">
-              <a:spcBef>
-                <a:spcPct val="20000"/>
-              </a:spcBef>
-              <a:buFont typeface="Arial"/>
-              <a:buChar char="•"/>
-              <a:defRPr sz="2000" kern="1200">
-                <a:solidFill>
-                  <a:schemeClr val="tx1"/>
-                </a:solidFill>
-                <a:latin typeface="+mn-lt"/>
-                <a:ea typeface="+mn-ea"/>
-                <a:cs typeface="+mn-cs"/>
-              </a:defRPr>
-            </a:lvl6pPr>
-            <a:lvl7pPr marL="2971800" indent="-228600" algn="l" defTabSz="457200" rtl="0" eaLnBrk="1" latinLnBrk="0" hangingPunct="1">
-              <a:spcBef>
-                <a:spcPct val="20000"/>
-              </a:spcBef>
-              <a:buFont typeface="Arial"/>
-              <a:buChar char="•"/>
-              <a:defRPr sz="2000" kern="1200">
-                <a:solidFill>
-                  <a:schemeClr val="tx1"/>
-                </a:solidFill>
-                <a:latin typeface="+mn-lt"/>
-                <a:ea typeface="+mn-ea"/>
-                <a:cs typeface="+mn-cs"/>
-              </a:defRPr>
-            </a:lvl7pPr>
-            <a:lvl8pPr marL="3429000" indent="-228600" algn="l" defTabSz="457200" rtl="0" eaLnBrk="1" latinLnBrk="0" hangingPunct="1">
-              <a:spcBef>
-                <a:spcPct val="20000"/>
-              </a:spcBef>
-              <a:buFont typeface="Arial"/>
-              <a:buChar char="•"/>
-              <a:defRPr sz="2000" kern="1200">
-                <a:solidFill>
-                  <a:schemeClr val="tx1"/>
-                </a:solidFill>
-                <a:latin typeface="+mn-lt"/>
-                <a:ea typeface="+mn-ea"/>
-                <a:cs typeface="+mn-cs"/>
-              </a:defRPr>
-            </a:lvl8pPr>
-            <a:lvl9pPr marL="3886200" indent="-228600" algn="l" defTabSz="457200" rtl="0" eaLnBrk="1" latinLnBrk="0" hangingPunct="1">
-              <a:spcBef>
-                <a:spcPct val="20000"/>
-              </a:spcBef>
-              <a:buFont typeface="Arial"/>
-              <a:buChar char="•"/>
-              <a:defRPr sz="2000" kern="1200">
-                <a:solidFill>
-                  <a:schemeClr val="tx1"/>
-                </a:solidFill>
-                <a:latin typeface="+mn-lt"/>
-                <a:ea typeface="+mn-ea"/>
-                <a:cs typeface="+mn-cs"/>
-              </a:defRPr>
-            </a:lvl9pPr>
-          </a:lstStyle>
-          <a:p>
-            <a:pPr marL="285750" indent="-285750">
-              <a:buFont typeface="Arial" panose="020B0604020202020204" pitchFamily="34" charset="0"/>
-              <a:buChar char="•"/>
-            </a:pPr>
-            <a:r>
-              <a:rPr lang="en-GB" sz="2400" b="1" dirty="0"/>
-              <a:t>A </a:t>
-            </a:r>
-            <a:r>
-              <a:rPr lang="en-GB" sz="2400" b="1" dirty="0" err="1"/>
-              <a:t>kmer</a:t>
-            </a:r>
-            <a:r>
-              <a:rPr lang="en-GB" sz="2400" b="1" dirty="0"/>
-              <a:t> too small </a:t>
-            </a:r>
-            <a:r>
-              <a:rPr lang="en-GB" sz="2400" dirty="0"/>
-              <a:t>results in too many nodes and edges are there are not enough unique </a:t>
-            </a:r>
-            <a:r>
-              <a:rPr lang="en-GB" sz="2400" dirty="0" err="1"/>
-              <a:t>kmers</a:t>
-            </a:r>
-            <a:r>
-              <a:rPr lang="en-GB" sz="2400" dirty="0"/>
-              <a:t> for the assembler. </a:t>
-            </a:r>
-          </a:p>
-          <a:p>
-            <a:pPr marL="285750" indent="-285750">
-              <a:buFont typeface="Arial" panose="020B0604020202020204" pitchFamily="34" charset="0"/>
-              <a:buChar char="•"/>
-            </a:pPr>
-            <a:endParaRPr lang="en-GB" sz="2400" dirty="0"/>
-          </a:p>
-          <a:p>
-            <a:pPr marL="285750" indent="-285750">
-              <a:buFont typeface="Arial" panose="020B0604020202020204" pitchFamily="34" charset="0"/>
-              <a:buChar char="•"/>
-            </a:pPr>
-            <a:r>
-              <a:rPr lang="en-GB" sz="2400" dirty="0"/>
-              <a:t>In contrast </a:t>
-            </a:r>
-            <a:r>
-              <a:rPr lang="en-GB" sz="2400" b="1" dirty="0"/>
-              <a:t>a </a:t>
-            </a:r>
-            <a:r>
-              <a:rPr lang="en-GB" sz="2400" b="1" dirty="0" err="1"/>
-              <a:t>kmer</a:t>
-            </a:r>
-            <a:r>
-              <a:rPr lang="en-GB" sz="2400" b="1" dirty="0"/>
-              <a:t> too high </a:t>
-            </a:r>
-            <a:r>
-              <a:rPr lang="en-GB" sz="2400" dirty="0"/>
-              <a:t>can lead to not enough coverage and too many unique </a:t>
-            </a:r>
-            <a:r>
-              <a:rPr lang="en-GB" sz="2400" dirty="0" err="1"/>
-              <a:t>kmer</a:t>
-            </a:r>
-            <a:r>
-              <a:rPr lang="en-GB" sz="2400" dirty="0"/>
-              <a:t> to join the sequences together leading to a very fragmented assembly</a:t>
-            </a:r>
-          </a:p>
-          <a:p>
-            <a:pPr marL="285750" indent="-285750">
-              <a:buFont typeface="Arial" panose="020B0604020202020204" pitchFamily="34" charset="0"/>
-              <a:buChar char="•"/>
-            </a:pPr>
-            <a:endParaRPr lang="en-GB" sz="2400" dirty="0"/>
-          </a:p>
-          <a:p>
-            <a:pPr marL="285750" indent="-285750">
-              <a:buFont typeface="Arial" panose="020B0604020202020204" pitchFamily="34" charset="0"/>
-              <a:buChar char="•"/>
-            </a:pPr>
-            <a:r>
-              <a:rPr lang="en-GB" sz="2400" dirty="0"/>
-              <a:t>Pick the best: depends on coverage and genome size, read length, quality. </a:t>
-            </a:r>
-            <a:r>
-              <a:rPr lang="en-GB" sz="2400" dirty="0" err="1"/>
-              <a:t>Kmergenie</a:t>
-            </a:r>
-            <a:r>
-              <a:rPr lang="en-GB" sz="2400" dirty="0"/>
-              <a:t>!</a:t>
-            </a:r>
-          </a:p>
-          <a:p>
-            <a:pPr marL="285750" indent="-285750">
-              <a:buFont typeface="Arial" panose="020B0604020202020204" pitchFamily="34" charset="0"/>
-              <a:buChar char="•"/>
-            </a:pPr>
-            <a:endParaRPr lang="en-GB" sz="2400" dirty="0"/>
-          </a:p>
-          <a:p>
-            <a:pPr marL="285750" indent="-285750">
-              <a:buFont typeface="Arial" panose="020B0604020202020204" pitchFamily="34" charset="0"/>
-              <a:buChar char="•"/>
-            </a:pPr>
-            <a:endParaRPr lang="en-GB" sz="2400" dirty="0"/>
-          </a:p>
-        </p:txBody>
-      </p:sp>
-      <p:pic>
-        <p:nvPicPr>
-          <p:cNvPr id="11" name="Picture 2" descr="51-mer assembly graph">
-            <a:extLst>
-              <a:ext uri="{FF2B5EF4-FFF2-40B4-BE49-F238E27FC236}">
-                <a16:creationId xmlns:a16="http://schemas.microsoft.com/office/drawing/2014/main" id="{DA4FC037-C339-4D36-B381-BEB8A3AE6BE7}"/>
-              </a:ext>
-            </a:extLst>
-          </p:cNvPr>
-          <p:cNvPicPr>
-            <a:picLocks noChangeAspect="1" noChangeArrowheads="1"/>
-          </p:cNvPicPr>
-          <p:nvPr/>
-        </p:nvPicPr>
-        <p:blipFill>
-          <a:blip r:embed="rId2">
-            <a:extLst>
-              <a:ext uri="{28A0092B-C50C-407E-A947-70E740481C1C}">
-                <a14:useLocalDpi xmlns:a14="http://schemas.microsoft.com/office/drawing/2010/main" val="0"/>
-              </a:ext>
-            </a:extLst>
-          </a:blip>
-          <a:srcRect/>
-          <a:stretch>
-            <a:fillRect/>
-          </a:stretch>
-        </p:blipFill>
-        <p:spPr bwMode="auto">
-          <a:xfrm>
-            <a:off x="7649559" y="1112893"/>
-            <a:ext cx="2599340" cy="2109464"/>
-          </a:xfrm>
-          <a:prstGeom prst="rect">
-            <a:avLst/>
-          </a:prstGeom>
-          <a:noFill/>
-          <a:extLst>
-            <a:ext uri="{909E8E84-426E-40DD-AFC4-6F175D3DCCD1}">
-              <a14:hiddenFill xmlns:a14="http://schemas.microsoft.com/office/drawing/2010/main">
-                <a:solidFill>
-                  <a:srgbClr val="FFFFFF"/>
-                </a:solidFill>
-              </a14:hiddenFill>
-            </a:ext>
-          </a:extLst>
-        </p:spPr>
-      </p:pic>
-      <p:pic>
-        <p:nvPicPr>
-          <p:cNvPr id="2052" name="Picture 4" descr="91-mer assembly graph">
-            <a:extLst>
-              <a:ext uri="{FF2B5EF4-FFF2-40B4-BE49-F238E27FC236}">
-                <a16:creationId xmlns:a16="http://schemas.microsoft.com/office/drawing/2014/main" id="{8CB6DC61-54AA-49F4-8FEB-13B3A9FCE4BC}"/>
-              </a:ext>
-            </a:extLst>
-          </p:cNvPr>
-          <p:cNvPicPr>
-            <a:picLocks noChangeAspect="1" noChangeArrowheads="1"/>
-          </p:cNvPicPr>
-          <p:nvPr/>
-        </p:nvPicPr>
-        <p:blipFill>
-          <a:blip r:embed="rId3">
-            <a:extLst>
-              <a:ext uri="{28A0092B-C50C-407E-A947-70E740481C1C}">
-                <a14:useLocalDpi xmlns:a14="http://schemas.microsoft.com/office/drawing/2010/main" val="0"/>
-              </a:ext>
-            </a:extLst>
-          </a:blip>
-          <a:srcRect/>
-          <a:stretch>
-            <a:fillRect/>
-          </a:stretch>
-        </p:blipFill>
-        <p:spPr bwMode="auto">
-          <a:xfrm>
-            <a:off x="6959601" y="3444808"/>
-            <a:ext cx="3733799" cy="3552037"/>
-          </a:xfrm>
-          <a:prstGeom prst="rect">
-            <a:avLst/>
-          </a:prstGeom>
-          <a:noFill/>
-          <a:extLst>
-            <a:ext uri="{909E8E84-426E-40DD-AFC4-6F175D3DCCD1}">
-              <a14:hiddenFill xmlns:a14="http://schemas.microsoft.com/office/drawing/2010/main">
-                <a:solidFill>
-                  <a:srgbClr val="FFFFFF"/>
-                </a:solidFill>
-              </a14:hiddenFill>
-            </a:ext>
-          </a:extLst>
-        </p:spPr>
-      </p:pic>
-      <p:cxnSp>
-        <p:nvCxnSpPr>
-          <p:cNvPr id="12" name="Straight Arrow Connector 11">
-            <a:extLst>
-              <a:ext uri="{FF2B5EF4-FFF2-40B4-BE49-F238E27FC236}">
-                <a16:creationId xmlns:a16="http://schemas.microsoft.com/office/drawing/2014/main" id="{9213BBE0-C79A-4CCC-82EB-ED63DEEC3D42}"/>
-              </a:ext>
-            </a:extLst>
-          </p:cNvPr>
-          <p:cNvCxnSpPr/>
-          <p:nvPr/>
-        </p:nvCxnSpPr>
-        <p:spPr>
-          <a:xfrm>
-            <a:off x="6959600" y="1701800"/>
-            <a:ext cx="764136" cy="101600"/>
-          </a:xfrm>
-          <a:prstGeom prst="straightConnector1">
-            <a:avLst/>
-          </a:prstGeom>
-          <a:ln>
-            <a:tailEnd type="triangle"/>
-          </a:ln>
-        </p:spPr>
-        <p:style>
-          <a:lnRef idx="2">
-            <a:schemeClr val="accent1"/>
-          </a:lnRef>
-          <a:fillRef idx="0">
-            <a:schemeClr val="accent1"/>
-          </a:fillRef>
-          <a:effectRef idx="1">
-            <a:schemeClr val="accent1"/>
-          </a:effectRef>
-          <a:fontRef idx="minor">
-            <a:schemeClr val="tx1"/>
-          </a:fontRef>
-        </p:style>
-      </p:cxnSp>
-      <p:cxnSp>
-        <p:nvCxnSpPr>
-          <p:cNvPr id="14" name="Straight Arrow Connector 13">
-            <a:extLst>
-              <a:ext uri="{FF2B5EF4-FFF2-40B4-BE49-F238E27FC236}">
-                <a16:creationId xmlns:a16="http://schemas.microsoft.com/office/drawing/2014/main" id="{E98E6DE1-7244-41CA-BCF0-AE19BB9C3B55}"/>
-              </a:ext>
-            </a:extLst>
-          </p:cNvPr>
-          <p:cNvCxnSpPr/>
-          <p:nvPr/>
-        </p:nvCxnSpPr>
-        <p:spPr>
-          <a:xfrm>
-            <a:off x="6352395" y="4126590"/>
-            <a:ext cx="486623" cy="0"/>
-          </a:xfrm>
-          <a:prstGeom prst="straightConnector1">
-            <a:avLst/>
-          </a:prstGeom>
-          <a:ln>
-            <a:tailEnd type="triangle"/>
-          </a:ln>
-        </p:spPr>
-        <p:style>
-          <a:lnRef idx="2">
-            <a:schemeClr val="accent1"/>
-          </a:lnRef>
-          <a:fillRef idx="0">
-            <a:schemeClr val="accent1"/>
-          </a:fillRef>
-          <a:effectRef idx="1">
-            <a:schemeClr val="accent1"/>
-          </a:effectRef>
-          <a:fontRef idx="minor">
-            <a:schemeClr val="tx1"/>
-          </a:fontRef>
-        </p:style>
-      </p:cxnSp>
-      <p:sp>
-        <p:nvSpPr>
-          <p:cNvPr id="15" name="Rectangle 14">
-            <a:extLst>
-              <a:ext uri="{FF2B5EF4-FFF2-40B4-BE49-F238E27FC236}">
-                <a16:creationId xmlns:a16="http://schemas.microsoft.com/office/drawing/2014/main" id="{1402E64F-98D0-4403-9DFC-22F7171B1178}"/>
-              </a:ext>
-            </a:extLst>
-          </p:cNvPr>
-          <p:cNvSpPr/>
-          <p:nvPr/>
-        </p:nvSpPr>
-        <p:spPr>
-          <a:xfrm>
-            <a:off x="1714501" y="6489978"/>
-            <a:ext cx="5367828" cy="307777"/>
-          </a:xfrm>
-          <a:prstGeom prst="rect">
-            <a:avLst/>
-          </a:prstGeom>
-        </p:spPr>
-        <p:txBody>
-          <a:bodyPr wrap="square">
-            <a:spAutoFit/>
-          </a:bodyPr>
-          <a:lstStyle/>
-          <a:p>
-            <a:r>
-              <a:rPr lang="en-GB" sz="1400" dirty="0"/>
-              <a:t>https://github.com/rrwick/Bandage/wiki/Effect-of-kmer-size</a:t>
-            </a:r>
-          </a:p>
-        </p:txBody>
-      </p:sp>
-    </p:spTree>
-    <p:extLst>
-      <p:ext uri="{BB962C8B-B14F-4D97-AF65-F5344CB8AC3E}">
-        <p14:creationId xmlns:p14="http://schemas.microsoft.com/office/powerpoint/2010/main" val="1631903960"/>
-      </p:ext>
-    </p:extLst>
-  </p:cSld>
-  <p:clrMapOvr>
-    <a:masterClrMapping/>
-  </p:clrMapOvr>
-  <p:timing>
-    <p:tnLst>
-      <p:par>
-        <p:cTn id="1" dur="indefinite" restart="never" nodeType="tmRoot">
-          <p:childTnLst>
-            <p:seq concurrent="1" nextAc="seek">
-              <p:cTn id="2" dur="indefinite" nodeType="mainSeq">
-                <p:childTnLst>
-                  <p:par>
-                    <p:cTn id="3" fill="hold">
-                      <p:stCondLst>
-                        <p:cond delay="indefinite"/>
-                      </p:stCondLst>
-                      <p:childTnLst>
-                        <p:par>
-                          <p:cTn id="4" fill="hold">
-                            <p:stCondLst>
-                              <p:cond delay="0"/>
-                            </p:stCondLst>
-                            <p:childTnLst>
-                              <p:par>
-                                <p:cTn id="5" presetID="1" presetClass="entr" presetSubtype="0" fill="hold" grpId="0" nodeType="clickEffect" nodePh="1">
-                                  <p:stCondLst>
-                                    <p:cond delay="0"/>
-                                  </p:stCondLst>
-                                  <p:endCondLst>
-                                    <p:cond evt="begin" delay="0">
-                                      <p:tn val="5"/>
-                                    </p:cond>
-                                  </p:endCondLst>
-                                  <p:childTnLst>
-                                    <p:set>
-                                      <p:cBhvr>
-                                        <p:cTn id="6" dur="1" fill="hold">
-                                          <p:stCondLst>
-                                            <p:cond delay="0"/>
-                                          </p:stCondLst>
-                                        </p:cTn>
-                                        <p:tgtEl>
-                                          <p:spTgt spid="8">
-                                            <p:txEl>
-                                              <p:pRg st="0" end="0"/>
-                                            </p:txEl>
-                                          </p:spTgt>
-                                        </p:tgtEl>
-                                        <p:attrNameLst>
-                                          <p:attrName>style.visibility</p:attrName>
-                                        </p:attrNameLst>
-                                      </p:cBhvr>
-                                      <p:to>
-                                        <p:strVal val="visible"/>
-                                      </p:to>
-                                    </p:set>
-                                  </p:childTnLst>
-                                </p:cTn>
-                              </p:par>
-                            </p:childTnLst>
-                          </p:cTn>
-                        </p:par>
-                      </p:childTnLst>
-                    </p:cTn>
-                  </p:par>
-                </p:childTnLst>
-              </p:cTn>
-              <p:prevCondLst>
-                <p:cond evt="onPrev" delay="0">
-                  <p:tgtEl>
-                    <p:sldTgt/>
-                  </p:tgtEl>
-                </p:cond>
-              </p:prevCondLst>
-              <p:nextCondLst>
-                <p:cond evt="onNext" delay="0">
-                  <p:tgtEl>
-                    <p:sldTgt/>
-                  </p:tgtEl>
-                </p:cond>
-              </p:nextCondLst>
-            </p:seq>
-          </p:childTnLst>
-        </p:cTn>
-      </p:par>
-    </p:tnLst>
-    <p:bldLst>
-      <p:bldP spid="8" grpId="0" build="p"/>
-    </p:bldLst>
-  </p:timing>
-</p:sld>
-</file>
-
-<file path=ppt/slides/slide8.xml><?xml version="1.0" encoding="utf-8"?>
-<p:sld xmlns:a="http://schemas.openxmlformats.org/drawingml/2006/main" xmlns:r="http://schemas.openxmlformats.org/officeDocument/2006/relationships" xmlns:p="http://schemas.openxmlformats.org/presentationml/2006/main">
-  <p:cSld>
-    <p:spTree>
-      <p:nvGrpSpPr>
-        <p:cNvPr id="1" name=""/>
-        <p:cNvGrpSpPr/>
-        <p:nvPr/>
-      </p:nvGrpSpPr>
-      <p:grpSpPr>
-        <a:xfrm>
-          <a:off x="0" y="0"/>
-          <a:ext cx="0" cy="0"/>
-          <a:chOff x="0" y="0"/>
-          <a:chExt cx="0" cy="0"/>
-        </a:xfrm>
-      </p:grpSpPr>
-      <p:sp>
-        <p:nvSpPr>
-          <p:cNvPr id="4" name="Title 3"/>
-          <p:cNvSpPr>
-            <a:spLocks noGrp="1"/>
-          </p:cNvSpPr>
-          <p:nvPr>
-            <p:ph type="title"/>
-          </p:nvPr>
-        </p:nvSpPr>
-        <p:spPr>
-          <a:xfrm>
-            <a:off x="2625013" y="386437"/>
-            <a:ext cx="7941389" cy="590931"/>
-          </a:xfrm>
-        </p:spPr>
-        <p:txBody>
-          <a:bodyPr/>
-          <a:lstStyle/>
-          <a:p>
-            <a:r>
-              <a:rPr lang="en-GB" dirty="0" err="1"/>
-              <a:t>Kmers</a:t>
-            </a:r>
-            <a:r>
-              <a:rPr lang="en-GB" dirty="0"/>
-              <a:t> and </a:t>
-            </a:r>
-            <a:r>
-              <a:rPr lang="en-GB" i="1" dirty="0"/>
-              <a:t>De </a:t>
-            </a:r>
-            <a:r>
-              <a:rPr lang="en-GB" i="1" dirty="0" err="1"/>
-              <a:t>Bruijn</a:t>
-            </a:r>
-            <a:r>
-              <a:rPr lang="en-GB" i="1" dirty="0"/>
-              <a:t> </a:t>
-            </a:r>
-            <a:r>
-              <a:rPr lang="en-GB" dirty="0"/>
-              <a:t>graph</a:t>
-            </a:r>
-          </a:p>
-        </p:txBody>
-      </p:sp>
-      <p:sp>
-        <p:nvSpPr>
-          <p:cNvPr id="8" name="Content Placeholder 2"/>
-          <p:cNvSpPr txBox="1">
-            <a:spLocks/>
-          </p:cNvSpPr>
-          <p:nvPr/>
-        </p:nvSpPr>
-        <p:spPr>
-          <a:xfrm>
-            <a:off x="1524000" y="1531083"/>
-            <a:ext cx="9042400" cy="1200329"/>
-          </a:xfrm>
-          <a:prstGeom prst="rect">
-            <a:avLst/>
-          </a:prstGeom>
-          <a:noFill/>
-        </p:spPr>
-        <p:txBody>
-          <a:bodyPr vert="horz" lIns="91440" tIns="45720" rIns="91440" bIns="45720" rtlCol="0">
-            <a:normAutofit/>
-          </a:bodyPr>
-          <a:lstStyle>
-            <a:lvl1pPr marL="342900" indent="-342900" algn="l" defTabSz="457200" rtl="0" eaLnBrk="1" latinLnBrk="0" hangingPunct="1">
-              <a:spcBef>
-                <a:spcPct val="20000"/>
-              </a:spcBef>
-              <a:buClr>
-                <a:srgbClr val="872175"/>
-              </a:buClr>
-              <a:buFont typeface="Arial"/>
-              <a:buChar char="•"/>
-              <a:defRPr sz="3200" kern="1200">
-                <a:solidFill>
-                  <a:schemeClr val="tx1"/>
-                </a:solidFill>
-                <a:latin typeface="+mn-lt"/>
-                <a:ea typeface="+mn-ea"/>
-                <a:cs typeface="+mn-cs"/>
-              </a:defRPr>
-            </a:lvl1pPr>
-            <a:lvl2pPr marL="742950" indent="-285750" algn="l" defTabSz="457200" rtl="0" eaLnBrk="1" latinLnBrk="0" hangingPunct="1">
-              <a:spcBef>
-                <a:spcPct val="20000"/>
-              </a:spcBef>
-              <a:buClr>
-                <a:srgbClr val="872175"/>
-              </a:buClr>
-              <a:buFont typeface="Arial"/>
-              <a:buChar char="–"/>
-              <a:defRPr sz="2400" kern="1200">
-                <a:solidFill>
-                  <a:schemeClr val="tx1"/>
-                </a:solidFill>
-                <a:latin typeface="+mn-lt"/>
-                <a:ea typeface="+mn-ea"/>
-                <a:cs typeface="+mn-cs"/>
-              </a:defRPr>
-            </a:lvl2pPr>
-            <a:lvl3pPr marL="1143000" indent="-228600" algn="l" defTabSz="457200" rtl="0" eaLnBrk="1" latinLnBrk="0" hangingPunct="1">
-              <a:spcBef>
-                <a:spcPct val="20000"/>
-              </a:spcBef>
-              <a:buClr>
-                <a:srgbClr val="872175"/>
-              </a:buClr>
-              <a:buFont typeface="Arial"/>
-              <a:buChar char="•"/>
-              <a:defRPr sz="2400" kern="1200">
-                <a:solidFill>
-                  <a:schemeClr val="tx1"/>
-                </a:solidFill>
-                <a:latin typeface="+mn-lt"/>
-                <a:ea typeface="+mn-ea"/>
-                <a:cs typeface="+mn-cs"/>
-              </a:defRPr>
-            </a:lvl3pPr>
-            <a:lvl4pPr marL="1600200" indent="-228600" algn="l" defTabSz="457200" rtl="0" eaLnBrk="1" latinLnBrk="0" hangingPunct="1">
-              <a:spcBef>
-                <a:spcPct val="20000"/>
-              </a:spcBef>
-              <a:buClr>
-                <a:srgbClr val="872175"/>
-              </a:buClr>
-              <a:buFont typeface="Arial"/>
-              <a:buChar char="–"/>
-              <a:defRPr sz="2000" kern="1200">
-                <a:solidFill>
-                  <a:schemeClr val="tx1"/>
-                </a:solidFill>
-                <a:latin typeface="+mn-lt"/>
-                <a:ea typeface="+mn-ea"/>
-                <a:cs typeface="+mn-cs"/>
-              </a:defRPr>
-            </a:lvl4pPr>
-            <a:lvl5pPr marL="2057400" indent="-228600" algn="l" defTabSz="457200" rtl="0" eaLnBrk="1" latinLnBrk="0" hangingPunct="1">
-              <a:spcBef>
-                <a:spcPct val="20000"/>
-              </a:spcBef>
-              <a:buClr>
-                <a:srgbClr val="872175"/>
-              </a:buClr>
-              <a:buFont typeface="Arial"/>
-              <a:buChar char="»"/>
-              <a:defRPr sz="2000" kern="1200">
-                <a:solidFill>
-                  <a:schemeClr val="tx1"/>
-                </a:solidFill>
-                <a:latin typeface="+mn-lt"/>
-                <a:ea typeface="+mn-ea"/>
-                <a:cs typeface="+mn-cs"/>
-              </a:defRPr>
-            </a:lvl5pPr>
-            <a:lvl6pPr marL="2514600" indent="-228600" algn="l" defTabSz="457200" rtl="0" eaLnBrk="1" latinLnBrk="0" hangingPunct="1">
-              <a:spcBef>
-                <a:spcPct val="20000"/>
-              </a:spcBef>
-              <a:buFont typeface="Arial"/>
-              <a:buChar char="•"/>
-              <a:defRPr sz="2000" kern="1200">
-                <a:solidFill>
-                  <a:schemeClr val="tx1"/>
-                </a:solidFill>
-                <a:latin typeface="+mn-lt"/>
-                <a:ea typeface="+mn-ea"/>
-                <a:cs typeface="+mn-cs"/>
-              </a:defRPr>
-            </a:lvl6pPr>
-            <a:lvl7pPr marL="2971800" indent="-228600" algn="l" defTabSz="457200" rtl="0" eaLnBrk="1" latinLnBrk="0" hangingPunct="1">
-              <a:spcBef>
-                <a:spcPct val="20000"/>
-              </a:spcBef>
-              <a:buFont typeface="Arial"/>
-              <a:buChar char="•"/>
-              <a:defRPr sz="2000" kern="1200">
-                <a:solidFill>
-                  <a:schemeClr val="tx1"/>
-                </a:solidFill>
-                <a:latin typeface="+mn-lt"/>
-                <a:ea typeface="+mn-ea"/>
-                <a:cs typeface="+mn-cs"/>
-              </a:defRPr>
-            </a:lvl7pPr>
-            <a:lvl8pPr marL="3429000" indent="-228600" algn="l" defTabSz="457200" rtl="0" eaLnBrk="1" latinLnBrk="0" hangingPunct="1">
-              <a:spcBef>
-                <a:spcPct val="20000"/>
-              </a:spcBef>
-              <a:buFont typeface="Arial"/>
-              <a:buChar char="•"/>
-              <a:defRPr sz="2000" kern="1200">
-                <a:solidFill>
-                  <a:schemeClr val="tx1"/>
-                </a:solidFill>
-                <a:latin typeface="+mn-lt"/>
-                <a:ea typeface="+mn-ea"/>
-                <a:cs typeface="+mn-cs"/>
-              </a:defRPr>
-            </a:lvl8pPr>
-            <a:lvl9pPr marL="3886200" indent="-228600" algn="l" defTabSz="457200" rtl="0" eaLnBrk="1" latinLnBrk="0" hangingPunct="1">
-              <a:spcBef>
-                <a:spcPct val="20000"/>
-              </a:spcBef>
-              <a:buFont typeface="Arial"/>
-              <a:buChar char="•"/>
-              <a:defRPr sz="2000" kern="1200">
-                <a:solidFill>
-                  <a:schemeClr val="tx1"/>
-                </a:solidFill>
-                <a:latin typeface="+mn-lt"/>
-                <a:ea typeface="+mn-ea"/>
-                <a:cs typeface="+mn-cs"/>
-              </a:defRPr>
-            </a:lvl9pPr>
-          </a:lstStyle>
-          <a:p>
-            <a:pPr marL="285750" indent="-285750">
-              <a:buFont typeface="Arial" panose="020B0604020202020204" pitchFamily="34" charset="0"/>
-              <a:buChar char="•"/>
-            </a:pPr>
-            <a:endParaRPr lang="en-GB" sz="2400" dirty="0"/>
-          </a:p>
-        </p:txBody>
-      </p:sp>
-      <p:sp>
-        <p:nvSpPr>
-          <p:cNvPr id="9" name="Content Placeholder 2">
-            <a:extLst>
-              <a:ext uri="{FF2B5EF4-FFF2-40B4-BE49-F238E27FC236}">
-                <a16:creationId xmlns:a16="http://schemas.microsoft.com/office/drawing/2014/main" id="{2649F7C4-5543-43B1-B592-C737A7308F45}"/>
-              </a:ext>
-            </a:extLst>
-          </p:cNvPr>
-          <p:cNvSpPr txBox="1">
-            <a:spLocks/>
-          </p:cNvSpPr>
-          <p:nvPr/>
-        </p:nvSpPr>
-        <p:spPr>
-          <a:xfrm>
             <a:off x="2827886" y="1308633"/>
             <a:ext cx="5367828" cy="4761111"/>
           </a:xfrm>
@@ -8905,6 +8101,529 @@
       <p:bldP spid="8" grpId="0" build="p"/>
     </p:bldLst>
   </p:timing>
+</p:sld>
+</file>
+
+<file path=ppt/slides/slide8.xml><?xml version="1.0" encoding="utf-8"?>
+<p:sld xmlns:a="http://schemas.openxmlformats.org/drawingml/2006/main" xmlns:r="http://schemas.openxmlformats.org/officeDocument/2006/relationships" xmlns:p="http://schemas.openxmlformats.org/presentationml/2006/main">
+  <p:cSld>
+    <p:spTree>
+      <p:nvGrpSpPr>
+        <p:cNvPr id="1" name=""/>
+        <p:cNvGrpSpPr/>
+        <p:nvPr/>
+      </p:nvGrpSpPr>
+      <p:grpSpPr>
+        <a:xfrm>
+          <a:off x="0" y="0"/>
+          <a:ext cx="0" cy="0"/>
+          <a:chOff x="0" y="0"/>
+          <a:chExt cx="0" cy="0"/>
+        </a:xfrm>
+      </p:grpSpPr>
+      <p:sp>
+        <p:nvSpPr>
+          <p:cNvPr id="4" name="Title 3"/>
+          <p:cNvSpPr>
+            <a:spLocks noGrp="1"/>
+          </p:cNvSpPr>
+          <p:nvPr>
+            <p:ph type="title"/>
+          </p:nvPr>
+        </p:nvSpPr>
+        <p:spPr>
+          <a:xfrm>
+            <a:off x="2625013" y="386437"/>
+            <a:ext cx="7941389" cy="590931"/>
+          </a:xfrm>
+        </p:spPr>
+        <p:txBody>
+          <a:bodyPr/>
+          <a:lstStyle/>
+          <a:p>
+            <a:r>
+              <a:rPr lang="en-GB" dirty="0"/>
+              <a:t>Draw your own graphs</a:t>
+            </a:r>
+          </a:p>
+        </p:txBody>
+      </p:sp>
+      <p:sp>
+        <p:nvSpPr>
+          <p:cNvPr id="9" name="Content Placeholder 2">
+            <a:extLst>
+              <a:ext uri="{FF2B5EF4-FFF2-40B4-BE49-F238E27FC236}">
+                <a16:creationId xmlns:a16="http://schemas.microsoft.com/office/drawing/2014/main" id="{2649F7C4-5543-43B1-B592-C737A7308F45}"/>
+              </a:ext>
+            </a:extLst>
+          </p:cNvPr>
+          <p:cNvSpPr txBox="1">
+            <a:spLocks/>
+          </p:cNvSpPr>
+          <p:nvPr/>
+        </p:nvSpPr>
+        <p:spPr>
+          <a:xfrm>
+            <a:off x="772162" y="1304409"/>
+            <a:ext cx="10181274" cy="4761111"/>
+          </a:xfrm>
+          <a:prstGeom prst="rect">
+            <a:avLst/>
+          </a:prstGeom>
+          <a:noFill/>
+        </p:spPr>
+        <p:txBody>
+          <a:bodyPr vert="horz" lIns="91440" tIns="45720" rIns="91440" bIns="45720" rtlCol="0">
+            <a:normAutofit/>
+          </a:bodyPr>
+          <a:lstStyle>
+            <a:lvl1pPr marL="342900" indent="-342900" algn="l" defTabSz="457200" rtl="0" eaLnBrk="1" latinLnBrk="0" hangingPunct="1">
+              <a:spcBef>
+                <a:spcPct val="20000"/>
+              </a:spcBef>
+              <a:buClr>
+                <a:srgbClr val="872175"/>
+              </a:buClr>
+              <a:buFont typeface="Arial"/>
+              <a:buChar char="•"/>
+              <a:defRPr sz="3200" kern="1200">
+                <a:solidFill>
+                  <a:schemeClr val="tx1"/>
+                </a:solidFill>
+                <a:latin typeface="+mn-lt"/>
+                <a:ea typeface="+mn-ea"/>
+                <a:cs typeface="+mn-cs"/>
+              </a:defRPr>
+            </a:lvl1pPr>
+            <a:lvl2pPr marL="742950" indent="-285750" algn="l" defTabSz="457200" rtl="0" eaLnBrk="1" latinLnBrk="0" hangingPunct="1">
+              <a:spcBef>
+                <a:spcPct val="20000"/>
+              </a:spcBef>
+              <a:buClr>
+                <a:srgbClr val="872175"/>
+              </a:buClr>
+              <a:buFont typeface="Arial"/>
+              <a:buChar char="–"/>
+              <a:defRPr sz="2400" kern="1200">
+                <a:solidFill>
+                  <a:schemeClr val="tx1"/>
+                </a:solidFill>
+                <a:latin typeface="+mn-lt"/>
+                <a:ea typeface="+mn-ea"/>
+                <a:cs typeface="+mn-cs"/>
+              </a:defRPr>
+            </a:lvl2pPr>
+            <a:lvl3pPr marL="1143000" indent="-228600" algn="l" defTabSz="457200" rtl="0" eaLnBrk="1" latinLnBrk="0" hangingPunct="1">
+              <a:spcBef>
+                <a:spcPct val="20000"/>
+              </a:spcBef>
+              <a:buClr>
+                <a:srgbClr val="872175"/>
+              </a:buClr>
+              <a:buFont typeface="Arial"/>
+              <a:buChar char="•"/>
+              <a:defRPr sz="2400" kern="1200">
+                <a:solidFill>
+                  <a:schemeClr val="tx1"/>
+                </a:solidFill>
+                <a:latin typeface="+mn-lt"/>
+                <a:ea typeface="+mn-ea"/>
+                <a:cs typeface="+mn-cs"/>
+              </a:defRPr>
+            </a:lvl3pPr>
+            <a:lvl4pPr marL="1600200" indent="-228600" algn="l" defTabSz="457200" rtl="0" eaLnBrk="1" latinLnBrk="0" hangingPunct="1">
+              <a:spcBef>
+                <a:spcPct val="20000"/>
+              </a:spcBef>
+              <a:buClr>
+                <a:srgbClr val="872175"/>
+              </a:buClr>
+              <a:buFont typeface="Arial"/>
+              <a:buChar char="–"/>
+              <a:defRPr sz="2000" kern="1200">
+                <a:solidFill>
+                  <a:schemeClr val="tx1"/>
+                </a:solidFill>
+                <a:latin typeface="+mn-lt"/>
+                <a:ea typeface="+mn-ea"/>
+                <a:cs typeface="+mn-cs"/>
+              </a:defRPr>
+            </a:lvl4pPr>
+            <a:lvl5pPr marL="2057400" indent="-228600" algn="l" defTabSz="457200" rtl="0" eaLnBrk="1" latinLnBrk="0" hangingPunct="1">
+              <a:spcBef>
+                <a:spcPct val="20000"/>
+              </a:spcBef>
+              <a:buClr>
+                <a:srgbClr val="872175"/>
+              </a:buClr>
+              <a:buFont typeface="Arial"/>
+              <a:buChar char="»"/>
+              <a:defRPr sz="2000" kern="1200">
+                <a:solidFill>
+                  <a:schemeClr val="tx1"/>
+                </a:solidFill>
+                <a:latin typeface="+mn-lt"/>
+                <a:ea typeface="+mn-ea"/>
+                <a:cs typeface="+mn-cs"/>
+              </a:defRPr>
+            </a:lvl5pPr>
+            <a:lvl6pPr marL="2514600" indent="-228600" algn="l" defTabSz="457200" rtl="0" eaLnBrk="1" latinLnBrk="0" hangingPunct="1">
+              <a:spcBef>
+                <a:spcPct val="20000"/>
+              </a:spcBef>
+              <a:buFont typeface="Arial"/>
+              <a:buChar char="•"/>
+              <a:defRPr sz="2000" kern="1200">
+                <a:solidFill>
+                  <a:schemeClr val="tx1"/>
+                </a:solidFill>
+                <a:latin typeface="+mn-lt"/>
+                <a:ea typeface="+mn-ea"/>
+                <a:cs typeface="+mn-cs"/>
+              </a:defRPr>
+            </a:lvl6pPr>
+            <a:lvl7pPr marL="2971800" indent="-228600" algn="l" defTabSz="457200" rtl="0" eaLnBrk="1" latinLnBrk="0" hangingPunct="1">
+              <a:spcBef>
+                <a:spcPct val="20000"/>
+              </a:spcBef>
+              <a:buFont typeface="Arial"/>
+              <a:buChar char="•"/>
+              <a:defRPr sz="2000" kern="1200">
+                <a:solidFill>
+                  <a:schemeClr val="tx1"/>
+                </a:solidFill>
+                <a:latin typeface="+mn-lt"/>
+                <a:ea typeface="+mn-ea"/>
+                <a:cs typeface="+mn-cs"/>
+              </a:defRPr>
+            </a:lvl7pPr>
+            <a:lvl8pPr marL="3429000" indent="-228600" algn="l" defTabSz="457200" rtl="0" eaLnBrk="1" latinLnBrk="0" hangingPunct="1">
+              <a:spcBef>
+                <a:spcPct val="20000"/>
+              </a:spcBef>
+              <a:buFont typeface="Arial"/>
+              <a:buChar char="•"/>
+              <a:defRPr sz="2000" kern="1200">
+                <a:solidFill>
+                  <a:schemeClr val="tx1"/>
+                </a:solidFill>
+                <a:latin typeface="+mn-lt"/>
+                <a:ea typeface="+mn-ea"/>
+                <a:cs typeface="+mn-cs"/>
+              </a:defRPr>
+            </a:lvl8pPr>
+            <a:lvl9pPr marL="3886200" indent="-228600" algn="l" defTabSz="457200" rtl="0" eaLnBrk="1" latinLnBrk="0" hangingPunct="1">
+              <a:spcBef>
+                <a:spcPct val="20000"/>
+              </a:spcBef>
+              <a:buFont typeface="Arial"/>
+              <a:buChar char="•"/>
+              <a:defRPr sz="2000" kern="1200">
+                <a:solidFill>
+                  <a:schemeClr val="tx1"/>
+                </a:solidFill>
+                <a:latin typeface="+mn-lt"/>
+                <a:ea typeface="+mn-ea"/>
+                <a:cs typeface="+mn-cs"/>
+              </a:defRPr>
+            </a:lvl9pPr>
+          </a:lstStyle>
+          <a:p>
+            <a:pPr marL="285750" indent="-285750">
+              <a:buFont typeface="Arial" panose="020B0604020202020204" pitchFamily="34" charset="0"/>
+              <a:buChar char="•"/>
+            </a:pPr>
+            <a:r>
+              <a:rPr lang="en-GB" sz="2400" dirty="0">
+                <a:hlinkClick r:id="rId2"/>
+              </a:rPr>
+              <a:t>http://rrwick.github.io/Bandage/</a:t>
+            </a:r>
+            <a:endParaRPr lang="en-GB" sz="2400" dirty="0"/>
+          </a:p>
+          <a:p>
+            <a:pPr marL="285750" indent="-285750">
+              <a:buFont typeface="Arial" panose="020B0604020202020204" pitchFamily="34" charset="0"/>
+              <a:buChar char="•"/>
+            </a:pPr>
+            <a:r>
+              <a:rPr lang="en-GB" sz="2400" b="1" dirty="0"/>
+              <a:t>How: </a:t>
+            </a:r>
+            <a:r>
+              <a:rPr lang="en-GB" sz="2400" dirty="0">
+                <a:hlinkClick r:id="rId3"/>
+              </a:rPr>
+              <a:t>https://github.com/rrwick/Bandage/wiki/Getting-started</a:t>
+            </a:r>
+            <a:endParaRPr lang="en-GB" sz="2400" dirty="0"/>
+          </a:p>
+          <a:p>
+            <a:pPr marL="285750" indent="-285750">
+              <a:buFont typeface="Arial" panose="020B0604020202020204" pitchFamily="34" charset="0"/>
+              <a:buChar char="•"/>
+            </a:pPr>
+            <a:r>
+              <a:rPr lang="en-GB" sz="2400" dirty="0"/>
+              <a:t>Use the graphs in the graphs folder (</a:t>
+            </a:r>
+            <a:r>
+              <a:rPr lang="en-GB" sz="2400"/>
+              <a:t>our dataset!)</a:t>
+            </a:r>
+            <a:endParaRPr lang="en-GB" sz="2400" dirty="0"/>
+          </a:p>
+          <a:p>
+            <a:pPr marL="285750" indent="-285750">
+              <a:buFont typeface="Arial" panose="020B0604020202020204" pitchFamily="34" charset="0"/>
+              <a:buChar char="•"/>
+            </a:pPr>
+            <a:endParaRPr lang="en-GB" sz="2400" dirty="0"/>
+          </a:p>
+        </p:txBody>
+      </p:sp>
+      <p:pic>
+        <p:nvPicPr>
+          <p:cNvPr id="3" name="Picture 2" descr="A picture containing kite, field, flying&#10;&#10;Description automatically generated">
+            <a:extLst>
+              <a:ext uri="{FF2B5EF4-FFF2-40B4-BE49-F238E27FC236}">
+                <a16:creationId xmlns:a16="http://schemas.microsoft.com/office/drawing/2014/main" id="{25DE0810-5461-4141-B176-7503863E4A78}"/>
+              </a:ext>
+            </a:extLst>
+          </p:cNvPr>
+          <p:cNvPicPr>
+            <a:picLocks noChangeAspect="1"/>
+          </p:cNvPicPr>
+          <p:nvPr/>
+        </p:nvPicPr>
+        <p:blipFill>
+          <a:blip r:embed="rId4">
+            <a:extLst>
+              <a:ext uri="{BEBA8EAE-BF5A-486C-A8C5-ECC9F3942E4B}">
+                <a14:imgProps xmlns:a14="http://schemas.microsoft.com/office/drawing/2010/main">
+                  <a14:imgLayer r:embed="rId5">
+                    <a14:imgEffect>
+                      <a14:brightnessContrast contrast="-40000"/>
+                    </a14:imgEffect>
+                  </a14:imgLayer>
+                </a14:imgProps>
+              </a:ext>
+              <a:ext uri="{28A0092B-C50C-407E-A947-70E740481C1C}">
+                <a14:useLocalDpi xmlns:a14="http://schemas.microsoft.com/office/drawing/2010/main" val="0"/>
+              </a:ext>
+            </a:extLst>
+          </a:blip>
+          <a:stretch>
+            <a:fillRect/>
+          </a:stretch>
+        </p:blipFill>
+        <p:spPr>
+          <a:xfrm>
+            <a:off x="2547467" y="3677920"/>
+            <a:ext cx="2586567" cy="2387600"/>
+          </a:xfrm>
+          <a:prstGeom prst="rect">
+            <a:avLst/>
+          </a:prstGeom>
+        </p:spPr>
+      </p:pic>
+      <p:pic>
+        <p:nvPicPr>
+          <p:cNvPr id="7" name="Picture 6" descr="Diagram&#10;&#10;Description automatically generated">
+            <a:extLst>
+              <a:ext uri="{FF2B5EF4-FFF2-40B4-BE49-F238E27FC236}">
+                <a16:creationId xmlns:a16="http://schemas.microsoft.com/office/drawing/2014/main" id="{2FBF5090-C605-4B64-B1D7-B40C6861053C}"/>
+              </a:ext>
+            </a:extLst>
+          </p:cNvPr>
+          <p:cNvPicPr>
+            <a:picLocks noChangeAspect="1"/>
+          </p:cNvPicPr>
+          <p:nvPr/>
+        </p:nvPicPr>
+        <p:blipFill>
+          <a:blip r:embed="rId6">
+            <a:extLst>
+              <a:ext uri="{28A0092B-C50C-407E-A947-70E740481C1C}">
+                <a14:useLocalDpi xmlns:a14="http://schemas.microsoft.com/office/drawing/2010/main" val="0"/>
+              </a:ext>
+            </a:extLst>
+          </a:blip>
+          <a:stretch>
+            <a:fillRect/>
+          </a:stretch>
+        </p:blipFill>
+        <p:spPr>
+          <a:xfrm>
+            <a:off x="169088" y="3999664"/>
+            <a:ext cx="2138951" cy="1974416"/>
+          </a:xfrm>
+          <a:prstGeom prst="rect">
+            <a:avLst/>
+          </a:prstGeom>
+        </p:spPr>
+      </p:pic>
+      <p:sp>
+        <p:nvSpPr>
+          <p:cNvPr id="10" name="TextBox 9">
+            <a:extLst>
+              <a:ext uri="{FF2B5EF4-FFF2-40B4-BE49-F238E27FC236}">
+                <a16:creationId xmlns:a16="http://schemas.microsoft.com/office/drawing/2014/main" id="{5B7895BC-0D62-4768-A4EE-6DA6753E9F36}"/>
+              </a:ext>
+            </a:extLst>
+          </p:cNvPr>
+          <p:cNvSpPr txBox="1"/>
+          <p:nvPr/>
+        </p:nvSpPr>
+        <p:spPr>
+          <a:xfrm>
+            <a:off x="772162" y="3059668"/>
+            <a:ext cx="10535913" cy="369332"/>
+          </a:xfrm>
+          <a:prstGeom prst="rect">
+            <a:avLst/>
+          </a:prstGeom>
+          <a:noFill/>
+        </p:spPr>
+        <p:txBody>
+          <a:bodyPr wrap="square" rtlCol="0">
+            <a:spAutoFit/>
+          </a:bodyPr>
+          <a:lstStyle/>
+          <a:p>
+            <a:r>
+              <a:rPr lang="en-GB" dirty="0"/>
+              <a:t>K=18			K=53				      </a:t>
+            </a:r>
+            <a:r>
+              <a:rPr lang="en-GB" dirty="0" err="1"/>
+              <a:t>Unicycler</a:t>
+            </a:r>
+            <a:r>
+              <a:rPr lang="en-GB" dirty="0"/>
+              <a:t>		</a:t>
+            </a:r>
+          </a:p>
+        </p:txBody>
+      </p:sp>
+      <p:cxnSp>
+        <p:nvCxnSpPr>
+          <p:cNvPr id="16" name="Straight Connector 15">
+            <a:extLst>
+              <a:ext uri="{FF2B5EF4-FFF2-40B4-BE49-F238E27FC236}">
+                <a16:creationId xmlns:a16="http://schemas.microsoft.com/office/drawing/2014/main" id="{572F3897-9F97-4B68-8D0D-63E204B1C386}"/>
+              </a:ext>
+            </a:extLst>
+          </p:cNvPr>
+          <p:cNvCxnSpPr/>
+          <p:nvPr/>
+        </p:nvCxnSpPr>
+        <p:spPr>
+          <a:xfrm>
+            <a:off x="2367280" y="3820160"/>
+            <a:ext cx="0" cy="2153920"/>
+          </a:xfrm>
+          <a:prstGeom prst="line">
+            <a:avLst/>
+          </a:prstGeom>
+        </p:spPr>
+        <p:style>
+          <a:lnRef idx="1">
+            <a:schemeClr val="accent1"/>
+          </a:lnRef>
+          <a:fillRef idx="0">
+            <a:schemeClr val="accent1"/>
+          </a:fillRef>
+          <a:effectRef idx="0">
+            <a:schemeClr val="accent1"/>
+          </a:effectRef>
+          <a:fontRef idx="minor">
+            <a:schemeClr val="tx1"/>
+          </a:fontRef>
+        </p:style>
+      </p:cxnSp>
+      <p:cxnSp>
+        <p:nvCxnSpPr>
+          <p:cNvPr id="19" name="Straight Connector 18">
+            <a:extLst>
+              <a:ext uri="{FF2B5EF4-FFF2-40B4-BE49-F238E27FC236}">
+                <a16:creationId xmlns:a16="http://schemas.microsoft.com/office/drawing/2014/main" id="{E90F5B5C-BCD4-4284-8483-9720D0FC56BB}"/>
+              </a:ext>
+            </a:extLst>
+          </p:cNvPr>
+          <p:cNvCxnSpPr/>
+          <p:nvPr/>
+        </p:nvCxnSpPr>
+        <p:spPr>
+          <a:xfrm>
+            <a:off x="5486400" y="3820160"/>
+            <a:ext cx="0" cy="2153920"/>
+          </a:xfrm>
+          <a:prstGeom prst="line">
+            <a:avLst/>
+          </a:prstGeom>
+        </p:spPr>
+        <p:style>
+          <a:lnRef idx="1">
+            <a:schemeClr val="accent1"/>
+          </a:lnRef>
+          <a:fillRef idx="0">
+            <a:schemeClr val="accent1"/>
+          </a:fillRef>
+          <a:effectRef idx="0">
+            <a:schemeClr val="accent1"/>
+          </a:effectRef>
+          <a:fontRef idx="minor">
+            <a:schemeClr val="tx1"/>
+          </a:fontRef>
+        </p:style>
+      </p:cxnSp>
+      <p:pic>
+        <p:nvPicPr>
+          <p:cNvPr id="18" name="Picture 17" descr="A picture containing game, basketball, mirror, table&#10;&#10;Description automatically generated">
+            <a:extLst>
+              <a:ext uri="{FF2B5EF4-FFF2-40B4-BE49-F238E27FC236}">
+                <a16:creationId xmlns:a16="http://schemas.microsoft.com/office/drawing/2014/main" id="{D6385D35-1263-419F-ABEC-246A38CBA70B}"/>
+              </a:ext>
+            </a:extLst>
+          </p:cNvPr>
+          <p:cNvPicPr>
+            <a:picLocks noChangeAspect="1"/>
+          </p:cNvPicPr>
+          <p:nvPr/>
+        </p:nvPicPr>
+        <p:blipFill>
+          <a:blip r:embed="rId7">
+            <a:extLst>
+              <a:ext uri="{28A0092B-C50C-407E-A947-70E740481C1C}">
+                <a14:useLocalDpi xmlns:a14="http://schemas.microsoft.com/office/drawing/2010/main" val="0"/>
+              </a:ext>
+            </a:extLst>
+          </a:blip>
+          <a:stretch>
+            <a:fillRect/>
+          </a:stretch>
+        </p:blipFill>
+        <p:spPr>
+          <a:xfrm>
+            <a:off x="7621862" y="3761208"/>
+            <a:ext cx="2307151" cy="2132844"/>
+          </a:xfrm>
+          <a:prstGeom prst="rect">
+            <a:avLst/>
+          </a:prstGeom>
+        </p:spPr>
+      </p:pic>
+    </p:spTree>
+    <p:extLst>
+      <p:ext uri="{BB962C8B-B14F-4D97-AF65-F5344CB8AC3E}">
+        <p14:creationId xmlns:p14="http://schemas.microsoft.com/office/powerpoint/2010/main" val="2761432632"/>
+      </p:ext>
+    </p:extLst>
+  </p:cSld>
+  <p:clrMapOvr>
+    <a:masterClrMapping/>
+  </p:clrMapOvr>
 </p:sld>
 </file>
 
